--- a/PPT/CarScope_Prezentáció.pptx
+++ b/PPT/CarScope_Prezentáció.pptx
@@ -4728,6 +4728,222 @@
               <a:t>MySQL</a:t>
             </a:r>
             <a:endParaRPr lang="hu-HU" altLang="ko-KR" sz="2000" dirty="0"/>
+          </a:p>
+        </p:txBody>
+      </p:sp>
+      <p:sp>
+        <p:nvSpPr>
+          <p:cNvPr id="6" name="내용 개체 틀 36">
+            <a:extLst>
+              <a:ext uri="{FF2B5EF4-FFF2-40B4-BE49-F238E27FC236}">
+                <a16:creationId xmlns:a16="http://schemas.microsoft.com/office/drawing/2014/main" id="{0785BBA9-C3AC-4254-B574-23D13E209FDD}"/>
+              </a:ext>
+            </a:extLst>
+          </p:cNvPr>
+          <p:cNvSpPr txBox="1">
+            <a:spLocks/>
+          </p:cNvSpPr>
+          <p:nvPr/>
+        </p:nvSpPr>
+        <p:spPr>
+          <a:xfrm>
+            <a:off x="4067944" y="4000244"/>
+            <a:ext cx="4824536" cy="2520280"/>
+          </a:xfrm>
+          <a:prstGeom prst="rect">
+            <a:avLst/>
+          </a:prstGeom>
+        </p:spPr>
+        <p:txBody>
+          <a:bodyPr vert="horz" lIns="91440" tIns="45720" rIns="91440" bIns="45720" rtlCol="0">
+            <a:normAutofit/>
+          </a:bodyPr>
+          <a:lstStyle>
+            <a:lvl1pPr marL="342900" indent="-342900" algn="l" defTabSz="914400" rtl="0" eaLnBrk="1" latinLnBrk="1" hangingPunct="1">
+              <a:spcBef>
+                <a:spcPct val="20000"/>
+              </a:spcBef>
+              <a:buFont typeface="Arial" pitchFamily="34" charset="0"/>
+              <a:buNone/>
+              <a:defRPr lang="ko-KR" altLang="en-US" sz="1600" i="1" kern="1200" baseline="0">
+                <a:solidFill>
+                  <a:schemeClr val="tx1">
+                    <a:lumMod val="65000"/>
+                    <a:lumOff val="35000"/>
+                  </a:schemeClr>
+                </a:solidFill>
+                <a:latin typeface="+mj-lt"/>
+                <a:ea typeface="맑은 고딕" pitchFamily="50" charset="-127"/>
+                <a:cs typeface="+mn-cs"/>
+              </a:defRPr>
+            </a:lvl1pPr>
+            <a:lvl2pPr marL="742950" indent="-285750" algn="l" defTabSz="914400" rtl="0" eaLnBrk="1" latinLnBrk="1" hangingPunct="1">
+              <a:spcBef>
+                <a:spcPct val="20000"/>
+              </a:spcBef>
+              <a:buFont typeface="Arial" pitchFamily="34" charset="0"/>
+              <a:buNone/>
+              <a:defRPr lang="ko-KR" altLang="en-US" sz="1600" i="1" kern="1200" baseline="0">
+                <a:solidFill>
+                  <a:schemeClr val="tx1">
+                    <a:lumMod val="65000"/>
+                    <a:lumOff val="35000"/>
+                  </a:schemeClr>
+                </a:solidFill>
+                <a:latin typeface="+mj-lt"/>
+                <a:ea typeface="맑은 고딕" pitchFamily="50" charset="-127"/>
+                <a:cs typeface="+mn-cs"/>
+              </a:defRPr>
+            </a:lvl2pPr>
+            <a:lvl3pPr marL="1143000" indent="-228600" algn="l" defTabSz="914400" rtl="0" eaLnBrk="1" latinLnBrk="1" hangingPunct="1">
+              <a:spcBef>
+                <a:spcPct val="20000"/>
+              </a:spcBef>
+              <a:buFont typeface="Arial" pitchFamily="34" charset="0"/>
+              <a:buNone/>
+              <a:defRPr lang="ko-KR" altLang="en-US" sz="1600" i="1" kern="1200" baseline="0">
+                <a:solidFill>
+                  <a:schemeClr val="tx1">
+                    <a:lumMod val="65000"/>
+                    <a:lumOff val="35000"/>
+                  </a:schemeClr>
+                </a:solidFill>
+                <a:latin typeface="+mj-lt"/>
+                <a:ea typeface="맑은 고딕" pitchFamily="50" charset="-127"/>
+                <a:cs typeface="+mn-cs"/>
+              </a:defRPr>
+            </a:lvl3pPr>
+            <a:lvl4pPr marL="1600200" indent="-228600" algn="l" defTabSz="914400" rtl="0" eaLnBrk="1" latinLnBrk="1" hangingPunct="1">
+              <a:spcBef>
+                <a:spcPct val="20000"/>
+              </a:spcBef>
+              <a:buFont typeface="Arial" pitchFamily="34" charset="0"/>
+              <a:buNone/>
+              <a:defRPr lang="ko-KR" altLang="en-US" sz="1600" i="1" kern="1200" baseline="0">
+                <a:solidFill>
+                  <a:schemeClr val="tx1">
+                    <a:lumMod val="65000"/>
+                    <a:lumOff val="35000"/>
+                  </a:schemeClr>
+                </a:solidFill>
+                <a:latin typeface="+mj-lt"/>
+                <a:ea typeface="맑은 고딕" pitchFamily="50" charset="-127"/>
+                <a:cs typeface="+mn-cs"/>
+              </a:defRPr>
+            </a:lvl4pPr>
+            <a:lvl5pPr marL="2057400" indent="-228600" algn="l" defTabSz="914400" rtl="0" eaLnBrk="1" latinLnBrk="1" hangingPunct="1">
+              <a:spcBef>
+                <a:spcPct val="20000"/>
+              </a:spcBef>
+              <a:buFont typeface="Arial" pitchFamily="34" charset="0"/>
+              <a:buNone/>
+              <a:defRPr lang="ko-KR" altLang="en-US" sz="1600" i="1" kern="1200" baseline="0">
+                <a:solidFill>
+                  <a:schemeClr val="tx1">
+                    <a:lumMod val="65000"/>
+                    <a:lumOff val="35000"/>
+                  </a:schemeClr>
+                </a:solidFill>
+                <a:latin typeface="+mj-lt"/>
+                <a:ea typeface="맑은 고딕" pitchFamily="50" charset="-127"/>
+                <a:cs typeface="+mn-cs"/>
+              </a:defRPr>
+            </a:lvl5pPr>
+            <a:lvl6pPr marL="2514600" indent="-228600" algn="l" defTabSz="914400" rtl="0" eaLnBrk="1" latinLnBrk="1" hangingPunct="1">
+              <a:spcBef>
+                <a:spcPct val="20000"/>
+              </a:spcBef>
+              <a:buFont typeface="Arial" pitchFamily="34" charset="0"/>
+              <a:buChar char="•"/>
+              <a:defRPr sz="2000" kern="1200">
+                <a:solidFill>
+                  <a:schemeClr val="tx1"/>
+                </a:solidFill>
+                <a:latin typeface="+mn-lt"/>
+                <a:ea typeface="+mn-ea"/>
+                <a:cs typeface="+mn-cs"/>
+              </a:defRPr>
+            </a:lvl6pPr>
+            <a:lvl7pPr marL="2971800" indent="-228600" algn="l" defTabSz="914400" rtl="0" eaLnBrk="1" latinLnBrk="1" hangingPunct="1">
+              <a:spcBef>
+                <a:spcPct val="20000"/>
+              </a:spcBef>
+              <a:buFont typeface="Arial" pitchFamily="34" charset="0"/>
+              <a:buChar char="•"/>
+              <a:defRPr sz="2000" kern="1200">
+                <a:solidFill>
+                  <a:schemeClr val="tx1"/>
+                </a:solidFill>
+                <a:latin typeface="+mn-lt"/>
+                <a:ea typeface="+mn-ea"/>
+                <a:cs typeface="+mn-cs"/>
+              </a:defRPr>
+            </a:lvl7pPr>
+            <a:lvl8pPr marL="3429000" indent="-228600" algn="l" defTabSz="914400" rtl="0" eaLnBrk="1" latinLnBrk="1" hangingPunct="1">
+              <a:spcBef>
+                <a:spcPct val="20000"/>
+              </a:spcBef>
+              <a:buFont typeface="Arial" pitchFamily="34" charset="0"/>
+              <a:buChar char="•"/>
+              <a:defRPr sz="2000" kern="1200">
+                <a:solidFill>
+                  <a:schemeClr val="tx1"/>
+                </a:solidFill>
+                <a:latin typeface="+mn-lt"/>
+                <a:ea typeface="+mn-ea"/>
+                <a:cs typeface="+mn-cs"/>
+              </a:defRPr>
+            </a:lvl8pPr>
+            <a:lvl9pPr marL="3886200" indent="-228600" algn="l" defTabSz="914400" rtl="0" eaLnBrk="1" latinLnBrk="1" hangingPunct="1">
+              <a:spcBef>
+                <a:spcPct val="20000"/>
+              </a:spcBef>
+              <a:buFont typeface="Arial" pitchFamily="34" charset="0"/>
+              <a:buChar char="•"/>
+              <a:defRPr sz="2000" kern="1200">
+                <a:solidFill>
+                  <a:schemeClr val="tx1"/>
+                </a:solidFill>
+                <a:latin typeface="+mn-lt"/>
+                <a:ea typeface="+mn-ea"/>
+                <a:cs typeface="+mn-cs"/>
+              </a:defRPr>
+            </a:lvl9pPr>
+          </a:lstStyle>
+          <a:p>
+            <a:pPr lvl="1">
+              <a:lnSpc>
+                <a:spcPct val="300000"/>
+              </a:lnSpc>
+              <a:buFont typeface="Arial" panose="020B0604020202020204" pitchFamily="34" charset="0"/>
+              <a:buChar char="•"/>
+            </a:pPr>
+            <a:r>
+              <a:rPr lang="hu-HU" altLang="ko-KR" sz="2000" b="1" dirty="0" err="1">
+                <a:solidFill>
+                  <a:schemeClr val="tx1"/>
+                </a:solidFill>
+              </a:rPr>
+              <a:t>CSMyadmin</a:t>
+            </a:r>
+            <a:endParaRPr lang="hu-HU" altLang="ko-KR" sz="2000" b="1" dirty="0">
+              <a:solidFill>
+                <a:schemeClr val="tx1"/>
+              </a:solidFill>
+            </a:endParaRPr>
+          </a:p>
+          <a:p>
+            <a:pPr lvl="3">
+              <a:lnSpc>
+                <a:spcPct val="110000"/>
+              </a:lnSpc>
+              <a:buFont typeface="Arial" pitchFamily="34" charset="0"/>
+              <a:buChar char="•"/>
+            </a:pPr>
+            <a:r>
+              <a:rPr lang="hu-HU" altLang="ko-KR" sz="2000" dirty="0"/>
+              <a:t>C#</a:t>
+            </a:r>
           </a:p>
         </p:txBody>
       </p:sp>

--- a/PPT/CarScope_Prezentáció.pptx
+++ b/PPT/CarScope_Prezentáció.pptx
@@ -5,47 +5,55 @@
     <p:sldMasterId id="2147483648" r:id="rId1"/>
   </p:sldMasterIdLst>
   <p:notesMasterIdLst>
-    <p:notesMasterId r:id="rId13"/>
+    <p:notesMasterId r:id="rId21"/>
   </p:notesMasterIdLst>
   <p:handoutMasterIdLst>
-    <p:handoutMasterId r:id="rId14"/>
+    <p:handoutMasterId r:id="rId22"/>
   </p:handoutMasterIdLst>
   <p:sldIdLst>
     <p:sldId id="293" r:id="rId2"/>
     <p:sldId id="323" r:id="rId3"/>
     <p:sldId id="324" r:id="rId4"/>
     <p:sldId id="325" r:id="rId5"/>
-    <p:sldId id="326" r:id="rId6"/>
-    <p:sldId id="327" r:id="rId7"/>
-    <p:sldId id="328" r:id="rId8"/>
-    <p:sldId id="329" r:id="rId9"/>
-    <p:sldId id="259" r:id="rId10"/>
-    <p:sldId id="294" r:id="rId11"/>
-    <p:sldId id="297" r:id="rId12"/>
+    <p:sldId id="327" r:id="rId6"/>
+    <p:sldId id="331" r:id="rId7"/>
+    <p:sldId id="326" r:id="rId8"/>
+    <p:sldId id="332" r:id="rId9"/>
+    <p:sldId id="330" r:id="rId10"/>
+    <p:sldId id="328" r:id="rId11"/>
+    <p:sldId id="335" r:id="rId12"/>
+    <p:sldId id="334" r:id="rId13"/>
+    <p:sldId id="336" r:id="rId14"/>
+    <p:sldId id="337" r:id="rId15"/>
+    <p:sldId id="338" r:id="rId16"/>
+    <p:sldId id="339" r:id="rId17"/>
+    <p:sldId id="259" r:id="rId18"/>
+    <p:sldId id="294" r:id="rId19"/>
+    <p:sldId id="297" r:id="rId20"/>
   </p:sldIdLst>
   <p:sldSz cx="9144000" cy="6858000" type="screen4x3"/>
   <p:notesSz cx="6858000" cy="9144000"/>
   <p:embeddedFontLst>
     <p:embeddedFont>
       <p:font typeface="굴림체" panose="020B0609000101010101" pitchFamily="49" charset="-127"/>
-      <p:regular r:id="rId15"/>
+      <p:regular r:id="rId23"/>
     </p:embeddedFont>
     <p:embeddedFont>
       <p:font typeface="맑은 고딕" panose="020B0503020000020004" pitchFamily="34" charset="-127"/>
-      <p:regular r:id="rId16"/>
-      <p:bold r:id="rId17"/>
+      <p:regular r:id="rId24"/>
+      <p:bold r:id="rId25"/>
     </p:embeddedFont>
     <p:embeddedFont>
       <p:font typeface="Calibri" panose="020F0502020204030204" pitchFamily="34" charset="0"/>
-      <p:regular r:id="rId18"/>
-      <p:bold r:id="rId19"/>
-      <p:italic r:id="rId20"/>
-      <p:boldItalic r:id="rId21"/>
+      <p:regular r:id="rId26"/>
+      <p:bold r:id="rId27"/>
+      <p:italic r:id="rId28"/>
+      <p:boldItalic r:id="rId29"/>
     </p:embeddedFont>
     <p:embeddedFont>
       <p:font typeface="Calibri Light" panose="020F0302020204030204" pitchFamily="34" charset="0"/>
-      <p:regular r:id="rId22"/>
-      <p:italic r:id="rId23"/>
+      <p:regular r:id="rId30"/>
+      <p:italic r:id="rId31"/>
     </p:embeddedFont>
   </p:embeddedFontLst>
   <p:defaultTextStyle>
@@ -259,7 +267,7 @@
             <a:fld id="{D4CCFBE2-2B8D-499C-81C9-2CD5B3EB8E93}" type="datetimeFigureOut">
               <a:rPr lang="ko-KR" altLang="en-US" smtClean="0"/>
               <a:pPr/>
-              <a:t>2022-04-26</a:t>
+              <a:t>2022-04-27</a:t>
             </a:fld>
             <a:endParaRPr lang="ko-KR" altLang="en-US"/>
           </a:p>
@@ -426,7 +434,7 @@
             <a:fld id="{FB545AC5-813F-4ED1-B011-8EA17CB93331}" type="datetimeFigureOut">
               <a:rPr lang="ko-KR" altLang="en-US" smtClean="0"/>
               <a:pPr/>
-              <a:t>2022-04-26</a:t>
+              <a:t>2022-04-27</a:t>
             </a:fld>
             <a:endParaRPr lang="ko-KR" altLang="en-US"/>
           </a:p>
@@ -843,7 +851,7 @@
             <a:fld id="{ED3D6733-6F27-4404-AB51-585418F146E5}" type="datetimeFigureOut">
               <a:rPr lang="ko-KR" altLang="en-US" smtClean="0"/>
               <a:pPr/>
-              <a:t>2022-04-26</a:t>
+              <a:t>2022-04-27</a:t>
             </a:fld>
             <a:endParaRPr lang="ko-KR" altLang="en-US"/>
           </a:p>
@@ -1030,7 +1038,7 @@
             <a:fld id="{ED3D6733-6F27-4404-AB51-585418F146E5}" type="datetimeFigureOut">
               <a:rPr lang="ko-KR" altLang="en-US" smtClean="0"/>
               <a:pPr/>
-              <a:t>2022-04-26</a:t>
+              <a:t>2022-04-27</a:t>
             </a:fld>
             <a:endParaRPr lang="ko-KR" altLang="en-US"/>
           </a:p>
@@ -1160,7 +1168,7 @@
             <a:fld id="{ED3D6733-6F27-4404-AB51-585418F146E5}" type="datetimeFigureOut">
               <a:rPr lang="ko-KR" altLang="en-US" smtClean="0"/>
               <a:pPr/>
-              <a:t>2022-04-26</a:t>
+              <a:t>2022-04-27</a:t>
             </a:fld>
             <a:endParaRPr lang="ko-KR" altLang="en-US"/>
           </a:p>
@@ -1337,7 +1345,7 @@
             <a:fld id="{ED3D6733-6F27-4404-AB51-585418F146E5}" type="datetimeFigureOut">
               <a:rPr lang="ko-KR" altLang="en-US" smtClean="0"/>
               <a:pPr/>
-              <a:t>2022-04-26</a:t>
+              <a:t>2022-04-27</a:t>
             </a:fld>
             <a:endParaRPr lang="ko-KR" altLang="en-US"/>
           </a:p>
@@ -1596,7 +1604,7 @@
             <a:fld id="{ED3D6733-6F27-4404-AB51-585418F146E5}" type="datetimeFigureOut">
               <a:rPr lang="ko-KR" altLang="en-US" smtClean="0"/>
               <a:pPr/>
-              <a:t>2022-04-26</a:t>
+              <a:t>2022-04-27</a:t>
             </a:fld>
             <a:endParaRPr lang="ko-KR" altLang="en-US"/>
           </a:p>
@@ -1907,7 +1915,7 @@
             <a:fld id="{ED3D6733-6F27-4404-AB51-585418F146E5}" type="datetimeFigureOut">
               <a:rPr lang="ko-KR" altLang="en-US" smtClean="0"/>
               <a:pPr/>
-              <a:t>2022-04-26</a:t>
+              <a:t>2022-04-27</a:t>
             </a:fld>
             <a:endParaRPr lang="ko-KR" altLang="en-US"/>
           </a:p>
@@ -2182,7 +2190,7 @@
             <a:fld id="{ED3D6733-6F27-4404-AB51-585418F146E5}" type="datetimeFigureOut">
               <a:rPr lang="ko-KR" altLang="en-US" smtClean="0"/>
               <a:pPr/>
-              <a:t>2022-04-26</a:t>
+              <a:t>2022-04-27</a:t>
             </a:fld>
             <a:endParaRPr lang="ko-KR" altLang="en-US"/>
           </a:p>
@@ -2597,7 +2605,7 @@
         <p:spPr>
           <a:xfrm>
             <a:off x="5940152" y="3142129"/>
-            <a:ext cx="2627784" cy="2369880"/>
+            <a:ext cx="2627784" cy="1938992"/>
           </a:xfrm>
           <a:prstGeom prst="rect">
             <a:avLst/>
@@ -2611,51 +2619,21 @@
           <a:lstStyle/>
           <a:p>
             <a:r>
-              <a:rPr lang="hu-HU" sz="3600" b="1" dirty="0" err="1">
-                <a:solidFill>
-                  <a:schemeClr val="bg1">
-                    <a:lumMod val="50000"/>
-                  </a:schemeClr>
-                </a:solidFill>
-              </a:rPr>
+              <a:rPr lang="hu-HU" sz="3600" b="1" dirty="0" err="1"/>
               <a:t>Made</a:t>
             </a:r>
             <a:r>
-              <a:rPr lang="hu-HU" sz="3600" b="1" dirty="0">
-                <a:solidFill>
-                  <a:schemeClr val="bg1">
-                    <a:lumMod val="50000"/>
-                  </a:schemeClr>
-                </a:solidFill>
-              </a:rPr>
+              <a:rPr lang="hu-HU" sz="3600" b="1" dirty="0"/>
               <a:t> </a:t>
             </a:r>
             <a:r>
-              <a:rPr lang="hu-HU" sz="3600" b="1" dirty="0" err="1">
-                <a:solidFill>
-                  <a:schemeClr val="bg1">
-                    <a:lumMod val="50000"/>
-                  </a:schemeClr>
-                </a:solidFill>
-              </a:rPr>
+              <a:rPr lang="hu-HU" sz="3600" b="1" dirty="0" err="1"/>
               <a:t>by</a:t>
             </a:r>
             <a:r>
-              <a:rPr lang="hu-HU" sz="3600" b="1" dirty="0">
-                <a:solidFill>
-                  <a:schemeClr val="bg1">
-                    <a:lumMod val="50000"/>
-                  </a:schemeClr>
-                </a:solidFill>
-              </a:rPr>
+              <a:rPr lang="hu-HU" sz="3600" b="1" dirty="0"/>
               <a:t>:</a:t>
             </a:r>
-          </a:p>
-          <a:p>
-            <a:pPr marL="285750" indent="-285750">
-              <a:buFont typeface="Arial" panose="020B0604020202020204" pitchFamily="34" charset="0"/>
-              <a:buChar char="•"/>
-            </a:pPr>
             <a:endParaRPr lang="hu-HU" sz="2800" dirty="0"/>
           </a:p>
           <a:p>
@@ -2703,679 +2681,6 @@
 </file>
 
 <file path=ppt/slides/slide10.xml><?xml version="1.0" encoding="utf-8"?>
-<p:sld xmlns:a="http://schemas.openxmlformats.org/drawingml/2006/main" xmlns:r="http://schemas.openxmlformats.org/officeDocument/2006/relationships" xmlns:p="http://schemas.openxmlformats.org/presentationml/2006/main">
-  <p:cSld>
-    <p:spTree>
-      <p:nvGrpSpPr>
-        <p:cNvPr id="1" name=""/>
-        <p:cNvGrpSpPr/>
-        <p:nvPr/>
-      </p:nvGrpSpPr>
-      <p:grpSpPr>
-        <a:xfrm>
-          <a:off x="0" y="0"/>
-          <a:ext cx="0" cy="0"/>
-          <a:chOff x="0" y="0"/>
-          <a:chExt cx="0" cy="0"/>
-        </a:xfrm>
-      </p:grpSpPr>
-      <p:sp>
-        <p:nvSpPr>
-          <p:cNvPr id="7" name="Text Box 9"/>
-          <p:cNvSpPr txBox="1">
-            <a:spLocks noChangeArrowheads="1"/>
-          </p:cNvSpPr>
-          <p:nvPr/>
-        </p:nvSpPr>
-        <p:spPr bwMode="auto">
-          <a:xfrm>
-            <a:off x="4572000" y="2708920"/>
-            <a:ext cx="2995450" cy="2092881"/>
-          </a:xfrm>
-          <a:prstGeom prst="rect">
-            <a:avLst/>
-          </a:prstGeom>
-          <a:noFill/>
-          <a:ln w="9525">
-            <a:noFill/>
-            <a:miter lim="800000"/>
-            <a:headEnd/>
-            <a:tailEnd/>
-          </a:ln>
-          <a:effectLst/>
-        </p:spPr>
-        <p:txBody>
-          <a:bodyPr vert="horz" wrap="square" lIns="91440" tIns="45720" rIns="91440" bIns="45720" numCol="1" anchor="t" anchorCtr="0" compatLnSpc="1">
-            <a:prstTxWarp prst="textNoShape">
-              <a:avLst/>
-            </a:prstTxWarp>
-            <a:spAutoFit/>
-          </a:bodyPr>
-          <a:lstStyle/>
-          <a:p>
-            <a:pPr marR="0" indent="-228600" algn="ctr" fontAlgn="base">
-              <a:lnSpc>
-                <a:spcPct val="200000"/>
-              </a:lnSpc>
-              <a:spcBef>
-                <a:spcPct val="0"/>
-              </a:spcBef>
-              <a:spcAft>
-                <a:spcPct val="0"/>
-              </a:spcAft>
-              <a:buClrTx/>
-              <a:buSzTx/>
-              <a:buFont typeface="+mj-lt"/>
-              <a:buAutoNum type="arabicPeriod"/>
-              <a:tabLst/>
-            </a:pPr>
-            <a:r>
-              <a:rPr kumimoji="1" lang="ko-KR" altLang="ko-KR" sz="1300" dirty="0">
-                <a:solidFill>
-                  <a:schemeClr val="tx1">
-                    <a:lumMod val="50000"/>
-                    <a:lumOff val="50000"/>
-                  </a:schemeClr>
-                </a:solidFill>
-                <a:latin typeface="+mj-lt"/>
-                <a:ea typeface="맑은 고딕" pitchFamily="50" charset="-127"/>
-                <a:cs typeface="굴림" pitchFamily="50" charset="-127"/>
-              </a:rPr>
-              <a:t> </a:t>
-            </a:r>
-            <a:r>
-              <a:rPr kumimoji="1" lang="en-US" altLang="ko-KR" sz="1300" dirty="0">
-                <a:solidFill>
-                  <a:schemeClr val="tx1">
-                    <a:lumMod val="50000"/>
-                    <a:lumOff val="50000"/>
-                  </a:schemeClr>
-                </a:solidFill>
-                <a:latin typeface="+mj-lt"/>
-                <a:ea typeface="맑은 고딕" pitchFamily="50" charset="-127"/>
-                <a:cs typeface="굴림" pitchFamily="50" charset="-127"/>
-              </a:rPr>
-              <a:t>Insert text here</a:t>
-            </a:r>
-          </a:p>
-          <a:p>
-            <a:pPr marR="0" indent="-228600" algn="ctr" fontAlgn="base">
-              <a:lnSpc>
-                <a:spcPct val="200000"/>
-              </a:lnSpc>
-              <a:spcBef>
-                <a:spcPct val="0"/>
-              </a:spcBef>
-              <a:spcAft>
-                <a:spcPct val="0"/>
-              </a:spcAft>
-              <a:buClrTx/>
-              <a:buSzTx/>
-              <a:buFont typeface="+mj-lt"/>
-              <a:buAutoNum type="arabicPeriod"/>
-              <a:tabLst/>
-            </a:pPr>
-            <a:r>
-              <a:rPr kumimoji="1" lang="en-US" altLang="ko-KR" sz="1300" dirty="0">
-                <a:solidFill>
-                  <a:schemeClr val="tx1">
-                    <a:lumMod val="50000"/>
-                    <a:lumOff val="50000"/>
-                  </a:schemeClr>
-                </a:solidFill>
-                <a:latin typeface="+mj-lt"/>
-                <a:ea typeface="맑은 고딕" pitchFamily="50" charset="-127"/>
-                <a:cs typeface="굴림" pitchFamily="50" charset="-127"/>
-              </a:rPr>
-              <a:t> Insert text here</a:t>
-            </a:r>
-          </a:p>
-          <a:p>
-            <a:pPr marR="0" indent="-228600" algn="ctr" fontAlgn="base">
-              <a:lnSpc>
-                <a:spcPct val="200000"/>
-              </a:lnSpc>
-              <a:spcBef>
-                <a:spcPct val="0"/>
-              </a:spcBef>
-              <a:spcAft>
-                <a:spcPct val="0"/>
-              </a:spcAft>
-              <a:buClrTx/>
-              <a:buSzTx/>
-              <a:buFont typeface="+mj-lt"/>
-              <a:buAutoNum type="arabicPeriod"/>
-              <a:tabLst/>
-            </a:pPr>
-            <a:r>
-              <a:rPr kumimoji="1" lang="en-US" altLang="ko-KR" sz="1300" dirty="0">
-                <a:solidFill>
-                  <a:schemeClr val="tx1">
-                    <a:lumMod val="50000"/>
-                    <a:lumOff val="50000"/>
-                  </a:schemeClr>
-                </a:solidFill>
-                <a:latin typeface="+mj-lt"/>
-                <a:ea typeface="맑은 고딕" pitchFamily="50" charset="-127"/>
-                <a:cs typeface="굴림" pitchFamily="50" charset="-127"/>
-              </a:rPr>
-              <a:t> Insert text here</a:t>
-            </a:r>
-          </a:p>
-          <a:p>
-            <a:pPr indent="-228600" algn="ctr" fontAlgn="base">
-              <a:lnSpc>
-                <a:spcPct val="200000"/>
-              </a:lnSpc>
-              <a:spcBef>
-                <a:spcPct val="0"/>
-              </a:spcBef>
-              <a:spcAft>
-                <a:spcPct val="0"/>
-              </a:spcAft>
-              <a:buFont typeface="+mj-lt"/>
-              <a:buAutoNum type="arabicPeriod"/>
-            </a:pPr>
-            <a:r>
-              <a:rPr kumimoji="1" lang="en-US" altLang="ko-KR" sz="1300" dirty="0">
-                <a:solidFill>
-                  <a:schemeClr val="tx1">
-                    <a:lumMod val="50000"/>
-                    <a:lumOff val="50000"/>
-                  </a:schemeClr>
-                </a:solidFill>
-                <a:latin typeface="+mj-lt"/>
-                <a:ea typeface="맑은 고딕" pitchFamily="50" charset="-127"/>
-                <a:cs typeface="굴림" pitchFamily="50" charset="-127"/>
-              </a:rPr>
-              <a:t> Insert text here</a:t>
-            </a:r>
-            <a:endParaRPr kumimoji="1" lang="ko-KR" altLang="ko-KR" sz="1300" dirty="0">
-              <a:solidFill>
-                <a:schemeClr val="tx1">
-                  <a:lumMod val="50000"/>
-                  <a:lumOff val="50000"/>
-                </a:schemeClr>
-              </a:solidFill>
-              <a:latin typeface="+mj-lt"/>
-              <a:ea typeface="맑은 고딕" pitchFamily="50" charset="-127"/>
-              <a:cs typeface="굴림" pitchFamily="50" charset="-127"/>
-            </a:endParaRPr>
-          </a:p>
-          <a:p>
-            <a:pPr indent="-228600" algn="ctr" fontAlgn="base">
-              <a:lnSpc>
-                <a:spcPct val="200000"/>
-              </a:lnSpc>
-              <a:spcBef>
-                <a:spcPct val="0"/>
-              </a:spcBef>
-              <a:spcAft>
-                <a:spcPct val="0"/>
-              </a:spcAft>
-              <a:buFont typeface="+mj-lt"/>
-              <a:buAutoNum type="arabicPeriod"/>
-            </a:pPr>
-            <a:r>
-              <a:rPr kumimoji="1" lang="en-US" altLang="ko-KR" sz="1300" dirty="0">
-                <a:solidFill>
-                  <a:schemeClr val="tx1">
-                    <a:lumMod val="50000"/>
-                    <a:lumOff val="50000"/>
-                  </a:schemeClr>
-                </a:solidFill>
-                <a:latin typeface="+mj-lt"/>
-                <a:ea typeface="맑은 고딕" pitchFamily="50" charset="-127"/>
-                <a:cs typeface="굴림" pitchFamily="50" charset="-127"/>
-              </a:rPr>
-              <a:t> Insert text here</a:t>
-            </a:r>
-            <a:endParaRPr kumimoji="1" lang="ko-KR" altLang="ko-KR" sz="1300" dirty="0">
-              <a:solidFill>
-                <a:schemeClr val="tx1">
-                  <a:lumMod val="50000"/>
-                  <a:lumOff val="50000"/>
-                </a:schemeClr>
-              </a:solidFill>
-              <a:latin typeface="+mj-lt"/>
-              <a:ea typeface="맑은 고딕" pitchFamily="50" charset="-127"/>
-              <a:cs typeface="굴림" pitchFamily="50" charset="-127"/>
-            </a:endParaRPr>
-          </a:p>
-        </p:txBody>
-      </p:sp>
-      <p:grpSp>
-        <p:nvGrpSpPr>
-          <p:cNvPr id="6" name="그룹 5"/>
-          <p:cNvGrpSpPr/>
-          <p:nvPr/>
-        </p:nvGrpSpPr>
-        <p:grpSpPr>
-          <a:xfrm>
-            <a:off x="4665569" y="1028945"/>
-            <a:ext cx="2808312" cy="1457540"/>
-            <a:chOff x="3131840" y="1435469"/>
-            <a:chExt cx="2808312" cy="1457540"/>
-          </a:xfrm>
-        </p:grpSpPr>
-        <p:sp>
-          <p:nvSpPr>
-            <p:cNvPr id="10" name="Text Box 5"/>
-            <p:cNvSpPr txBox="1">
-              <a:spLocks noChangeArrowheads="1"/>
-            </p:cNvSpPr>
-            <p:nvPr/>
-          </p:nvSpPr>
-          <p:spPr bwMode="auto">
-            <a:xfrm>
-              <a:off x="3131840" y="1891308"/>
-              <a:ext cx="2808312" cy="461665"/>
-            </a:xfrm>
-            <a:prstGeom prst="rect">
-              <a:avLst/>
-            </a:prstGeom>
-            <a:noFill/>
-            <a:ln w="9525">
-              <a:noFill/>
-              <a:miter lim="800000"/>
-              <a:headEnd/>
-              <a:tailEnd/>
-            </a:ln>
-            <a:effectLst/>
-          </p:spPr>
-          <p:txBody>
-            <a:bodyPr vert="horz" wrap="square" lIns="91440" tIns="45720" rIns="91440" bIns="45720" numCol="1" anchor="t" anchorCtr="0" compatLnSpc="1">
-              <a:prstTxWarp prst="textNoShape">
-                <a:avLst/>
-              </a:prstTxWarp>
-              <a:spAutoFit/>
-            </a:bodyPr>
-            <a:lstStyle/>
-            <a:p>
-              <a:pPr lvl="0" algn="ctr" fontAlgn="base">
-                <a:spcBef>
-                  <a:spcPct val="0"/>
-                </a:spcBef>
-                <a:spcAft>
-                  <a:spcPct val="0"/>
-                </a:spcAft>
-              </a:pPr>
-              <a:r>
-                <a:rPr kumimoji="1" lang="en-US" altLang="ko-KR" sz="2400" b="1" dirty="0">
-                  <a:solidFill>
-                    <a:schemeClr val="bg1">
-                      <a:lumMod val="65000"/>
-                    </a:schemeClr>
-                  </a:solidFill>
-                  <a:latin typeface="+mj-lt"/>
-                  <a:ea typeface="맑은 고딕" pitchFamily="50" charset="-127"/>
-                  <a:cs typeface="굴림" pitchFamily="50" charset="-127"/>
-                </a:rPr>
-                <a:t>Insert text here</a:t>
-              </a:r>
-            </a:p>
-          </p:txBody>
-        </p:sp>
-        <p:sp>
-          <p:nvSpPr>
-            <p:cNvPr id="12" name="직사각형 11"/>
-            <p:cNvSpPr/>
-            <p:nvPr/>
-          </p:nvSpPr>
-          <p:spPr>
-            <a:xfrm>
-              <a:off x="3284984" y="2339011"/>
-              <a:ext cx="2502024" cy="553998"/>
-            </a:xfrm>
-            <a:prstGeom prst="rect">
-              <a:avLst/>
-            </a:prstGeom>
-          </p:spPr>
-          <p:txBody>
-            <a:bodyPr wrap="square">
-              <a:spAutoFit/>
-            </a:bodyPr>
-            <a:lstStyle/>
-            <a:p>
-              <a:pPr lvl="0" algn="ctr">
-                <a:lnSpc>
-                  <a:spcPts val="1200"/>
-                </a:lnSpc>
-                <a:defRPr/>
-              </a:pPr>
-              <a:r>
-                <a:rPr lang="en-US" altLang="ko-KR" sz="1100" dirty="0">
-                  <a:solidFill>
-                    <a:schemeClr val="bg1">
-                      <a:lumMod val="65000"/>
-                    </a:schemeClr>
-                  </a:solidFill>
-                  <a:latin typeface="+mj-lt"/>
-                  <a:ea typeface="맑은 고딕" pitchFamily="50" charset="-127"/>
-                  <a:cs typeface="굴림" pitchFamily="50" charset="-127"/>
-                </a:rPr>
-                <a:t>Lorem ipsum dolor sit </a:t>
-              </a:r>
-              <a:r>
-                <a:rPr lang="en-US" altLang="ko-KR" sz="1100" dirty="0" err="1">
-                  <a:solidFill>
-                    <a:schemeClr val="bg1">
-                      <a:lumMod val="65000"/>
-                    </a:schemeClr>
-                  </a:solidFill>
-                  <a:latin typeface="+mj-lt"/>
-                  <a:ea typeface="맑은 고딕" pitchFamily="50" charset="-127"/>
-                  <a:cs typeface="굴림" pitchFamily="50" charset="-127"/>
-                </a:rPr>
-                <a:t>amet</a:t>
-              </a:r>
-              <a:r>
-                <a:rPr lang="en-US" altLang="ko-KR" sz="1100" dirty="0">
-                  <a:solidFill>
-                    <a:schemeClr val="bg1">
-                      <a:lumMod val="65000"/>
-                    </a:schemeClr>
-                  </a:solidFill>
-                  <a:latin typeface="+mj-lt"/>
-                  <a:ea typeface="맑은 고딕" pitchFamily="50" charset="-127"/>
-                  <a:cs typeface="굴림" pitchFamily="50" charset="-127"/>
-                </a:rPr>
-                <a:t>, </a:t>
-              </a:r>
-              <a:r>
-                <a:rPr lang="en-US" altLang="ko-KR" sz="1100" dirty="0" err="1">
-                  <a:solidFill>
-                    <a:schemeClr val="bg1">
-                      <a:lumMod val="65000"/>
-                    </a:schemeClr>
-                  </a:solidFill>
-                  <a:latin typeface="+mj-lt"/>
-                  <a:ea typeface="맑은 고딕" pitchFamily="50" charset="-127"/>
-                  <a:cs typeface="굴림" pitchFamily="50" charset="-127"/>
-                </a:rPr>
-                <a:t>simul</a:t>
-              </a:r>
-              <a:r>
-                <a:rPr lang="en-US" altLang="ko-KR" sz="1100" dirty="0">
-                  <a:solidFill>
-                    <a:schemeClr val="bg1">
-                      <a:lumMod val="65000"/>
-                    </a:schemeClr>
-                  </a:solidFill>
-                  <a:latin typeface="+mj-lt"/>
-                  <a:ea typeface="맑은 고딕" pitchFamily="50" charset="-127"/>
-                  <a:cs typeface="굴림" pitchFamily="50" charset="-127"/>
-                </a:rPr>
-                <a:t> </a:t>
-              </a:r>
-              <a:r>
-                <a:rPr lang="en-US" altLang="ko-KR" sz="1100" dirty="0" err="1">
-                  <a:solidFill>
-                    <a:schemeClr val="bg1">
-                      <a:lumMod val="65000"/>
-                    </a:schemeClr>
-                  </a:solidFill>
-                  <a:latin typeface="+mj-lt"/>
-                  <a:ea typeface="맑은 고딕" pitchFamily="50" charset="-127"/>
-                  <a:cs typeface="굴림" pitchFamily="50" charset="-127"/>
-                </a:rPr>
-                <a:t>adolescens</a:t>
-              </a:r>
-              <a:r>
-                <a:rPr lang="en-US" altLang="ko-KR" sz="1100" dirty="0">
-                  <a:solidFill>
-                    <a:schemeClr val="bg1">
-                      <a:lumMod val="65000"/>
-                    </a:schemeClr>
-                  </a:solidFill>
-                  <a:latin typeface="+mj-lt"/>
-                  <a:ea typeface="맑은 고딕" pitchFamily="50" charset="-127"/>
-                  <a:cs typeface="굴림" pitchFamily="50" charset="-127"/>
-                </a:rPr>
-                <a:t> </a:t>
-              </a:r>
-              <a:r>
-                <a:rPr lang="en-US" altLang="ko-KR" sz="1100" dirty="0" err="1">
-                  <a:solidFill>
-                    <a:schemeClr val="bg1">
-                      <a:lumMod val="65000"/>
-                    </a:schemeClr>
-                  </a:solidFill>
-                  <a:latin typeface="+mj-lt"/>
-                  <a:ea typeface="맑은 고딕" pitchFamily="50" charset="-127"/>
-                  <a:cs typeface="굴림" pitchFamily="50" charset="-127"/>
-                </a:rPr>
-                <a:t>ei</a:t>
-              </a:r>
-              <a:r>
-                <a:rPr lang="en-US" altLang="ko-KR" sz="1100" dirty="0">
-                  <a:solidFill>
-                    <a:schemeClr val="bg1">
-                      <a:lumMod val="65000"/>
-                    </a:schemeClr>
-                  </a:solidFill>
-                  <a:latin typeface="+mj-lt"/>
-                  <a:ea typeface="맑은 고딕" pitchFamily="50" charset="-127"/>
-                  <a:cs typeface="굴림" pitchFamily="50" charset="-127"/>
-                </a:rPr>
-                <a:t> vis, id </a:t>
-              </a:r>
-              <a:r>
-                <a:rPr lang="en-US" altLang="ko-KR" sz="1100" dirty="0" err="1">
-                  <a:solidFill>
-                    <a:schemeClr val="bg1">
-                      <a:lumMod val="65000"/>
-                    </a:schemeClr>
-                  </a:solidFill>
-                  <a:latin typeface="+mj-lt"/>
-                  <a:ea typeface="맑은 고딕" pitchFamily="50" charset="-127"/>
-                  <a:cs typeface="굴림" pitchFamily="50" charset="-127"/>
-                </a:rPr>
-                <a:t>nec</a:t>
-              </a:r>
-              <a:r>
-                <a:rPr lang="en-US" altLang="ko-KR" sz="1100" dirty="0">
-                  <a:solidFill>
-                    <a:schemeClr val="bg1">
-                      <a:lumMod val="65000"/>
-                    </a:schemeClr>
-                  </a:solidFill>
-                  <a:latin typeface="+mj-lt"/>
-                  <a:ea typeface="맑은 고딕" pitchFamily="50" charset="-127"/>
-                  <a:cs typeface="굴림" pitchFamily="50" charset="-127"/>
-                </a:rPr>
-                <a:t> </a:t>
-              </a:r>
-              <a:r>
-                <a:rPr lang="en-US" altLang="ko-KR" sz="1100" dirty="0" err="1">
-                  <a:solidFill>
-                    <a:schemeClr val="bg1">
-                      <a:lumMod val="65000"/>
-                    </a:schemeClr>
-                  </a:solidFill>
-                  <a:latin typeface="+mj-lt"/>
-                  <a:ea typeface="맑은 고딕" pitchFamily="50" charset="-127"/>
-                  <a:cs typeface="굴림" pitchFamily="50" charset="-127"/>
-                </a:rPr>
-                <a:t>errem</a:t>
-              </a:r>
-              <a:r>
-                <a:rPr lang="en-US" altLang="ko-KR" sz="1100" dirty="0">
-                  <a:solidFill>
-                    <a:schemeClr val="bg1">
-                      <a:lumMod val="65000"/>
-                    </a:schemeClr>
-                  </a:solidFill>
-                  <a:latin typeface="+mj-lt"/>
-                  <a:ea typeface="맑은 고딕" pitchFamily="50" charset="-127"/>
-                  <a:cs typeface="굴림" pitchFamily="50" charset="-127"/>
-                </a:rPr>
-                <a:t> </a:t>
-              </a:r>
-              <a:r>
-                <a:rPr lang="en-US" altLang="ko-KR" sz="1100" dirty="0" err="1">
-                  <a:solidFill>
-                    <a:schemeClr val="bg1">
-                      <a:lumMod val="65000"/>
-                    </a:schemeClr>
-                  </a:solidFill>
-                  <a:latin typeface="+mj-lt"/>
-                  <a:ea typeface="맑은 고딕" pitchFamily="50" charset="-127"/>
-                  <a:cs typeface="굴림" pitchFamily="50" charset="-127"/>
-                </a:rPr>
-                <a:t>interesset</a:t>
-              </a:r>
-              <a:endParaRPr lang="en-US" altLang="ko-KR" sz="1100" dirty="0">
-                <a:solidFill>
-                  <a:schemeClr val="bg1">
-                    <a:lumMod val="65000"/>
-                  </a:schemeClr>
-                </a:solidFill>
-                <a:latin typeface="+mj-lt"/>
-                <a:ea typeface="맑은 고딕" pitchFamily="50" charset="-127"/>
-                <a:cs typeface="굴림" pitchFamily="50" charset="-127"/>
-              </a:endParaRPr>
-            </a:p>
-          </p:txBody>
-        </p:sp>
-        <p:sp>
-          <p:nvSpPr>
-            <p:cNvPr id="11" name="Text Box 4"/>
-            <p:cNvSpPr txBox="1">
-              <a:spLocks noChangeArrowheads="1"/>
-            </p:cNvSpPr>
-            <p:nvPr/>
-          </p:nvSpPr>
-          <p:spPr bwMode="auto">
-            <a:xfrm>
-              <a:off x="4235273" y="1435469"/>
-              <a:ext cx="601447" cy="584775"/>
-            </a:xfrm>
-            <a:prstGeom prst="rect">
-              <a:avLst/>
-            </a:prstGeom>
-            <a:noFill/>
-            <a:ln w="9525">
-              <a:noFill/>
-              <a:miter lim="800000"/>
-              <a:headEnd/>
-              <a:tailEnd/>
-            </a:ln>
-            <a:effectLst/>
-          </p:spPr>
-          <p:txBody>
-            <a:bodyPr vert="horz" wrap="none" lIns="91440" tIns="45720" rIns="91440" bIns="45720" numCol="1" anchor="t" anchorCtr="0" compatLnSpc="1">
-              <a:prstTxWarp prst="textNoShape">
-                <a:avLst/>
-              </a:prstTxWarp>
-              <a:spAutoFit/>
-            </a:bodyPr>
-            <a:lstStyle/>
-            <a:p>
-              <a:pPr algn="ctr" fontAlgn="base">
-                <a:spcBef>
-                  <a:spcPct val="0"/>
-                </a:spcBef>
-                <a:spcAft>
-                  <a:spcPct val="0"/>
-                </a:spcAft>
-              </a:pPr>
-              <a:r>
-                <a:rPr kumimoji="1" lang="en-US" altLang="ko-KR" sz="3200" b="1" dirty="0">
-                  <a:solidFill>
-                    <a:srgbClr val="C00000"/>
-                  </a:solidFill>
-                  <a:latin typeface="+mj-lt"/>
-                  <a:ea typeface="맑은 고딕" pitchFamily="50" charset="-127"/>
-                  <a:cs typeface="굴림" pitchFamily="50" charset="-127"/>
-                </a:rPr>
-                <a:t>01</a:t>
-              </a:r>
-              <a:endParaRPr kumimoji="1" lang="ko-KR" altLang="ko-KR" sz="3200" b="1" dirty="0">
-                <a:solidFill>
-                  <a:srgbClr val="C00000"/>
-                </a:solidFill>
-                <a:latin typeface="+mj-lt"/>
-                <a:ea typeface="맑은 고딕" pitchFamily="50" charset="-127"/>
-                <a:cs typeface="굴림" pitchFamily="50" charset="-127"/>
-              </a:endParaRPr>
-            </a:p>
-          </p:txBody>
-        </p:sp>
-      </p:grpSp>
-    </p:spTree>
-  </p:cSld>
-  <p:clrMapOvr>
-    <a:masterClrMapping/>
-  </p:clrMapOvr>
-</p:sld>
-</file>
-
-<file path=ppt/slides/slide11.xml><?xml version="1.0" encoding="utf-8"?>
-<p:sld xmlns:a="http://schemas.openxmlformats.org/drawingml/2006/main" xmlns:r="http://schemas.openxmlformats.org/officeDocument/2006/relationships" xmlns:p="http://schemas.openxmlformats.org/presentationml/2006/main">
-  <p:cSld>
-    <p:spTree>
-      <p:nvGrpSpPr>
-        <p:cNvPr id="1" name=""/>
-        <p:cNvGrpSpPr/>
-        <p:nvPr/>
-      </p:nvGrpSpPr>
-      <p:grpSpPr>
-        <a:xfrm>
-          <a:off x="0" y="0"/>
-          <a:ext cx="0" cy="0"/>
-          <a:chOff x="0" y="0"/>
-          <a:chExt cx="0" cy="0"/>
-        </a:xfrm>
-      </p:grpSpPr>
-      <p:sp>
-        <p:nvSpPr>
-          <p:cNvPr id="5" name="제목 4"/>
-          <p:cNvSpPr>
-            <a:spLocks noGrp="1"/>
-          </p:cNvSpPr>
-          <p:nvPr>
-            <p:ph type="ctrTitle"/>
-          </p:nvPr>
-        </p:nvSpPr>
-        <p:spPr/>
-        <p:txBody>
-          <a:bodyPr/>
-          <a:lstStyle/>
-          <a:p>
-            <a:r>
-              <a:rPr lang="en-US" altLang="ko-KR" dirty="0"/>
-              <a:t>THANK </a:t>
-            </a:r>
-            <a:r>
-              <a:rPr lang="en-US" altLang="ko-KR" dirty="0">
-                <a:solidFill>
-                  <a:schemeClr val="accent2">
-                    <a:lumMod val="75000"/>
-                  </a:schemeClr>
-                </a:solidFill>
-              </a:rPr>
-              <a:t>YOU</a:t>
-            </a:r>
-            <a:endParaRPr lang="ko-KR" altLang="en-US" dirty="0">
-              <a:solidFill>
-                <a:schemeClr val="accent2">
-                  <a:lumMod val="75000"/>
-                </a:schemeClr>
-              </a:solidFill>
-            </a:endParaRPr>
-          </a:p>
-        </p:txBody>
-      </p:sp>
-    </p:spTree>
-  </p:cSld>
-  <p:clrMapOvr>
-    <a:masterClrMapping/>
-  </p:clrMapOvr>
-</p:sld>
-</file>
-
-<file path=ppt/slides/slide2.xml><?xml version="1.0" encoding="utf-8"?>
 <p:sld xmlns:a="http://schemas.openxmlformats.org/drawingml/2006/main" xmlns:r="http://schemas.openxmlformats.org/officeDocument/2006/relationships" xmlns:p="http://schemas.openxmlformats.org/presentationml/2006/main">
   <p:cSld>
     <p:spTree>
@@ -3412,19 +2717,7 @@
             <a:pPr algn="ctr"/>
             <a:r>
               <a:rPr lang="hu-HU" altLang="ko-KR" sz="5400" dirty="0" err="1"/>
-              <a:t>Purpose</a:t>
-            </a:r>
-            <a:r>
-              <a:rPr lang="hu-HU" altLang="ko-KR" sz="5400" dirty="0"/>
-              <a:t> of </a:t>
-            </a:r>
-            <a:r>
-              <a:rPr lang="hu-HU" altLang="ko-KR" sz="5400" dirty="0" err="1"/>
-              <a:t>the</a:t>
-            </a:r>
-            <a:r>
-              <a:rPr lang="hu-HU" altLang="ko-KR" sz="5400" dirty="0"/>
-              <a:t> site</a:t>
+              <a:t>CSMyadmin</a:t>
             </a:r>
             <a:endParaRPr lang="ko-KR" altLang="en-US" sz="5400" dirty="0"/>
           </a:p>
@@ -3445,170 +2738,6 @@
           <a:bodyPr/>
           <a:lstStyle/>
           <a:p>
-            <a:pPr>
-              <a:lnSpc>
-                <a:spcPct val="300000"/>
-              </a:lnSpc>
-              <a:buFont typeface="Arial" panose="020B0604020202020204" pitchFamily="34" charset="0"/>
-              <a:buChar char="•"/>
-            </a:pPr>
-            <a:r>
-              <a:rPr lang="en-US" altLang="ko-KR" sz="2000" dirty="0"/>
-              <a:t>To provide an easily manageable platform</a:t>
-            </a:r>
-            <a:endParaRPr lang="hu-HU" altLang="ko-KR" sz="2000" dirty="0"/>
-          </a:p>
-          <a:p>
-            <a:pPr>
-              <a:lnSpc>
-                <a:spcPct val="300000"/>
-              </a:lnSpc>
-              <a:buFont typeface="Arial" panose="020B0604020202020204" pitchFamily="34" charset="0"/>
-              <a:buChar char="•"/>
-            </a:pPr>
-            <a:r>
-              <a:rPr lang="hu-HU" altLang="ko-KR" sz="2000" dirty="0"/>
-              <a:t>More </a:t>
-            </a:r>
-            <a:r>
-              <a:rPr lang="hu-HU" altLang="ko-KR" sz="2000" dirty="0" err="1"/>
-              <a:t>detailed</a:t>
-            </a:r>
-            <a:r>
-              <a:rPr lang="hu-HU" altLang="ko-KR" sz="2000" dirty="0"/>
-              <a:t> </a:t>
-            </a:r>
-            <a:r>
-              <a:rPr lang="hu-HU" altLang="ko-KR" sz="2000" dirty="0" err="1"/>
-              <a:t>information</a:t>
-            </a:r>
-            <a:r>
-              <a:rPr lang="hu-HU" altLang="ko-KR" sz="2000" dirty="0"/>
-              <a:t> </a:t>
-            </a:r>
-            <a:r>
-              <a:rPr lang="hu-HU" altLang="ko-KR" sz="2000" dirty="0" err="1"/>
-              <a:t>than</a:t>
-            </a:r>
-            <a:r>
-              <a:rPr lang="hu-HU" altLang="ko-KR" sz="2000" dirty="0"/>
-              <a:t> in </a:t>
-            </a:r>
-            <a:r>
-              <a:rPr lang="hu-HU" altLang="ko-KR" sz="2000" dirty="0" err="1"/>
-              <a:t>govermental</a:t>
-            </a:r>
-            <a:r>
-              <a:rPr lang="hu-HU" altLang="ko-KR" sz="2000" dirty="0"/>
-              <a:t> </a:t>
-            </a:r>
-            <a:r>
-              <a:rPr lang="hu-HU" altLang="ko-KR" sz="2000" dirty="0" err="1"/>
-              <a:t>query</a:t>
-            </a:r>
-            <a:endParaRPr lang="hu-HU" altLang="ko-KR" sz="2000" dirty="0"/>
-          </a:p>
-          <a:p>
-            <a:pPr>
-              <a:lnSpc>
-                <a:spcPct val="300000"/>
-              </a:lnSpc>
-              <a:buFont typeface="Arial" panose="020B0604020202020204" pitchFamily="34" charset="0"/>
-              <a:buChar char="•"/>
-            </a:pPr>
-            <a:r>
-              <a:rPr lang="hu-HU" altLang="ko-KR" sz="2000" dirty="0" err="1"/>
-              <a:t>To</a:t>
-            </a:r>
-            <a:r>
-              <a:rPr lang="hu-HU" altLang="ko-KR" sz="2000" dirty="0"/>
-              <a:t> </a:t>
-            </a:r>
-            <a:r>
-              <a:rPr lang="hu-HU" altLang="ko-KR" sz="2000" dirty="0" err="1"/>
-              <a:t>serve</a:t>
-            </a:r>
-            <a:r>
-              <a:rPr lang="hu-HU" altLang="ko-KR" sz="2000" dirty="0"/>
-              <a:t> </a:t>
-            </a:r>
-            <a:r>
-              <a:rPr lang="hu-HU" altLang="ko-KR" sz="2000" dirty="0" err="1"/>
-              <a:t>the</a:t>
-            </a:r>
-            <a:r>
-              <a:rPr lang="hu-HU" altLang="ko-KR" sz="2000" dirty="0"/>
-              <a:t> </a:t>
-            </a:r>
-            <a:r>
-              <a:rPr lang="hu-HU" altLang="ko-KR" sz="2000" dirty="0" err="1"/>
-              <a:t>users</a:t>
-            </a:r>
-            <a:r>
-              <a:rPr lang="hu-HU" altLang="ko-KR" sz="2000" dirty="0"/>
-              <a:t> </a:t>
-            </a:r>
-            <a:r>
-              <a:rPr lang="hu-HU" altLang="ko-KR" sz="2000" dirty="0" err="1"/>
-              <a:t>with</a:t>
-            </a:r>
-            <a:r>
-              <a:rPr lang="hu-HU" altLang="ko-KR" sz="2000" dirty="0"/>
-              <a:t> </a:t>
-            </a:r>
-            <a:r>
-              <a:rPr lang="hu-HU" altLang="ko-KR" sz="2000" dirty="0" err="1"/>
-              <a:t>products</a:t>
-            </a:r>
-            <a:r>
-              <a:rPr lang="hu-HU" altLang="ko-KR" sz="2000" dirty="0"/>
-              <a:t> </a:t>
-            </a:r>
-            <a:r>
-              <a:rPr lang="hu-HU" altLang="ko-KR" sz="2000" dirty="0" err="1"/>
-              <a:t>as</a:t>
-            </a:r>
-            <a:r>
-              <a:rPr lang="hu-HU" altLang="ko-KR" sz="2000" dirty="0"/>
-              <a:t> </a:t>
-            </a:r>
-            <a:r>
-              <a:rPr lang="hu-HU" altLang="ko-KR" sz="2000" dirty="0" err="1"/>
-              <a:t>well</a:t>
-            </a:r>
-            <a:endParaRPr lang="hu-HU" altLang="ko-KR" sz="2000" dirty="0"/>
-          </a:p>
-          <a:p>
-            <a:pPr>
-              <a:lnSpc>
-                <a:spcPct val="300000"/>
-              </a:lnSpc>
-              <a:buFont typeface="Arial" panose="020B0604020202020204" pitchFamily="34" charset="0"/>
-              <a:buChar char="•"/>
-            </a:pPr>
-            <a:r>
-              <a:rPr lang="en-US" altLang="ko-KR" sz="2000" dirty="0"/>
-              <a:t>For ensuring a purchase</a:t>
-            </a:r>
-            <a:r>
-              <a:rPr lang="hu-HU" altLang="ko-KR" sz="2000" dirty="0"/>
-              <a:t> of a </a:t>
-            </a:r>
-            <a:r>
-              <a:rPr lang="hu-HU" altLang="ko-KR" sz="2000" dirty="0" err="1"/>
-              <a:t>tire</a:t>
-            </a:r>
-            <a:r>
-              <a:rPr lang="hu-HU" altLang="ko-KR" sz="2000" dirty="0"/>
-              <a:t>,</a:t>
-            </a:r>
-            <a:r>
-              <a:rPr lang="en-US" altLang="ko-KR" sz="2000" dirty="0"/>
-              <a:t> a wheel height calculator</a:t>
-            </a:r>
-            <a:endParaRPr lang="hu-HU" altLang="ko-KR" sz="2000" dirty="0"/>
-          </a:p>
-          <a:p>
             <a:endParaRPr lang="en-US" altLang="ko-KR" dirty="0"/>
           </a:p>
         </p:txBody>
@@ -3616,7 +2745,7 @@
     </p:spTree>
     <p:extLst>
       <p:ext uri="{BB962C8B-B14F-4D97-AF65-F5344CB8AC3E}">
-        <p14:creationId xmlns:p14="http://schemas.microsoft.com/office/powerpoint/2010/main" val="3479340946"/>
+        <p14:creationId xmlns:p14="http://schemas.microsoft.com/office/powerpoint/2010/main" val="1381924074"/>
       </p:ext>
     </p:extLst>
   </p:cSld>
@@ -3626,7 +2755,7 @@
 </p:sld>
 </file>
 
-<file path=ppt/slides/slide3.xml><?xml version="1.0" encoding="utf-8"?>
+<file path=ppt/slides/slide11.xml><?xml version="1.0" encoding="utf-8"?>
 <p:sld xmlns:a="http://schemas.openxmlformats.org/drawingml/2006/main" xmlns:r="http://schemas.openxmlformats.org/officeDocument/2006/relationships" xmlns:p="http://schemas.openxmlformats.org/presentationml/2006/main">
   <p:cSld>
     <p:spTree>
@@ -3663,7 +2792,7 @@
             <a:pPr algn="ctr"/>
             <a:r>
               <a:rPr lang="hu-HU" altLang="ko-KR" sz="5400" dirty="0" err="1"/>
-              <a:t>Pages</a:t>
+              <a:t>CSMyadmin</a:t>
             </a:r>
             <a:endParaRPr lang="ko-KR" altLang="en-US" sz="5400" dirty="0"/>
           </a:p>
@@ -3671,13 +2800,7 @@
       </p:sp>
       <p:sp>
         <p:nvSpPr>
-          <p:cNvPr id="10" name="내용 개체 틀 36">
-            <a:extLst>
-              <a:ext uri="{FF2B5EF4-FFF2-40B4-BE49-F238E27FC236}">
-                <a16:creationId xmlns:a16="http://schemas.microsoft.com/office/drawing/2014/main" id="{A1A1A9F7-E617-485C-B95B-F14F4590D0BB}"/>
-              </a:ext>
-            </a:extLst>
-          </p:cNvPr>
+          <p:cNvPr id="37" name="내용 개체 틀 36"/>
           <p:cNvSpPr>
             <a:spLocks noGrp="1"/>
           </p:cNvSpPr>
@@ -3685,453 +2808,10 @@
             <p:ph idx="1"/>
           </p:nvPr>
         </p:nvSpPr>
-        <p:spPr>
-          <a:xfrm>
-            <a:off x="4067944" y="1196752"/>
-            <a:ext cx="4896544" cy="4752528"/>
-          </a:xfrm>
-        </p:spPr>
+        <p:spPr/>
         <p:txBody>
-          <a:bodyPr>
-            <a:normAutofit/>
-          </a:bodyPr>
+          <a:bodyPr/>
           <a:lstStyle/>
-          <a:p>
-            <a:pPr lvl="1">
-              <a:lnSpc>
-                <a:spcPct val="300000"/>
-              </a:lnSpc>
-              <a:buFont typeface="Arial" panose="020B0604020202020204" pitchFamily="34" charset="0"/>
-              <a:buChar char="•"/>
-            </a:pPr>
-            <a:r>
-              <a:rPr lang="hu-HU" altLang="ko-KR" sz="2000" b="1" dirty="0" err="1">
-                <a:solidFill>
-                  <a:schemeClr val="tx1"/>
-                </a:solidFill>
-              </a:rPr>
-              <a:t>With</a:t>
-            </a:r>
-            <a:r>
-              <a:rPr lang="hu-HU" altLang="ko-KR" sz="2000" b="1" dirty="0">
-                <a:solidFill>
-                  <a:schemeClr val="tx1"/>
-                </a:solidFill>
-              </a:rPr>
-              <a:t> </a:t>
-            </a:r>
-            <a:r>
-              <a:rPr lang="hu-HU" altLang="ko-KR" sz="2000" b="1" dirty="0" err="1">
-                <a:solidFill>
-                  <a:schemeClr val="tx1"/>
-                </a:solidFill>
-              </a:rPr>
-              <a:t>registration</a:t>
-            </a:r>
-            <a:r>
-              <a:rPr lang="hu-HU" altLang="ko-KR" sz="2000" b="1" dirty="0">
-                <a:solidFill>
-                  <a:schemeClr val="tx1"/>
-                </a:solidFill>
-              </a:rPr>
-              <a:t> (</a:t>
-            </a:r>
-            <a:r>
-              <a:rPr lang="hu-HU" altLang="ko-KR" sz="2000" b="1" dirty="0" err="1">
-                <a:solidFill>
-                  <a:schemeClr val="tx1"/>
-                </a:solidFill>
-              </a:rPr>
-              <a:t>Additional</a:t>
-            </a:r>
-            <a:r>
-              <a:rPr lang="hu-HU" altLang="ko-KR" sz="2000" b="1" dirty="0">
-                <a:solidFill>
-                  <a:schemeClr val="tx1"/>
-                </a:solidFill>
-              </a:rPr>
-              <a:t> </a:t>
-            </a:r>
-            <a:r>
-              <a:rPr lang="hu-HU" altLang="ko-KR" sz="2000" b="1" dirty="0" err="1">
-                <a:solidFill>
-                  <a:schemeClr val="tx1"/>
-                </a:solidFill>
-              </a:rPr>
-              <a:t>pages</a:t>
-            </a:r>
-            <a:r>
-              <a:rPr lang="hu-HU" altLang="ko-KR" sz="2000" b="1" dirty="0">
-                <a:solidFill>
-                  <a:schemeClr val="tx1"/>
-                </a:solidFill>
-              </a:rPr>
-              <a:t>)</a:t>
-            </a:r>
-          </a:p>
-          <a:p>
-            <a:pPr lvl="3">
-              <a:lnSpc>
-                <a:spcPct val="110000"/>
-              </a:lnSpc>
-              <a:buFont typeface="Arial" panose="020B0604020202020204" pitchFamily="34" charset="0"/>
-              <a:buChar char="•"/>
-            </a:pPr>
-            <a:r>
-              <a:rPr lang="hu-HU" altLang="ko-KR" sz="2000" dirty="0"/>
-              <a:t>Jármű lekérdezés</a:t>
-            </a:r>
-          </a:p>
-          <a:p>
-            <a:pPr lvl="3">
-              <a:lnSpc>
-                <a:spcPct val="110000"/>
-              </a:lnSpc>
-              <a:buFont typeface="Arial" panose="020B0604020202020204" pitchFamily="34" charset="0"/>
-              <a:buChar char="•"/>
-            </a:pPr>
-            <a:r>
-              <a:rPr lang="hu-HU" altLang="ko-KR" sz="2000" dirty="0"/>
-              <a:t>Termékek</a:t>
-            </a:r>
-          </a:p>
-          <a:p>
-            <a:pPr lvl="3">
-              <a:lnSpc>
-                <a:spcPct val="110000"/>
-              </a:lnSpc>
-              <a:buFont typeface="Arial" panose="020B0604020202020204" pitchFamily="34" charset="0"/>
-              <a:buChar char="•"/>
-            </a:pPr>
-            <a:r>
-              <a:rPr lang="hu-HU" altLang="ko-KR" sz="2000" dirty="0"/>
-              <a:t>Kosár</a:t>
-            </a:r>
-          </a:p>
-          <a:p>
-            <a:pPr lvl="3">
-              <a:buFont typeface="Arial" panose="020B0604020202020204" pitchFamily="34" charset="0"/>
-              <a:buChar char="•"/>
-            </a:pPr>
-            <a:r>
-              <a:rPr lang="hu-HU" altLang="ko-KR" sz="2000" dirty="0"/>
-              <a:t>Kerékmagasság kalkulátor</a:t>
-            </a:r>
-          </a:p>
-          <a:p>
-            <a:pPr lvl="1">
-              <a:lnSpc>
-                <a:spcPct val="300000"/>
-              </a:lnSpc>
-              <a:buFont typeface="Arial" panose="020B0604020202020204" pitchFamily="34" charset="0"/>
-              <a:buChar char="•"/>
-            </a:pPr>
-            <a:endParaRPr lang="hu-HU" altLang="ko-KR" sz="2000" b="1" dirty="0"/>
-          </a:p>
-          <a:p>
-            <a:endParaRPr lang="en-US" altLang="ko-KR" dirty="0"/>
-          </a:p>
-        </p:txBody>
-      </p:sp>
-      <p:sp>
-        <p:nvSpPr>
-          <p:cNvPr id="11" name="내용 개체 틀 36">
-            <a:extLst>
-              <a:ext uri="{FF2B5EF4-FFF2-40B4-BE49-F238E27FC236}">
-                <a16:creationId xmlns:a16="http://schemas.microsoft.com/office/drawing/2014/main" id="{BF213663-948C-41EE-B2A9-5B6831D49778}"/>
-              </a:ext>
-            </a:extLst>
-          </p:cNvPr>
-          <p:cNvSpPr txBox="1">
-            <a:spLocks/>
-          </p:cNvSpPr>
-          <p:nvPr/>
-        </p:nvSpPr>
-        <p:spPr>
-          <a:xfrm>
-            <a:off x="-108520" y="1196752"/>
-            <a:ext cx="4608513" cy="4752528"/>
-          </a:xfrm>
-          <a:prstGeom prst="rect">
-            <a:avLst/>
-          </a:prstGeom>
-        </p:spPr>
-        <p:txBody>
-          <a:bodyPr vert="horz" lIns="91440" tIns="45720" rIns="91440" bIns="45720" rtlCol="0">
-            <a:normAutofit/>
-          </a:bodyPr>
-          <a:lstStyle>
-            <a:lvl1pPr marL="342900" indent="-342900" algn="l" defTabSz="914400" rtl="0" eaLnBrk="1" latinLnBrk="1" hangingPunct="1">
-              <a:spcBef>
-                <a:spcPct val="20000"/>
-              </a:spcBef>
-              <a:buFont typeface="Arial" pitchFamily="34" charset="0"/>
-              <a:buNone/>
-              <a:defRPr lang="ko-KR" altLang="en-US" sz="1600" i="1" kern="1200" baseline="0">
-                <a:solidFill>
-                  <a:schemeClr val="tx1">
-                    <a:lumMod val="65000"/>
-                    <a:lumOff val="35000"/>
-                  </a:schemeClr>
-                </a:solidFill>
-                <a:latin typeface="+mj-lt"/>
-                <a:ea typeface="맑은 고딕" pitchFamily="50" charset="-127"/>
-                <a:cs typeface="+mn-cs"/>
-              </a:defRPr>
-            </a:lvl1pPr>
-            <a:lvl2pPr marL="742950" indent="-285750" algn="l" defTabSz="914400" rtl="0" eaLnBrk="1" latinLnBrk="1" hangingPunct="1">
-              <a:spcBef>
-                <a:spcPct val="20000"/>
-              </a:spcBef>
-              <a:buFont typeface="Arial" pitchFamily="34" charset="0"/>
-              <a:buNone/>
-              <a:defRPr lang="ko-KR" altLang="en-US" sz="1600" i="1" kern="1200" baseline="0">
-                <a:solidFill>
-                  <a:schemeClr val="tx1">
-                    <a:lumMod val="65000"/>
-                    <a:lumOff val="35000"/>
-                  </a:schemeClr>
-                </a:solidFill>
-                <a:latin typeface="+mj-lt"/>
-                <a:ea typeface="맑은 고딕" pitchFamily="50" charset="-127"/>
-                <a:cs typeface="+mn-cs"/>
-              </a:defRPr>
-            </a:lvl2pPr>
-            <a:lvl3pPr marL="1143000" indent="-228600" algn="l" defTabSz="914400" rtl="0" eaLnBrk="1" latinLnBrk="1" hangingPunct="1">
-              <a:spcBef>
-                <a:spcPct val="20000"/>
-              </a:spcBef>
-              <a:buFont typeface="Arial" pitchFamily="34" charset="0"/>
-              <a:buNone/>
-              <a:defRPr lang="ko-KR" altLang="en-US" sz="1600" i="1" kern="1200" baseline="0">
-                <a:solidFill>
-                  <a:schemeClr val="tx1">
-                    <a:lumMod val="65000"/>
-                    <a:lumOff val="35000"/>
-                  </a:schemeClr>
-                </a:solidFill>
-                <a:latin typeface="+mj-lt"/>
-                <a:ea typeface="맑은 고딕" pitchFamily="50" charset="-127"/>
-                <a:cs typeface="+mn-cs"/>
-              </a:defRPr>
-            </a:lvl3pPr>
-            <a:lvl4pPr marL="1600200" indent="-228600" algn="l" defTabSz="914400" rtl="0" eaLnBrk="1" latinLnBrk="1" hangingPunct="1">
-              <a:spcBef>
-                <a:spcPct val="20000"/>
-              </a:spcBef>
-              <a:buFont typeface="Arial" pitchFamily="34" charset="0"/>
-              <a:buNone/>
-              <a:defRPr lang="ko-KR" altLang="en-US" sz="1600" i="1" kern="1200" baseline="0">
-                <a:solidFill>
-                  <a:schemeClr val="tx1">
-                    <a:lumMod val="65000"/>
-                    <a:lumOff val="35000"/>
-                  </a:schemeClr>
-                </a:solidFill>
-                <a:latin typeface="+mj-lt"/>
-                <a:ea typeface="맑은 고딕" pitchFamily="50" charset="-127"/>
-                <a:cs typeface="+mn-cs"/>
-              </a:defRPr>
-            </a:lvl4pPr>
-            <a:lvl5pPr marL="2057400" indent="-228600" algn="l" defTabSz="914400" rtl="0" eaLnBrk="1" latinLnBrk="1" hangingPunct="1">
-              <a:spcBef>
-                <a:spcPct val="20000"/>
-              </a:spcBef>
-              <a:buFont typeface="Arial" pitchFamily="34" charset="0"/>
-              <a:buNone/>
-              <a:defRPr lang="ko-KR" altLang="en-US" sz="1600" i="1" kern="1200" baseline="0">
-                <a:solidFill>
-                  <a:schemeClr val="tx1">
-                    <a:lumMod val="65000"/>
-                    <a:lumOff val="35000"/>
-                  </a:schemeClr>
-                </a:solidFill>
-                <a:latin typeface="+mj-lt"/>
-                <a:ea typeface="맑은 고딕" pitchFamily="50" charset="-127"/>
-                <a:cs typeface="+mn-cs"/>
-              </a:defRPr>
-            </a:lvl5pPr>
-            <a:lvl6pPr marL="2514600" indent="-228600" algn="l" defTabSz="914400" rtl="0" eaLnBrk="1" latinLnBrk="1" hangingPunct="1">
-              <a:spcBef>
-                <a:spcPct val="20000"/>
-              </a:spcBef>
-              <a:buFont typeface="Arial" pitchFamily="34" charset="0"/>
-              <a:buChar char="•"/>
-              <a:defRPr sz="2000" kern="1200">
-                <a:solidFill>
-                  <a:schemeClr val="tx1"/>
-                </a:solidFill>
-                <a:latin typeface="+mn-lt"/>
-                <a:ea typeface="+mn-ea"/>
-                <a:cs typeface="+mn-cs"/>
-              </a:defRPr>
-            </a:lvl6pPr>
-            <a:lvl7pPr marL="2971800" indent="-228600" algn="l" defTabSz="914400" rtl="0" eaLnBrk="1" latinLnBrk="1" hangingPunct="1">
-              <a:spcBef>
-                <a:spcPct val="20000"/>
-              </a:spcBef>
-              <a:buFont typeface="Arial" pitchFamily="34" charset="0"/>
-              <a:buChar char="•"/>
-              <a:defRPr sz="2000" kern="1200">
-                <a:solidFill>
-                  <a:schemeClr val="tx1"/>
-                </a:solidFill>
-                <a:latin typeface="+mn-lt"/>
-                <a:ea typeface="+mn-ea"/>
-                <a:cs typeface="+mn-cs"/>
-              </a:defRPr>
-            </a:lvl7pPr>
-            <a:lvl8pPr marL="3429000" indent="-228600" algn="l" defTabSz="914400" rtl="0" eaLnBrk="1" latinLnBrk="1" hangingPunct="1">
-              <a:spcBef>
-                <a:spcPct val="20000"/>
-              </a:spcBef>
-              <a:buFont typeface="Arial" pitchFamily="34" charset="0"/>
-              <a:buChar char="•"/>
-              <a:defRPr sz="2000" kern="1200">
-                <a:solidFill>
-                  <a:schemeClr val="tx1"/>
-                </a:solidFill>
-                <a:latin typeface="+mn-lt"/>
-                <a:ea typeface="+mn-ea"/>
-                <a:cs typeface="+mn-cs"/>
-              </a:defRPr>
-            </a:lvl8pPr>
-            <a:lvl9pPr marL="3886200" indent="-228600" algn="l" defTabSz="914400" rtl="0" eaLnBrk="1" latinLnBrk="1" hangingPunct="1">
-              <a:spcBef>
-                <a:spcPct val="20000"/>
-              </a:spcBef>
-              <a:buFont typeface="Arial" pitchFamily="34" charset="0"/>
-              <a:buChar char="•"/>
-              <a:defRPr sz="2000" kern="1200">
-                <a:solidFill>
-                  <a:schemeClr val="tx1"/>
-                </a:solidFill>
-                <a:latin typeface="+mn-lt"/>
-                <a:ea typeface="+mn-ea"/>
-                <a:cs typeface="+mn-cs"/>
-              </a:defRPr>
-            </a:lvl9pPr>
-          </a:lstStyle>
-          <a:p>
-            <a:pPr lvl="1">
-              <a:lnSpc>
-                <a:spcPct val="300000"/>
-              </a:lnSpc>
-              <a:buFont typeface="Arial" panose="020B0604020202020204" pitchFamily="34" charset="0"/>
-              <a:buChar char="•"/>
-            </a:pPr>
-            <a:r>
-              <a:rPr lang="hu-HU" altLang="ko-KR" sz="2000" b="1" dirty="0" err="1">
-                <a:solidFill>
-                  <a:schemeClr val="tx1"/>
-                </a:solidFill>
-              </a:rPr>
-              <a:t>Without</a:t>
-            </a:r>
-            <a:r>
-              <a:rPr lang="hu-HU" altLang="ko-KR" sz="2000" b="1" dirty="0">
-                <a:solidFill>
-                  <a:schemeClr val="tx1"/>
-                </a:solidFill>
-              </a:rPr>
-              <a:t> </a:t>
-            </a:r>
-            <a:r>
-              <a:rPr lang="hu-HU" altLang="ko-KR" sz="2000" b="1" dirty="0" err="1">
-                <a:solidFill>
-                  <a:schemeClr val="tx1"/>
-                </a:solidFill>
-              </a:rPr>
-              <a:t>registration</a:t>
-            </a:r>
-            <a:endParaRPr lang="hu-HU" altLang="ko-KR" sz="2000" b="1" dirty="0">
-              <a:solidFill>
-                <a:schemeClr val="tx1"/>
-              </a:solidFill>
-            </a:endParaRPr>
-          </a:p>
-          <a:p>
-            <a:pPr lvl="3">
-              <a:lnSpc>
-                <a:spcPct val="110000"/>
-              </a:lnSpc>
-              <a:buFont typeface="Arial" pitchFamily="34" charset="0"/>
-              <a:buChar char="•"/>
-            </a:pPr>
-            <a:r>
-              <a:rPr lang="hu-HU" altLang="ko-KR" sz="2000" dirty="0"/>
-              <a:t>Kezdőlap</a:t>
-            </a:r>
-          </a:p>
-          <a:p>
-            <a:pPr lvl="3">
-              <a:lnSpc>
-                <a:spcPct val="110000"/>
-              </a:lnSpc>
-              <a:buFont typeface="Arial" pitchFamily="34" charset="0"/>
-              <a:buChar char="•"/>
-            </a:pPr>
-            <a:r>
-              <a:rPr lang="hu-HU" altLang="ko-KR" sz="2000" dirty="0"/>
-              <a:t>Kapcsolat</a:t>
-            </a:r>
-          </a:p>
-          <a:p>
-            <a:pPr lvl="3">
-              <a:lnSpc>
-                <a:spcPct val="110000"/>
-              </a:lnSpc>
-              <a:buFont typeface="Arial" pitchFamily="34" charset="0"/>
-              <a:buChar char="•"/>
-            </a:pPr>
-            <a:r>
-              <a:rPr lang="hu-HU" altLang="ko-KR" sz="2000" dirty="0"/>
-              <a:t>Tudj meg többet</a:t>
-            </a:r>
-          </a:p>
-          <a:p>
-            <a:pPr lvl="3">
-              <a:lnSpc>
-                <a:spcPct val="110000"/>
-              </a:lnSpc>
-              <a:buFont typeface="Arial" pitchFamily="34" charset="0"/>
-              <a:buChar char="•"/>
-            </a:pPr>
-            <a:r>
-              <a:rPr lang="hu-HU" altLang="ko-KR" sz="2000" dirty="0"/>
-              <a:t>Vendégoldal</a:t>
-            </a:r>
-          </a:p>
-          <a:p>
-            <a:pPr lvl="3">
-              <a:lnSpc>
-                <a:spcPct val="110000"/>
-              </a:lnSpc>
-              <a:buFont typeface="Arial" pitchFamily="34" charset="0"/>
-              <a:buChar char="•"/>
-            </a:pPr>
-            <a:r>
-              <a:rPr lang="hu-HU" altLang="ko-KR" sz="2000" dirty="0"/>
-              <a:t>Bejelentkezés/Regisztráció</a:t>
-            </a:r>
-          </a:p>
-          <a:p>
-            <a:pPr lvl="3">
-              <a:buFont typeface="Arial" pitchFamily="34" charset="0"/>
-              <a:buChar char="•"/>
-            </a:pPr>
-            <a:endParaRPr lang="hu-HU" altLang="ko-KR" sz="2000" b="1" dirty="0"/>
-          </a:p>
-          <a:p>
-            <a:pPr lvl="1">
-              <a:lnSpc>
-                <a:spcPct val="300000"/>
-              </a:lnSpc>
-              <a:buFont typeface="Arial" panose="020B0604020202020204" pitchFamily="34" charset="0"/>
-              <a:buChar char="•"/>
-            </a:pPr>
-            <a:endParaRPr lang="hu-HU" altLang="ko-KR" sz="2000" b="1" dirty="0"/>
-          </a:p>
           <a:p>
             <a:endParaRPr lang="en-US" altLang="ko-KR" dirty="0"/>
           </a:p>
@@ -4140,7 +2820,7 @@
     </p:spTree>
     <p:extLst>
       <p:ext uri="{BB962C8B-B14F-4D97-AF65-F5344CB8AC3E}">
-        <p14:creationId xmlns:p14="http://schemas.microsoft.com/office/powerpoint/2010/main" val="3357147046"/>
+        <p14:creationId xmlns:p14="http://schemas.microsoft.com/office/powerpoint/2010/main" val="2504903755"/>
       </p:ext>
     </p:extLst>
   </p:cSld>
@@ -4150,7 +2830,7 @@
 </p:sld>
 </file>
 
-<file path=ppt/slides/slide4.xml><?xml version="1.0" encoding="utf-8"?>
+<file path=ppt/slides/slide12.xml><?xml version="1.0" encoding="utf-8"?>
 <p:sld xmlns:a="http://schemas.openxmlformats.org/drawingml/2006/main" xmlns:r="http://schemas.openxmlformats.org/officeDocument/2006/relationships" xmlns:p="http://schemas.openxmlformats.org/presentationml/2006/main">
   <p:cSld>
     <p:spTree>
@@ -4186,8 +2866,8 @@
           <a:p>
             <a:pPr algn="ctr"/>
             <a:r>
-              <a:rPr lang="hu-HU" altLang="ko-KR" sz="5400" dirty="0"/>
-              <a:t>The program</a:t>
+              <a:rPr lang="hu-HU" altLang="ko-KR" sz="5400" dirty="0" err="1"/>
+              <a:t>Tests</a:t>
             </a:r>
             <a:endParaRPr lang="ko-KR" altLang="en-US" sz="5400" dirty="0"/>
           </a:p>
@@ -4195,13 +2875,7 @@
       </p:sp>
       <p:sp>
         <p:nvSpPr>
-          <p:cNvPr id="10" name="내용 개체 틀 36">
-            <a:extLst>
-              <a:ext uri="{FF2B5EF4-FFF2-40B4-BE49-F238E27FC236}">
-                <a16:creationId xmlns:a16="http://schemas.microsoft.com/office/drawing/2014/main" id="{A1A1A9F7-E617-485C-B95B-F14F4590D0BB}"/>
-              </a:ext>
-            </a:extLst>
-          </p:cNvPr>
+          <p:cNvPr id="37" name="내용 개체 틀 36"/>
           <p:cNvSpPr>
             <a:spLocks noGrp="1"/>
           </p:cNvSpPr>
@@ -4211,746 +2885,260 @@
         </p:nvSpPr>
         <p:spPr>
           <a:xfrm>
-            <a:off x="4067944" y="1196752"/>
-            <a:ext cx="4824536" cy="2520280"/>
+            <a:off x="395537" y="1268760"/>
+            <a:ext cx="3384376" cy="4881686"/>
           </a:xfrm>
         </p:spPr>
         <p:txBody>
-          <a:bodyPr>
-            <a:normAutofit/>
-          </a:bodyPr>
+          <a:bodyPr/>
           <a:lstStyle/>
           <a:p>
-            <a:pPr lvl="1">
-              <a:lnSpc>
-                <a:spcPct val="300000"/>
-              </a:lnSpc>
+            <a:pPr>
               <a:buFont typeface="Arial" panose="020B0604020202020204" pitchFamily="34" charset="0"/>
               <a:buChar char="•"/>
             </a:pPr>
             <a:r>
-              <a:rPr lang="hu-HU" altLang="ko-KR" sz="2000" b="1" dirty="0">
+              <a:rPr lang="hu-HU" altLang="ko-KR" sz="2400" b="1" i="0" dirty="0" err="1">
                 <a:solidFill>
                   <a:schemeClr val="tx1"/>
                 </a:solidFill>
               </a:rPr>
-              <a:t>Frontend</a:t>
-            </a:r>
-          </a:p>
-          <a:p>
-            <a:pPr lvl="3">
-              <a:lnSpc>
-                <a:spcPct val="110000"/>
-              </a:lnSpc>
+              <a:t>Jest</a:t>
+            </a:r>
+            <a:r>
+              <a:rPr lang="hu-HU" altLang="ko-KR" sz="2400" b="1" i="0" dirty="0">
+                <a:solidFill>
+                  <a:schemeClr val="tx1"/>
+                </a:solidFill>
+              </a:rPr>
+              <a:t> </a:t>
+            </a:r>
+            <a:r>
+              <a:rPr lang="hu-HU" altLang="ko-KR" sz="2400" b="1" i="0" dirty="0" err="1">
+                <a:solidFill>
+                  <a:schemeClr val="tx1"/>
+                </a:solidFill>
+              </a:rPr>
+              <a:t>Tester</a:t>
+            </a:r>
+            <a:endParaRPr lang="hu-HU" altLang="ko-KR" sz="2400" b="1" i="0" dirty="0">
+              <a:solidFill>
+                <a:schemeClr val="tx1"/>
+              </a:solidFill>
+            </a:endParaRPr>
+          </a:p>
+          <a:p>
+            <a:pPr>
               <a:buFont typeface="Arial" panose="020B0604020202020204" pitchFamily="34" charset="0"/>
               <a:buChar char="•"/>
             </a:pPr>
             <a:r>
-              <a:rPr lang="hu-HU" altLang="ko-KR" sz="2000" dirty="0"/>
-              <a:t>HTML5</a:t>
-            </a:r>
-          </a:p>
-          <a:p>
-            <a:pPr lvl="3">
-              <a:lnSpc>
-                <a:spcPct val="110000"/>
-              </a:lnSpc>
+              <a:rPr lang="hu-HU" altLang="ko-KR" sz="2400" b="1" i="0" dirty="0">
+                <a:solidFill>
+                  <a:schemeClr val="tx1"/>
+                </a:solidFill>
+              </a:rPr>
+              <a:t>Main </a:t>
+            </a:r>
+            <a:r>
+              <a:rPr lang="hu-HU" altLang="ko-KR" sz="2400" b="1" i="0" dirty="0" err="1">
+                <a:solidFill>
+                  <a:schemeClr val="tx1"/>
+                </a:solidFill>
+              </a:rPr>
+              <a:t>Functions</a:t>
+            </a:r>
+            <a:endParaRPr lang="hu-HU" altLang="ko-KR" sz="2400" b="1" i="0" dirty="0">
+              <a:solidFill>
+                <a:schemeClr val="tx1"/>
+              </a:solidFill>
+            </a:endParaRPr>
+          </a:p>
+          <a:p>
+            <a:pPr lvl="1">
               <a:buFont typeface="Arial" panose="020B0604020202020204" pitchFamily="34" charset="0"/>
               <a:buChar char="•"/>
             </a:pPr>
             <a:r>
-              <a:rPr lang="hu-HU" altLang="ko-KR" sz="2000" dirty="0" err="1"/>
-              <a:t>Bootstrap</a:t>
-            </a:r>
-            <a:endParaRPr lang="hu-HU" altLang="ko-KR" sz="2000" dirty="0"/>
-          </a:p>
-          <a:p>
-            <a:pPr lvl="3">
-              <a:lnSpc>
-                <a:spcPct val="110000"/>
-              </a:lnSpc>
+              <a:rPr lang="hu-HU" altLang="ko-KR" sz="2400" b="1" i="0" dirty="0"/>
+              <a:t>Login</a:t>
+            </a:r>
+          </a:p>
+          <a:p>
+            <a:pPr lvl="1">
               <a:buFont typeface="Arial" panose="020B0604020202020204" pitchFamily="34" charset="0"/>
               <a:buChar char="•"/>
             </a:pPr>
             <a:r>
-              <a:rPr lang="hu-HU" altLang="ko-KR" sz="2000" dirty="0" err="1"/>
-              <a:t>VueJs</a:t>
-            </a:r>
-            <a:endParaRPr lang="hu-HU" altLang="ko-KR" sz="2000" b="1" dirty="0"/>
-          </a:p>
-          <a:p>
-            <a:endParaRPr lang="en-US" altLang="ko-KR" dirty="0"/>
+              <a:rPr lang="hu-HU" altLang="ko-KR" sz="2400" b="1" i="0" dirty="0" err="1"/>
+              <a:t>Register</a:t>
+            </a:r>
+            <a:endParaRPr lang="hu-HU" altLang="ko-KR" sz="2400" b="1" i="0" dirty="0"/>
+          </a:p>
+          <a:p>
+            <a:pPr>
+              <a:buFont typeface="Arial" panose="020B0604020202020204" pitchFamily="34" charset="0"/>
+              <a:buChar char="•"/>
+            </a:pPr>
+            <a:r>
+              <a:rPr lang="hu-HU" altLang="ko-KR" sz="2400" b="1" i="0" dirty="0" err="1">
+                <a:solidFill>
+                  <a:schemeClr val="tx1"/>
+                </a:solidFill>
+              </a:rPr>
+              <a:t>Live</a:t>
+            </a:r>
+            <a:r>
+              <a:rPr lang="hu-HU" altLang="ko-KR" sz="2400" b="1" i="0" dirty="0">
+                <a:solidFill>
+                  <a:schemeClr val="tx1"/>
+                </a:solidFill>
+              </a:rPr>
+              <a:t> </a:t>
+            </a:r>
+            <a:r>
+              <a:rPr lang="hu-HU" altLang="ko-KR" sz="2400" b="1" i="0" dirty="0" err="1">
+                <a:solidFill>
+                  <a:schemeClr val="tx1"/>
+                </a:solidFill>
+              </a:rPr>
+              <a:t>database</a:t>
+            </a:r>
+            <a:r>
+              <a:rPr lang="hu-HU" altLang="ko-KR" sz="2400" b="1" i="0" dirty="0">
+                <a:solidFill>
+                  <a:schemeClr val="tx1"/>
+                </a:solidFill>
+              </a:rPr>
+              <a:t>, email </a:t>
+            </a:r>
+            <a:r>
+              <a:rPr lang="hu-HU" altLang="ko-KR" sz="2400" b="1" i="0" dirty="0" err="1">
+                <a:solidFill>
+                  <a:schemeClr val="tx1"/>
+                </a:solidFill>
+              </a:rPr>
+              <a:t>response</a:t>
+            </a:r>
+            <a:endParaRPr lang="hu-HU" altLang="ko-KR" sz="2400" b="1" i="0" dirty="0">
+              <a:solidFill>
+                <a:schemeClr val="tx1"/>
+              </a:solidFill>
+            </a:endParaRPr>
           </a:p>
         </p:txBody>
       </p:sp>
-      <p:sp>
-        <p:nvSpPr>
-          <p:cNvPr id="11" name="내용 개체 틀 36">
+      <p:pic>
+        <p:nvPicPr>
+          <p:cNvPr id="5122" name="Picture 2" descr="Jest Javascript Testing Logo&quot; Sticker by hipstuff | Redbubble">
             <a:extLst>
               <a:ext uri="{FF2B5EF4-FFF2-40B4-BE49-F238E27FC236}">
-                <a16:creationId xmlns:a16="http://schemas.microsoft.com/office/drawing/2014/main" id="{BF213663-948C-41EE-B2A9-5B6831D49778}"/>
+                <a16:creationId xmlns:a16="http://schemas.microsoft.com/office/drawing/2014/main" id="{1C82AC4B-B983-46D8-AE63-24156B93E91F}"/>
               </a:ext>
             </a:extLst>
           </p:cNvPr>
-          <p:cNvSpPr txBox="1">
-            <a:spLocks/>
-          </p:cNvSpPr>
+          <p:cNvPicPr>
+            <a:picLocks noChangeAspect="1" noChangeArrowheads="1"/>
+          </p:cNvPicPr>
           <p:nvPr/>
-        </p:nvSpPr>
+        </p:nvPicPr>
+        <p:blipFill>
+          <a:blip r:embed="rId2" cstate="print">
+            <a:extLst>
+              <a:ext uri="{28A0092B-C50C-407E-A947-70E740481C1C}">
+                <a14:useLocalDpi xmlns:a14="http://schemas.microsoft.com/office/drawing/2010/main" val="0"/>
+              </a:ext>
+            </a:extLst>
+          </a:blip>
+          <a:srcRect/>
+          <a:stretch>
+            <a:fillRect/>
+          </a:stretch>
+        </p:blipFill>
+        <p:spPr bwMode="auto">
+          <a:xfrm>
+            <a:off x="6876256" y="96722"/>
+            <a:ext cx="1993813" cy="1440135"/>
+          </a:xfrm>
+          <a:prstGeom prst="rect">
+            <a:avLst/>
+          </a:prstGeom>
+          <a:noFill/>
+          <a:extLst>
+            <a:ext uri="{909E8E84-426E-40DD-AFC4-6F175D3DCCD1}">
+              <a14:hiddenFill xmlns:a14="http://schemas.microsoft.com/office/drawing/2010/main">
+                <a:solidFill>
+                  <a:srgbClr val="FFFFFF"/>
+                </a:solidFill>
+              </a14:hiddenFill>
+            </a:ext>
+          </a:extLst>
+        </p:spPr>
+      </p:pic>
+      <p:pic>
+        <p:nvPicPr>
+          <p:cNvPr id="4" name="Kép 3">
+            <a:extLst>
+              <a:ext uri="{FF2B5EF4-FFF2-40B4-BE49-F238E27FC236}">
+                <a16:creationId xmlns:a16="http://schemas.microsoft.com/office/drawing/2014/main" id="{E96A0FD2-EC4F-4BF0-B03E-F27857C2DD55}"/>
+              </a:ext>
+            </a:extLst>
+          </p:cNvPr>
+          <p:cNvPicPr>
+            <a:picLocks noChangeAspect="1"/>
+          </p:cNvPicPr>
+          <p:nvPr/>
+        </p:nvPicPr>
+        <p:blipFill>
+          <a:blip r:embed="rId3"/>
+          <a:stretch>
+            <a:fillRect/>
+          </a:stretch>
+        </p:blipFill>
         <p:spPr>
           <a:xfrm>
-            <a:off x="-108520" y="1196752"/>
-            <a:ext cx="4608513" cy="4752528"/>
+            <a:off x="4054996" y="1533434"/>
+            <a:ext cx="4693467" cy="2902418"/>
           </a:xfrm>
           <a:prstGeom prst="rect">
             <a:avLst/>
           </a:prstGeom>
         </p:spPr>
-        <p:txBody>
-          <a:bodyPr vert="horz" lIns="91440" tIns="45720" rIns="91440" bIns="45720" rtlCol="0">
-            <a:normAutofit/>
-          </a:bodyPr>
-          <a:lstStyle>
-            <a:lvl1pPr marL="342900" indent="-342900" algn="l" defTabSz="914400" rtl="0" eaLnBrk="1" latinLnBrk="1" hangingPunct="1">
-              <a:spcBef>
-                <a:spcPct val="20000"/>
-              </a:spcBef>
-              <a:buFont typeface="Arial" pitchFamily="34" charset="0"/>
-              <a:buNone/>
-              <a:defRPr lang="ko-KR" altLang="en-US" sz="1600" i="1" kern="1200" baseline="0">
-                <a:solidFill>
-                  <a:schemeClr val="tx1">
-                    <a:lumMod val="65000"/>
-                    <a:lumOff val="35000"/>
-                  </a:schemeClr>
-                </a:solidFill>
-                <a:latin typeface="+mj-lt"/>
-                <a:ea typeface="맑은 고딕" pitchFamily="50" charset="-127"/>
-                <a:cs typeface="+mn-cs"/>
-              </a:defRPr>
-            </a:lvl1pPr>
-            <a:lvl2pPr marL="742950" indent="-285750" algn="l" defTabSz="914400" rtl="0" eaLnBrk="1" latinLnBrk="1" hangingPunct="1">
-              <a:spcBef>
-                <a:spcPct val="20000"/>
-              </a:spcBef>
-              <a:buFont typeface="Arial" pitchFamily="34" charset="0"/>
-              <a:buNone/>
-              <a:defRPr lang="ko-KR" altLang="en-US" sz="1600" i="1" kern="1200" baseline="0">
-                <a:solidFill>
-                  <a:schemeClr val="tx1">
-                    <a:lumMod val="65000"/>
-                    <a:lumOff val="35000"/>
-                  </a:schemeClr>
-                </a:solidFill>
-                <a:latin typeface="+mj-lt"/>
-                <a:ea typeface="맑은 고딕" pitchFamily="50" charset="-127"/>
-                <a:cs typeface="+mn-cs"/>
-              </a:defRPr>
-            </a:lvl2pPr>
-            <a:lvl3pPr marL="1143000" indent="-228600" algn="l" defTabSz="914400" rtl="0" eaLnBrk="1" latinLnBrk="1" hangingPunct="1">
-              <a:spcBef>
-                <a:spcPct val="20000"/>
-              </a:spcBef>
-              <a:buFont typeface="Arial" pitchFamily="34" charset="0"/>
-              <a:buNone/>
-              <a:defRPr lang="ko-KR" altLang="en-US" sz="1600" i="1" kern="1200" baseline="0">
-                <a:solidFill>
-                  <a:schemeClr val="tx1">
-                    <a:lumMod val="65000"/>
-                    <a:lumOff val="35000"/>
-                  </a:schemeClr>
-                </a:solidFill>
-                <a:latin typeface="+mj-lt"/>
-                <a:ea typeface="맑은 고딕" pitchFamily="50" charset="-127"/>
-                <a:cs typeface="+mn-cs"/>
-              </a:defRPr>
-            </a:lvl3pPr>
-            <a:lvl4pPr marL="1600200" indent="-228600" algn="l" defTabSz="914400" rtl="0" eaLnBrk="1" latinLnBrk="1" hangingPunct="1">
-              <a:spcBef>
-                <a:spcPct val="20000"/>
-              </a:spcBef>
-              <a:buFont typeface="Arial" pitchFamily="34" charset="0"/>
-              <a:buNone/>
-              <a:defRPr lang="ko-KR" altLang="en-US" sz="1600" i="1" kern="1200" baseline="0">
-                <a:solidFill>
-                  <a:schemeClr val="tx1">
-                    <a:lumMod val="65000"/>
-                    <a:lumOff val="35000"/>
-                  </a:schemeClr>
-                </a:solidFill>
-                <a:latin typeface="+mj-lt"/>
-                <a:ea typeface="맑은 고딕" pitchFamily="50" charset="-127"/>
-                <a:cs typeface="+mn-cs"/>
-              </a:defRPr>
-            </a:lvl4pPr>
-            <a:lvl5pPr marL="2057400" indent="-228600" algn="l" defTabSz="914400" rtl="0" eaLnBrk="1" latinLnBrk="1" hangingPunct="1">
-              <a:spcBef>
-                <a:spcPct val="20000"/>
-              </a:spcBef>
-              <a:buFont typeface="Arial" pitchFamily="34" charset="0"/>
-              <a:buNone/>
-              <a:defRPr lang="ko-KR" altLang="en-US" sz="1600" i="1" kern="1200" baseline="0">
-                <a:solidFill>
-                  <a:schemeClr val="tx1">
-                    <a:lumMod val="65000"/>
-                    <a:lumOff val="35000"/>
-                  </a:schemeClr>
-                </a:solidFill>
-                <a:latin typeface="+mj-lt"/>
-                <a:ea typeface="맑은 고딕" pitchFamily="50" charset="-127"/>
-                <a:cs typeface="+mn-cs"/>
-              </a:defRPr>
-            </a:lvl5pPr>
-            <a:lvl6pPr marL="2514600" indent="-228600" algn="l" defTabSz="914400" rtl="0" eaLnBrk="1" latinLnBrk="1" hangingPunct="1">
-              <a:spcBef>
-                <a:spcPct val="20000"/>
-              </a:spcBef>
-              <a:buFont typeface="Arial" pitchFamily="34" charset="0"/>
-              <a:buChar char="•"/>
-              <a:defRPr sz="2000" kern="1200">
-                <a:solidFill>
-                  <a:schemeClr val="tx1"/>
-                </a:solidFill>
-                <a:latin typeface="+mn-lt"/>
-                <a:ea typeface="+mn-ea"/>
-                <a:cs typeface="+mn-cs"/>
-              </a:defRPr>
-            </a:lvl6pPr>
-            <a:lvl7pPr marL="2971800" indent="-228600" algn="l" defTabSz="914400" rtl="0" eaLnBrk="1" latinLnBrk="1" hangingPunct="1">
-              <a:spcBef>
-                <a:spcPct val="20000"/>
-              </a:spcBef>
-              <a:buFont typeface="Arial" pitchFamily="34" charset="0"/>
-              <a:buChar char="•"/>
-              <a:defRPr sz="2000" kern="1200">
-                <a:solidFill>
-                  <a:schemeClr val="tx1"/>
-                </a:solidFill>
-                <a:latin typeface="+mn-lt"/>
-                <a:ea typeface="+mn-ea"/>
-                <a:cs typeface="+mn-cs"/>
-              </a:defRPr>
-            </a:lvl7pPr>
-            <a:lvl8pPr marL="3429000" indent="-228600" algn="l" defTabSz="914400" rtl="0" eaLnBrk="1" latinLnBrk="1" hangingPunct="1">
-              <a:spcBef>
-                <a:spcPct val="20000"/>
-              </a:spcBef>
-              <a:buFont typeface="Arial" pitchFamily="34" charset="0"/>
-              <a:buChar char="•"/>
-              <a:defRPr sz="2000" kern="1200">
-                <a:solidFill>
-                  <a:schemeClr val="tx1"/>
-                </a:solidFill>
-                <a:latin typeface="+mn-lt"/>
-                <a:ea typeface="+mn-ea"/>
-                <a:cs typeface="+mn-cs"/>
-              </a:defRPr>
-            </a:lvl8pPr>
-            <a:lvl9pPr marL="3886200" indent="-228600" algn="l" defTabSz="914400" rtl="0" eaLnBrk="1" latinLnBrk="1" hangingPunct="1">
-              <a:spcBef>
-                <a:spcPct val="20000"/>
-              </a:spcBef>
-              <a:buFont typeface="Arial" pitchFamily="34" charset="0"/>
-              <a:buChar char="•"/>
-              <a:defRPr sz="2000" kern="1200">
-                <a:solidFill>
-                  <a:schemeClr val="tx1"/>
-                </a:solidFill>
-                <a:latin typeface="+mn-lt"/>
-                <a:ea typeface="+mn-ea"/>
-                <a:cs typeface="+mn-cs"/>
-              </a:defRPr>
-            </a:lvl9pPr>
-          </a:lstStyle>
-          <a:p>
-            <a:pPr lvl="1">
-              <a:lnSpc>
-                <a:spcPct val="300000"/>
-              </a:lnSpc>
-              <a:buFont typeface="Arial" panose="020B0604020202020204" pitchFamily="34" charset="0"/>
-              <a:buChar char="•"/>
-            </a:pPr>
-            <a:r>
-              <a:rPr lang="hu-HU" altLang="ko-KR" sz="2000" b="1" dirty="0">
-                <a:solidFill>
-                  <a:schemeClr val="tx1"/>
-                </a:solidFill>
-              </a:rPr>
-              <a:t>Backend</a:t>
-            </a:r>
-          </a:p>
-          <a:p>
-            <a:pPr lvl="3">
-              <a:lnSpc>
-                <a:spcPct val="110000"/>
-              </a:lnSpc>
-              <a:buFont typeface="Arial" pitchFamily="34" charset="0"/>
-              <a:buChar char="•"/>
-            </a:pPr>
-            <a:r>
-              <a:rPr lang="hu-HU" altLang="ko-KR" sz="2000" dirty="0"/>
-              <a:t>Node.js</a:t>
-            </a:r>
-          </a:p>
-          <a:p>
-            <a:pPr lvl="3">
-              <a:buFont typeface="Arial" pitchFamily="34" charset="0"/>
-              <a:buChar char="•"/>
-            </a:pPr>
-            <a:endParaRPr lang="hu-HU" altLang="ko-KR" sz="2000" b="1" dirty="0"/>
-          </a:p>
-          <a:p>
-            <a:pPr lvl="1">
-              <a:lnSpc>
-                <a:spcPct val="300000"/>
-              </a:lnSpc>
-              <a:buFont typeface="Arial" panose="020B0604020202020204" pitchFamily="34" charset="0"/>
-              <a:buChar char="•"/>
-            </a:pPr>
-            <a:endParaRPr lang="hu-HU" altLang="ko-KR" sz="2000" b="1" dirty="0"/>
-          </a:p>
-          <a:p>
-            <a:endParaRPr lang="en-US" altLang="ko-KR" dirty="0"/>
-          </a:p>
-        </p:txBody>
-      </p:sp>
-      <p:sp>
-        <p:nvSpPr>
-          <p:cNvPr id="5" name="내용 개체 틀 36">
+      </p:pic>
+      <p:pic>
+        <p:nvPicPr>
+          <p:cNvPr id="6" name="Kép 5">
             <a:extLst>
               <a:ext uri="{FF2B5EF4-FFF2-40B4-BE49-F238E27FC236}">
-                <a16:creationId xmlns:a16="http://schemas.microsoft.com/office/drawing/2014/main" id="{CCCF5F44-DE47-4F77-81CC-F346197EEC0A}"/>
+                <a16:creationId xmlns:a16="http://schemas.microsoft.com/office/drawing/2014/main" id="{D637F56B-DB33-4072-9095-9E799A205C6E}"/>
               </a:ext>
             </a:extLst>
           </p:cNvPr>
-          <p:cNvSpPr txBox="1">
-            <a:spLocks/>
-          </p:cNvSpPr>
+          <p:cNvPicPr>
+            <a:picLocks noChangeAspect="1"/>
+          </p:cNvPicPr>
           <p:nvPr/>
-        </p:nvSpPr>
+        </p:nvPicPr>
+        <p:blipFill>
+          <a:blip r:embed="rId4"/>
+          <a:stretch>
+            <a:fillRect/>
+          </a:stretch>
+        </p:blipFill>
         <p:spPr>
           <a:xfrm>
-            <a:off x="0" y="4000244"/>
-            <a:ext cx="4824536" cy="2520280"/>
+            <a:off x="2699791" y="4550870"/>
+            <a:ext cx="4561863" cy="2190498"/>
           </a:xfrm>
           <a:prstGeom prst="rect">
             <a:avLst/>
           </a:prstGeom>
         </p:spPr>
-        <p:txBody>
-          <a:bodyPr vert="horz" lIns="91440" tIns="45720" rIns="91440" bIns="45720" rtlCol="0">
-            <a:normAutofit/>
-          </a:bodyPr>
-          <a:lstStyle>
-            <a:lvl1pPr marL="342900" indent="-342900" algn="l" defTabSz="914400" rtl="0" eaLnBrk="1" latinLnBrk="1" hangingPunct="1">
-              <a:spcBef>
-                <a:spcPct val="20000"/>
-              </a:spcBef>
-              <a:buFont typeface="Arial" pitchFamily="34" charset="0"/>
-              <a:buNone/>
-              <a:defRPr lang="ko-KR" altLang="en-US" sz="1600" i="1" kern="1200" baseline="0">
-                <a:solidFill>
-                  <a:schemeClr val="tx1">
-                    <a:lumMod val="65000"/>
-                    <a:lumOff val="35000"/>
-                  </a:schemeClr>
-                </a:solidFill>
-                <a:latin typeface="+mj-lt"/>
-                <a:ea typeface="맑은 고딕" pitchFamily="50" charset="-127"/>
-                <a:cs typeface="+mn-cs"/>
-              </a:defRPr>
-            </a:lvl1pPr>
-            <a:lvl2pPr marL="742950" indent="-285750" algn="l" defTabSz="914400" rtl="0" eaLnBrk="1" latinLnBrk="1" hangingPunct="1">
-              <a:spcBef>
-                <a:spcPct val="20000"/>
-              </a:spcBef>
-              <a:buFont typeface="Arial" pitchFamily="34" charset="0"/>
-              <a:buNone/>
-              <a:defRPr lang="ko-KR" altLang="en-US" sz="1600" i="1" kern="1200" baseline="0">
-                <a:solidFill>
-                  <a:schemeClr val="tx1">
-                    <a:lumMod val="65000"/>
-                    <a:lumOff val="35000"/>
-                  </a:schemeClr>
-                </a:solidFill>
-                <a:latin typeface="+mj-lt"/>
-                <a:ea typeface="맑은 고딕" pitchFamily="50" charset="-127"/>
-                <a:cs typeface="+mn-cs"/>
-              </a:defRPr>
-            </a:lvl2pPr>
-            <a:lvl3pPr marL="1143000" indent="-228600" algn="l" defTabSz="914400" rtl="0" eaLnBrk="1" latinLnBrk="1" hangingPunct="1">
-              <a:spcBef>
-                <a:spcPct val="20000"/>
-              </a:spcBef>
-              <a:buFont typeface="Arial" pitchFamily="34" charset="0"/>
-              <a:buNone/>
-              <a:defRPr lang="ko-KR" altLang="en-US" sz="1600" i="1" kern="1200" baseline="0">
-                <a:solidFill>
-                  <a:schemeClr val="tx1">
-                    <a:lumMod val="65000"/>
-                    <a:lumOff val="35000"/>
-                  </a:schemeClr>
-                </a:solidFill>
-                <a:latin typeface="+mj-lt"/>
-                <a:ea typeface="맑은 고딕" pitchFamily="50" charset="-127"/>
-                <a:cs typeface="+mn-cs"/>
-              </a:defRPr>
-            </a:lvl3pPr>
-            <a:lvl4pPr marL="1600200" indent="-228600" algn="l" defTabSz="914400" rtl="0" eaLnBrk="1" latinLnBrk="1" hangingPunct="1">
-              <a:spcBef>
-                <a:spcPct val="20000"/>
-              </a:spcBef>
-              <a:buFont typeface="Arial" pitchFamily="34" charset="0"/>
-              <a:buNone/>
-              <a:defRPr lang="ko-KR" altLang="en-US" sz="1600" i="1" kern="1200" baseline="0">
-                <a:solidFill>
-                  <a:schemeClr val="tx1">
-                    <a:lumMod val="65000"/>
-                    <a:lumOff val="35000"/>
-                  </a:schemeClr>
-                </a:solidFill>
-                <a:latin typeface="+mj-lt"/>
-                <a:ea typeface="맑은 고딕" pitchFamily="50" charset="-127"/>
-                <a:cs typeface="+mn-cs"/>
-              </a:defRPr>
-            </a:lvl4pPr>
-            <a:lvl5pPr marL="2057400" indent="-228600" algn="l" defTabSz="914400" rtl="0" eaLnBrk="1" latinLnBrk="1" hangingPunct="1">
-              <a:spcBef>
-                <a:spcPct val="20000"/>
-              </a:spcBef>
-              <a:buFont typeface="Arial" pitchFamily="34" charset="0"/>
-              <a:buNone/>
-              <a:defRPr lang="ko-KR" altLang="en-US" sz="1600" i="1" kern="1200" baseline="0">
-                <a:solidFill>
-                  <a:schemeClr val="tx1">
-                    <a:lumMod val="65000"/>
-                    <a:lumOff val="35000"/>
-                  </a:schemeClr>
-                </a:solidFill>
-                <a:latin typeface="+mj-lt"/>
-                <a:ea typeface="맑은 고딕" pitchFamily="50" charset="-127"/>
-                <a:cs typeface="+mn-cs"/>
-              </a:defRPr>
-            </a:lvl5pPr>
-            <a:lvl6pPr marL="2514600" indent="-228600" algn="l" defTabSz="914400" rtl="0" eaLnBrk="1" latinLnBrk="1" hangingPunct="1">
-              <a:spcBef>
-                <a:spcPct val="20000"/>
-              </a:spcBef>
-              <a:buFont typeface="Arial" pitchFamily="34" charset="0"/>
-              <a:buChar char="•"/>
-              <a:defRPr sz="2000" kern="1200">
-                <a:solidFill>
-                  <a:schemeClr val="tx1"/>
-                </a:solidFill>
-                <a:latin typeface="+mn-lt"/>
-                <a:ea typeface="+mn-ea"/>
-                <a:cs typeface="+mn-cs"/>
-              </a:defRPr>
-            </a:lvl6pPr>
-            <a:lvl7pPr marL="2971800" indent="-228600" algn="l" defTabSz="914400" rtl="0" eaLnBrk="1" latinLnBrk="1" hangingPunct="1">
-              <a:spcBef>
-                <a:spcPct val="20000"/>
-              </a:spcBef>
-              <a:buFont typeface="Arial" pitchFamily="34" charset="0"/>
-              <a:buChar char="•"/>
-              <a:defRPr sz="2000" kern="1200">
-                <a:solidFill>
-                  <a:schemeClr val="tx1"/>
-                </a:solidFill>
-                <a:latin typeface="+mn-lt"/>
-                <a:ea typeface="+mn-ea"/>
-                <a:cs typeface="+mn-cs"/>
-              </a:defRPr>
-            </a:lvl7pPr>
-            <a:lvl8pPr marL="3429000" indent="-228600" algn="l" defTabSz="914400" rtl="0" eaLnBrk="1" latinLnBrk="1" hangingPunct="1">
-              <a:spcBef>
-                <a:spcPct val="20000"/>
-              </a:spcBef>
-              <a:buFont typeface="Arial" pitchFamily="34" charset="0"/>
-              <a:buChar char="•"/>
-              <a:defRPr sz="2000" kern="1200">
-                <a:solidFill>
-                  <a:schemeClr val="tx1"/>
-                </a:solidFill>
-                <a:latin typeface="+mn-lt"/>
-                <a:ea typeface="+mn-ea"/>
-                <a:cs typeface="+mn-cs"/>
-              </a:defRPr>
-            </a:lvl8pPr>
-            <a:lvl9pPr marL="3886200" indent="-228600" algn="l" defTabSz="914400" rtl="0" eaLnBrk="1" latinLnBrk="1" hangingPunct="1">
-              <a:spcBef>
-                <a:spcPct val="20000"/>
-              </a:spcBef>
-              <a:buFont typeface="Arial" pitchFamily="34" charset="0"/>
-              <a:buChar char="•"/>
-              <a:defRPr sz="2000" kern="1200">
-                <a:solidFill>
-                  <a:schemeClr val="tx1"/>
-                </a:solidFill>
-                <a:latin typeface="+mn-lt"/>
-                <a:ea typeface="+mn-ea"/>
-                <a:cs typeface="+mn-cs"/>
-              </a:defRPr>
-            </a:lvl9pPr>
-          </a:lstStyle>
-          <a:p>
-            <a:pPr lvl="1">
-              <a:lnSpc>
-                <a:spcPct val="300000"/>
-              </a:lnSpc>
-              <a:buFont typeface="Arial" panose="020B0604020202020204" pitchFamily="34" charset="0"/>
-              <a:buChar char="•"/>
-            </a:pPr>
-            <a:r>
-              <a:rPr lang="hu-HU" altLang="ko-KR" sz="2000" b="1" dirty="0" err="1">
-                <a:solidFill>
-                  <a:schemeClr val="tx1"/>
-                </a:solidFill>
-              </a:rPr>
-              <a:t>Database</a:t>
-            </a:r>
-            <a:endParaRPr lang="hu-HU" altLang="ko-KR" sz="2000" b="1" dirty="0">
-              <a:solidFill>
-                <a:schemeClr val="tx1"/>
-              </a:solidFill>
-            </a:endParaRPr>
-          </a:p>
-          <a:p>
-            <a:pPr lvl="3">
-              <a:lnSpc>
-                <a:spcPct val="110000"/>
-              </a:lnSpc>
-              <a:buFont typeface="Arial" pitchFamily="34" charset="0"/>
-              <a:buChar char="•"/>
-            </a:pPr>
-            <a:r>
-              <a:rPr lang="hu-HU" altLang="ko-KR" sz="2000" dirty="0" err="1"/>
-              <a:t>MySQL</a:t>
-            </a:r>
-            <a:endParaRPr lang="hu-HU" altLang="ko-KR" sz="2000" dirty="0"/>
-          </a:p>
-        </p:txBody>
-      </p:sp>
-      <p:sp>
-        <p:nvSpPr>
-          <p:cNvPr id="6" name="내용 개체 틀 36">
-            <a:extLst>
-              <a:ext uri="{FF2B5EF4-FFF2-40B4-BE49-F238E27FC236}">
-                <a16:creationId xmlns:a16="http://schemas.microsoft.com/office/drawing/2014/main" id="{0785BBA9-C3AC-4254-B574-23D13E209FDD}"/>
-              </a:ext>
-            </a:extLst>
-          </p:cNvPr>
-          <p:cNvSpPr txBox="1">
-            <a:spLocks/>
-          </p:cNvSpPr>
-          <p:nvPr/>
-        </p:nvSpPr>
-        <p:spPr>
-          <a:xfrm>
-            <a:off x="4067944" y="4000244"/>
-            <a:ext cx="4824536" cy="2520280"/>
-          </a:xfrm>
-          <a:prstGeom prst="rect">
-            <a:avLst/>
-          </a:prstGeom>
-        </p:spPr>
-        <p:txBody>
-          <a:bodyPr vert="horz" lIns="91440" tIns="45720" rIns="91440" bIns="45720" rtlCol="0">
-            <a:normAutofit/>
-          </a:bodyPr>
-          <a:lstStyle>
-            <a:lvl1pPr marL="342900" indent="-342900" algn="l" defTabSz="914400" rtl="0" eaLnBrk="1" latinLnBrk="1" hangingPunct="1">
-              <a:spcBef>
-                <a:spcPct val="20000"/>
-              </a:spcBef>
-              <a:buFont typeface="Arial" pitchFamily="34" charset="0"/>
-              <a:buNone/>
-              <a:defRPr lang="ko-KR" altLang="en-US" sz="1600" i="1" kern="1200" baseline="0">
-                <a:solidFill>
-                  <a:schemeClr val="tx1">
-                    <a:lumMod val="65000"/>
-                    <a:lumOff val="35000"/>
-                  </a:schemeClr>
-                </a:solidFill>
-                <a:latin typeface="+mj-lt"/>
-                <a:ea typeface="맑은 고딕" pitchFamily="50" charset="-127"/>
-                <a:cs typeface="+mn-cs"/>
-              </a:defRPr>
-            </a:lvl1pPr>
-            <a:lvl2pPr marL="742950" indent="-285750" algn="l" defTabSz="914400" rtl="0" eaLnBrk="1" latinLnBrk="1" hangingPunct="1">
-              <a:spcBef>
-                <a:spcPct val="20000"/>
-              </a:spcBef>
-              <a:buFont typeface="Arial" pitchFamily="34" charset="0"/>
-              <a:buNone/>
-              <a:defRPr lang="ko-KR" altLang="en-US" sz="1600" i="1" kern="1200" baseline="0">
-                <a:solidFill>
-                  <a:schemeClr val="tx1">
-                    <a:lumMod val="65000"/>
-                    <a:lumOff val="35000"/>
-                  </a:schemeClr>
-                </a:solidFill>
-                <a:latin typeface="+mj-lt"/>
-                <a:ea typeface="맑은 고딕" pitchFamily="50" charset="-127"/>
-                <a:cs typeface="+mn-cs"/>
-              </a:defRPr>
-            </a:lvl2pPr>
-            <a:lvl3pPr marL="1143000" indent="-228600" algn="l" defTabSz="914400" rtl="0" eaLnBrk="1" latinLnBrk="1" hangingPunct="1">
-              <a:spcBef>
-                <a:spcPct val="20000"/>
-              </a:spcBef>
-              <a:buFont typeface="Arial" pitchFamily="34" charset="0"/>
-              <a:buNone/>
-              <a:defRPr lang="ko-KR" altLang="en-US" sz="1600" i="1" kern="1200" baseline="0">
-                <a:solidFill>
-                  <a:schemeClr val="tx1">
-                    <a:lumMod val="65000"/>
-                    <a:lumOff val="35000"/>
-                  </a:schemeClr>
-                </a:solidFill>
-                <a:latin typeface="+mj-lt"/>
-                <a:ea typeface="맑은 고딕" pitchFamily="50" charset="-127"/>
-                <a:cs typeface="+mn-cs"/>
-              </a:defRPr>
-            </a:lvl3pPr>
-            <a:lvl4pPr marL="1600200" indent="-228600" algn="l" defTabSz="914400" rtl="0" eaLnBrk="1" latinLnBrk="1" hangingPunct="1">
-              <a:spcBef>
-                <a:spcPct val="20000"/>
-              </a:spcBef>
-              <a:buFont typeface="Arial" pitchFamily="34" charset="0"/>
-              <a:buNone/>
-              <a:defRPr lang="ko-KR" altLang="en-US" sz="1600" i="1" kern="1200" baseline="0">
-                <a:solidFill>
-                  <a:schemeClr val="tx1">
-                    <a:lumMod val="65000"/>
-                    <a:lumOff val="35000"/>
-                  </a:schemeClr>
-                </a:solidFill>
-                <a:latin typeface="+mj-lt"/>
-                <a:ea typeface="맑은 고딕" pitchFamily="50" charset="-127"/>
-                <a:cs typeface="+mn-cs"/>
-              </a:defRPr>
-            </a:lvl4pPr>
-            <a:lvl5pPr marL="2057400" indent="-228600" algn="l" defTabSz="914400" rtl="0" eaLnBrk="1" latinLnBrk="1" hangingPunct="1">
-              <a:spcBef>
-                <a:spcPct val="20000"/>
-              </a:spcBef>
-              <a:buFont typeface="Arial" pitchFamily="34" charset="0"/>
-              <a:buNone/>
-              <a:defRPr lang="ko-KR" altLang="en-US" sz="1600" i="1" kern="1200" baseline="0">
-                <a:solidFill>
-                  <a:schemeClr val="tx1">
-                    <a:lumMod val="65000"/>
-                    <a:lumOff val="35000"/>
-                  </a:schemeClr>
-                </a:solidFill>
-                <a:latin typeface="+mj-lt"/>
-                <a:ea typeface="맑은 고딕" pitchFamily="50" charset="-127"/>
-                <a:cs typeface="+mn-cs"/>
-              </a:defRPr>
-            </a:lvl5pPr>
-            <a:lvl6pPr marL="2514600" indent="-228600" algn="l" defTabSz="914400" rtl="0" eaLnBrk="1" latinLnBrk="1" hangingPunct="1">
-              <a:spcBef>
-                <a:spcPct val="20000"/>
-              </a:spcBef>
-              <a:buFont typeface="Arial" pitchFamily="34" charset="0"/>
-              <a:buChar char="•"/>
-              <a:defRPr sz="2000" kern="1200">
-                <a:solidFill>
-                  <a:schemeClr val="tx1"/>
-                </a:solidFill>
-                <a:latin typeface="+mn-lt"/>
-                <a:ea typeface="+mn-ea"/>
-                <a:cs typeface="+mn-cs"/>
-              </a:defRPr>
-            </a:lvl6pPr>
-            <a:lvl7pPr marL="2971800" indent="-228600" algn="l" defTabSz="914400" rtl="0" eaLnBrk="1" latinLnBrk="1" hangingPunct="1">
-              <a:spcBef>
-                <a:spcPct val="20000"/>
-              </a:spcBef>
-              <a:buFont typeface="Arial" pitchFamily="34" charset="0"/>
-              <a:buChar char="•"/>
-              <a:defRPr sz="2000" kern="1200">
-                <a:solidFill>
-                  <a:schemeClr val="tx1"/>
-                </a:solidFill>
-                <a:latin typeface="+mn-lt"/>
-                <a:ea typeface="+mn-ea"/>
-                <a:cs typeface="+mn-cs"/>
-              </a:defRPr>
-            </a:lvl7pPr>
-            <a:lvl8pPr marL="3429000" indent="-228600" algn="l" defTabSz="914400" rtl="0" eaLnBrk="1" latinLnBrk="1" hangingPunct="1">
-              <a:spcBef>
-                <a:spcPct val="20000"/>
-              </a:spcBef>
-              <a:buFont typeface="Arial" pitchFamily="34" charset="0"/>
-              <a:buChar char="•"/>
-              <a:defRPr sz="2000" kern="1200">
-                <a:solidFill>
-                  <a:schemeClr val="tx1"/>
-                </a:solidFill>
-                <a:latin typeface="+mn-lt"/>
-                <a:ea typeface="+mn-ea"/>
-                <a:cs typeface="+mn-cs"/>
-              </a:defRPr>
-            </a:lvl8pPr>
-            <a:lvl9pPr marL="3886200" indent="-228600" algn="l" defTabSz="914400" rtl="0" eaLnBrk="1" latinLnBrk="1" hangingPunct="1">
-              <a:spcBef>
-                <a:spcPct val="20000"/>
-              </a:spcBef>
-              <a:buFont typeface="Arial" pitchFamily="34" charset="0"/>
-              <a:buChar char="•"/>
-              <a:defRPr sz="2000" kern="1200">
-                <a:solidFill>
-                  <a:schemeClr val="tx1"/>
-                </a:solidFill>
-                <a:latin typeface="+mn-lt"/>
-                <a:ea typeface="+mn-ea"/>
-                <a:cs typeface="+mn-cs"/>
-              </a:defRPr>
-            </a:lvl9pPr>
-          </a:lstStyle>
-          <a:p>
-            <a:pPr lvl="1">
-              <a:lnSpc>
-                <a:spcPct val="300000"/>
-              </a:lnSpc>
-              <a:buFont typeface="Arial" panose="020B0604020202020204" pitchFamily="34" charset="0"/>
-              <a:buChar char="•"/>
-            </a:pPr>
-            <a:r>
-              <a:rPr lang="hu-HU" altLang="ko-KR" sz="2000" b="1" dirty="0" err="1">
-                <a:solidFill>
-                  <a:schemeClr val="tx1"/>
-                </a:solidFill>
-              </a:rPr>
-              <a:t>CSMyadmin</a:t>
-            </a:r>
-            <a:endParaRPr lang="hu-HU" altLang="ko-KR" sz="2000" b="1" dirty="0">
-              <a:solidFill>
-                <a:schemeClr val="tx1"/>
-              </a:solidFill>
-            </a:endParaRPr>
-          </a:p>
-          <a:p>
-            <a:pPr lvl="3">
-              <a:lnSpc>
-                <a:spcPct val="110000"/>
-              </a:lnSpc>
-              <a:buFont typeface="Arial" pitchFamily="34" charset="0"/>
-              <a:buChar char="•"/>
-            </a:pPr>
-            <a:r>
-              <a:rPr lang="hu-HU" altLang="ko-KR" sz="2000" dirty="0"/>
-              <a:t>C#</a:t>
-            </a:r>
-          </a:p>
-        </p:txBody>
-      </p:sp>
+      </p:pic>
     </p:spTree>
     <p:extLst>
       <p:ext uri="{BB962C8B-B14F-4D97-AF65-F5344CB8AC3E}">
-        <p14:creationId xmlns:p14="http://schemas.microsoft.com/office/powerpoint/2010/main" val="3657459095"/>
+        <p14:creationId xmlns:p14="http://schemas.microsoft.com/office/powerpoint/2010/main" val="1492827391"/>
       </p:ext>
     </p:extLst>
   </p:cSld>
@@ -4960,7 +3148,7 @@
 </p:sld>
 </file>
 
-<file path=ppt/slides/slide5.xml><?xml version="1.0" encoding="utf-8"?>
+<file path=ppt/slides/slide13.xml><?xml version="1.0" encoding="utf-8"?>
 <p:sld xmlns:a="http://schemas.openxmlformats.org/drawingml/2006/main" xmlns:r="http://schemas.openxmlformats.org/officeDocument/2006/relationships" xmlns:p="http://schemas.openxmlformats.org/presentationml/2006/main">
   <p:cSld>
     <p:spTree>
@@ -4996,54 +3184,597 @@
           <a:p>
             <a:pPr algn="ctr"/>
             <a:r>
-              <a:rPr lang="hu-HU" altLang="ko-KR" sz="5400" dirty="0"/>
-              <a:t>Frontend</a:t>
+              <a:rPr lang="hu-HU" altLang="ko-KR" sz="5400" dirty="0" err="1"/>
+              <a:t>Teamwork</a:t>
             </a:r>
             <a:endParaRPr lang="ko-KR" altLang="en-US" sz="5400" dirty="0"/>
           </a:p>
         </p:txBody>
       </p:sp>
-      <p:pic>
-        <p:nvPicPr>
-          <p:cNvPr id="4" name="Tartalom helye 3">
+      <p:sp>
+        <p:nvSpPr>
+          <p:cNvPr id="37" name="내용 개체 틀 36"/>
+          <p:cNvSpPr>
+            <a:spLocks noGrp="1"/>
+          </p:cNvSpPr>
+          <p:nvPr>
+            <p:ph idx="1"/>
+          </p:nvPr>
+        </p:nvSpPr>
+        <p:spPr>
+          <a:xfrm>
+            <a:off x="251520" y="1124744"/>
+            <a:ext cx="3024336" cy="3672408"/>
+          </a:xfrm>
+        </p:spPr>
+        <p:txBody>
+          <a:bodyPr>
+            <a:normAutofit/>
+          </a:bodyPr>
+          <a:lstStyle/>
+          <a:p>
+            <a:pPr>
+              <a:buFont typeface="Arial" panose="020B0604020202020204" pitchFamily="34" charset="0"/>
+              <a:buChar char="•"/>
+            </a:pPr>
+            <a:r>
+              <a:rPr lang="hu-HU" altLang="ko-KR" sz="3200" b="1" i="0" dirty="0">
+                <a:solidFill>
+                  <a:schemeClr val="tx1"/>
+                </a:solidFill>
+              </a:rPr>
+              <a:t>GitHub</a:t>
+            </a:r>
+          </a:p>
+          <a:p>
+            <a:pPr lvl="1">
+              <a:buFont typeface="Arial" panose="020B0604020202020204" pitchFamily="34" charset="0"/>
+              <a:buChar char="•"/>
+            </a:pPr>
+            <a:r>
+              <a:rPr lang="hu-HU" altLang="ko-KR" sz="3200" b="1" i="0" dirty="0" err="1"/>
+              <a:t>Branches</a:t>
+            </a:r>
+            <a:endParaRPr lang="hu-HU" altLang="ko-KR" sz="3200" b="1" i="0" dirty="0"/>
+          </a:p>
+          <a:p>
+            <a:pPr>
+              <a:buFont typeface="Arial" panose="020B0604020202020204" pitchFamily="34" charset="0"/>
+              <a:buChar char="•"/>
+            </a:pPr>
+            <a:r>
+              <a:rPr lang="hu-HU" altLang="ko-KR" sz="3200" b="1" i="0" dirty="0">
+                <a:solidFill>
+                  <a:schemeClr val="tx1"/>
+                </a:solidFill>
+              </a:rPr>
+              <a:t>Facebook </a:t>
+            </a:r>
+            <a:r>
+              <a:rPr lang="hu-HU" altLang="ko-KR" sz="3200" b="1" i="0" dirty="0" err="1">
+                <a:solidFill>
+                  <a:schemeClr val="tx1"/>
+                </a:solidFill>
+              </a:rPr>
+              <a:t>messenger</a:t>
+            </a:r>
+            <a:endParaRPr lang="hu-HU" altLang="ko-KR" sz="3200" b="1" i="0" dirty="0">
+              <a:solidFill>
+                <a:schemeClr val="tx1"/>
+              </a:solidFill>
+            </a:endParaRPr>
+          </a:p>
+          <a:p>
+            <a:pPr>
+              <a:buFont typeface="Arial" panose="020B0604020202020204" pitchFamily="34" charset="0"/>
+              <a:buChar char="•"/>
+            </a:pPr>
+            <a:r>
+              <a:rPr lang="hu-HU" altLang="ko-KR" sz="3200" b="1" i="0" dirty="0" err="1">
+                <a:solidFill>
+                  <a:schemeClr val="tx1"/>
+                </a:solidFill>
+              </a:rPr>
+              <a:t>TeamSpeak</a:t>
+            </a:r>
+            <a:endParaRPr lang="hu-HU" altLang="ko-KR" sz="3200" b="1" i="0" dirty="0">
+              <a:solidFill>
+                <a:schemeClr val="tx1"/>
+              </a:solidFill>
+            </a:endParaRPr>
+          </a:p>
+          <a:p>
+            <a:pPr>
+              <a:buFont typeface="Arial" panose="020B0604020202020204" pitchFamily="34" charset="0"/>
+              <a:buChar char="•"/>
+            </a:pPr>
+            <a:r>
+              <a:rPr lang="hu-HU" altLang="ko-KR" sz="3200" b="1" i="0" dirty="0" err="1">
+                <a:solidFill>
+                  <a:schemeClr val="tx1"/>
+                </a:solidFill>
+              </a:rPr>
+              <a:t>Divided</a:t>
+            </a:r>
+            <a:r>
+              <a:rPr lang="hu-HU" altLang="ko-KR" sz="3200" b="1" i="0" dirty="0">
+                <a:solidFill>
+                  <a:schemeClr val="tx1"/>
+                </a:solidFill>
+              </a:rPr>
+              <a:t> </a:t>
+            </a:r>
+            <a:r>
+              <a:rPr lang="hu-HU" altLang="ko-KR" sz="3200" b="1" i="0" dirty="0" err="1">
+                <a:solidFill>
+                  <a:schemeClr val="tx1"/>
+                </a:solidFill>
+              </a:rPr>
+              <a:t>tasks</a:t>
+            </a:r>
+            <a:endParaRPr lang="hu-HU" altLang="ko-KR" sz="3200" b="1" i="0" dirty="0">
+              <a:solidFill>
+                <a:schemeClr val="tx1"/>
+              </a:solidFill>
+            </a:endParaRPr>
+          </a:p>
+        </p:txBody>
+      </p:sp>
+      <p:sp>
+        <p:nvSpPr>
+          <p:cNvPr id="5" name="Szövegdoboz 4">
             <a:extLst>
               <a:ext uri="{FF2B5EF4-FFF2-40B4-BE49-F238E27FC236}">
-                <a16:creationId xmlns:a16="http://schemas.microsoft.com/office/drawing/2014/main" id="{6646C75F-417A-4C69-A6E9-0C9A7BF7DC8F}"/>
+                <a16:creationId xmlns:a16="http://schemas.microsoft.com/office/drawing/2014/main" id="{A0A2F114-0288-4F4C-A15B-9498AED53D91}"/>
               </a:ext>
             </a:extLst>
           </p:cNvPr>
-          <p:cNvPicPr>
-            <a:picLocks noGrp="1" noChangeAspect="1"/>
-          </p:cNvPicPr>
-          <p:nvPr>
-            <p:ph idx="1"/>
-          </p:nvPr>
-        </p:nvPicPr>
-        <p:blipFill>
-          <a:blip r:embed="rId2" cstate="print">
-            <a:extLst>
-              <a:ext uri="{28A0092B-C50C-407E-A947-70E740481C1C}">
-                <a14:useLocalDpi xmlns:a14="http://schemas.microsoft.com/office/drawing/2010/main" val="0"/>
-              </a:ext>
-            </a:extLst>
-          </a:blip>
-          <a:stretch>
-            <a:fillRect/>
-          </a:stretch>
-        </p:blipFill>
+          <p:cNvSpPr txBox="1"/>
+          <p:nvPr/>
+        </p:nvSpPr>
         <p:spPr>
           <a:xfrm>
-            <a:off x="297032" y="1345223"/>
-            <a:ext cx="3996251" cy="2588197"/>
+            <a:off x="3436986" y="1250178"/>
+            <a:ext cx="5436098" cy="2677656"/>
           </a:xfrm>
+          <a:prstGeom prst="rect">
+            <a:avLst/>
+          </a:prstGeom>
+          <a:noFill/>
         </p:spPr>
-      </p:pic>
+        <p:txBody>
+          <a:bodyPr wrap="square">
+            <a:spAutoFit/>
+          </a:bodyPr>
+          <a:lstStyle/>
+          <a:p>
+            <a:pPr marL="342900" marR="0" lvl="0" indent="-342900" algn="l" defTabSz="914400" rtl="0" eaLnBrk="1" fontAlgn="auto" latinLnBrk="1" hangingPunct="1">
+              <a:lnSpc>
+                <a:spcPct val="100000"/>
+              </a:lnSpc>
+              <a:spcBef>
+                <a:spcPct val="20000"/>
+              </a:spcBef>
+              <a:spcAft>
+                <a:spcPts val="0"/>
+              </a:spcAft>
+              <a:buClrTx/>
+              <a:buSzTx/>
+              <a:buFont typeface="Arial" panose="020B0604020202020204" pitchFamily="34" charset="0"/>
+              <a:buChar char="•"/>
+              <a:tabLst/>
+              <a:defRPr/>
+            </a:pPr>
+            <a:r>
+              <a:rPr kumimoji="0" lang="hu-HU" altLang="ko-KR" sz="2400" b="1" i="0" u="none" strike="noStrike" kern="1200" cap="none" spc="0" normalizeH="0" baseline="0" noProof="0" dirty="0">
+                <a:ln>
+                  <a:noFill/>
+                </a:ln>
+                <a:effectLst/>
+                <a:uLnTx/>
+                <a:uFillTx/>
+                <a:latin typeface="Calibri"/>
+                <a:ea typeface="맑은 고딕" pitchFamily="50" charset="-127"/>
+                <a:cs typeface="+mn-cs"/>
+              </a:rPr>
+              <a:t>Takács Marcell</a:t>
+            </a:r>
+          </a:p>
+          <a:p>
+            <a:pPr marL="800100" lvl="1" indent="-342900">
+              <a:spcBef>
+                <a:spcPct val="20000"/>
+              </a:spcBef>
+              <a:buFont typeface="Arial" panose="020B0604020202020204" pitchFamily="34" charset="0"/>
+              <a:buChar char="•"/>
+              <a:defRPr/>
+            </a:pPr>
+            <a:r>
+              <a:rPr lang="hu-HU" altLang="ko-KR" sz="2400" b="1" dirty="0">
+                <a:solidFill>
+                  <a:schemeClr val="tx1">
+                    <a:lumMod val="65000"/>
+                    <a:lumOff val="35000"/>
+                  </a:schemeClr>
+                </a:solidFill>
+                <a:latin typeface="Calibri"/>
+                <a:ea typeface="맑은 고딕" pitchFamily="50" charset="-127"/>
+              </a:rPr>
+              <a:t>Frontend – Vue.js, </a:t>
+            </a:r>
+            <a:r>
+              <a:rPr lang="hu-HU" altLang="ko-KR" sz="2400" b="1" dirty="0" err="1">
+                <a:solidFill>
+                  <a:schemeClr val="tx1">
+                    <a:lumMod val="65000"/>
+                    <a:lumOff val="35000"/>
+                  </a:schemeClr>
+                </a:solidFill>
+                <a:latin typeface="Calibri"/>
+                <a:ea typeface="맑은 고딕" pitchFamily="50" charset="-127"/>
+              </a:rPr>
+              <a:t>html</a:t>
+            </a:r>
+            <a:r>
+              <a:rPr lang="hu-HU" altLang="ko-KR" sz="2400" b="1" dirty="0">
+                <a:solidFill>
+                  <a:schemeClr val="tx1">
+                    <a:lumMod val="65000"/>
+                    <a:lumOff val="35000"/>
+                  </a:schemeClr>
+                </a:solidFill>
+                <a:latin typeface="Calibri"/>
+                <a:ea typeface="맑은 고딕" pitchFamily="50" charset="-127"/>
+              </a:rPr>
+              <a:t>, </a:t>
+            </a:r>
+            <a:r>
+              <a:rPr lang="hu-HU" altLang="ko-KR" sz="2400" b="1" dirty="0" err="1">
+                <a:solidFill>
+                  <a:schemeClr val="tx1">
+                    <a:lumMod val="65000"/>
+                    <a:lumOff val="35000"/>
+                  </a:schemeClr>
+                </a:solidFill>
+                <a:latin typeface="Calibri"/>
+                <a:ea typeface="맑은 고딕" pitchFamily="50" charset="-127"/>
+              </a:rPr>
+              <a:t>ejs</a:t>
+            </a:r>
+            <a:r>
+              <a:rPr lang="hu-HU" altLang="ko-KR" sz="2400" b="1" dirty="0">
+                <a:solidFill>
+                  <a:schemeClr val="tx1">
+                    <a:lumMod val="65000"/>
+                    <a:lumOff val="35000"/>
+                  </a:schemeClr>
+                </a:solidFill>
+                <a:latin typeface="Calibri"/>
+                <a:ea typeface="맑은 고딕" pitchFamily="50" charset="-127"/>
+              </a:rPr>
+              <a:t>, </a:t>
+            </a:r>
+            <a:r>
+              <a:rPr lang="hu-HU" altLang="ko-KR" sz="2400" b="1" dirty="0" err="1">
+                <a:solidFill>
+                  <a:schemeClr val="tx1">
+                    <a:lumMod val="65000"/>
+                    <a:lumOff val="35000"/>
+                  </a:schemeClr>
+                </a:solidFill>
+                <a:latin typeface="Calibri"/>
+                <a:ea typeface="맑은 고딕" pitchFamily="50" charset="-127"/>
+              </a:rPr>
+              <a:t>css</a:t>
+            </a:r>
+            <a:endParaRPr kumimoji="0" lang="hu-HU" altLang="ko-KR" sz="2400" b="1" i="0" u="none" strike="noStrike" kern="1200" cap="none" spc="0" normalizeH="0" baseline="0" noProof="0" dirty="0">
+              <a:ln>
+                <a:noFill/>
+              </a:ln>
+              <a:solidFill>
+                <a:schemeClr val="tx1">
+                  <a:lumMod val="65000"/>
+                  <a:lumOff val="35000"/>
+                </a:schemeClr>
+              </a:solidFill>
+              <a:effectLst/>
+              <a:uLnTx/>
+              <a:uFillTx/>
+              <a:latin typeface="Calibri"/>
+              <a:ea typeface="맑은 고딕" pitchFamily="50" charset="-127"/>
+              <a:cs typeface="+mn-cs"/>
+            </a:endParaRPr>
+          </a:p>
+          <a:p>
+            <a:pPr marL="342900" marR="0" lvl="0" indent="-342900" algn="l" defTabSz="914400" rtl="0" eaLnBrk="1" fontAlgn="auto" latinLnBrk="1" hangingPunct="1">
+              <a:lnSpc>
+                <a:spcPct val="100000"/>
+              </a:lnSpc>
+              <a:spcBef>
+                <a:spcPct val="20000"/>
+              </a:spcBef>
+              <a:spcAft>
+                <a:spcPts val="0"/>
+              </a:spcAft>
+              <a:buClrTx/>
+              <a:buSzTx/>
+              <a:buFont typeface="Arial" panose="020B0604020202020204" pitchFamily="34" charset="0"/>
+              <a:buChar char="•"/>
+              <a:tabLst/>
+              <a:defRPr/>
+            </a:pPr>
+            <a:r>
+              <a:rPr lang="hu-HU" altLang="ko-KR" sz="2400" b="1" dirty="0">
+                <a:latin typeface="Calibri"/>
+                <a:ea typeface="맑은 고딕" pitchFamily="50" charset="-127"/>
+              </a:rPr>
+              <a:t>Pusoma Gergő</a:t>
+            </a:r>
+          </a:p>
+          <a:p>
+            <a:pPr marL="800100" lvl="1" indent="-342900">
+              <a:spcBef>
+                <a:spcPct val="20000"/>
+              </a:spcBef>
+              <a:buFont typeface="Arial" panose="020B0604020202020204" pitchFamily="34" charset="0"/>
+              <a:buChar char="•"/>
+              <a:defRPr/>
+            </a:pPr>
+            <a:r>
+              <a:rPr kumimoji="0" lang="hu-HU" altLang="ko-KR" sz="2400" b="1" i="0" u="none" strike="noStrike" kern="1200" cap="none" spc="0" normalizeH="0" baseline="0" noProof="0" dirty="0">
+                <a:ln>
+                  <a:noFill/>
+                </a:ln>
+                <a:solidFill>
+                  <a:schemeClr val="tx1">
+                    <a:lumMod val="65000"/>
+                    <a:lumOff val="35000"/>
+                  </a:schemeClr>
+                </a:solidFill>
+                <a:effectLst/>
+                <a:uLnTx/>
+                <a:uFillTx/>
+                <a:latin typeface="Calibri"/>
+                <a:ea typeface="맑은 고딕" pitchFamily="50" charset="-127"/>
+                <a:cs typeface="+mn-cs"/>
+              </a:rPr>
+              <a:t>Backend – </a:t>
+            </a:r>
+            <a:r>
+              <a:rPr kumimoji="0" lang="hu-HU" altLang="ko-KR" sz="2400" b="1" i="0" u="none" strike="noStrike" kern="1200" cap="none" spc="0" normalizeH="0" baseline="0" noProof="0" dirty="0" err="1">
+                <a:ln>
+                  <a:noFill/>
+                </a:ln>
+                <a:solidFill>
+                  <a:schemeClr val="tx1">
+                    <a:lumMod val="65000"/>
+                    <a:lumOff val="35000"/>
+                  </a:schemeClr>
+                </a:solidFill>
+                <a:effectLst/>
+                <a:uLnTx/>
+                <a:uFillTx/>
+                <a:latin typeface="Calibri"/>
+                <a:ea typeface="맑은 고딕" pitchFamily="50" charset="-127"/>
+                <a:cs typeface="+mn-cs"/>
+              </a:rPr>
+              <a:t>Node.Js</a:t>
+            </a:r>
+            <a:r>
+              <a:rPr lang="hu-HU" altLang="ko-KR" sz="2400" b="1" dirty="0">
+                <a:solidFill>
+                  <a:schemeClr val="tx1">
+                    <a:lumMod val="65000"/>
+                    <a:lumOff val="35000"/>
+                  </a:schemeClr>
+                </a:solidFill>
+                <a:latin typeface="Calibri"/>
+                <a:ea typeface="맑은 고딕" pitchFamily="50" charset="-127"/>
+              </a:rPr>
+              <a:t>, </a:t>
+            </a:r>
+            <a:r>
+              <a:rPr lang="hu-HU" altLang="ko-KR" sz="2400" b="1" dirty="0" err="1">
+                <a:solidFill>
+                  <a:schemeClr val="tx1">
+                    <a:lumMod val="65000"/>
+                    <a:lumOff val="35000"/>
+                  </a:schemeClr>
+                </a:solidFill>
+                <a:latin typeface="Calibri"/>
+                <a:ea typeface="맑은 고딕" pitchFamily="50" charset="-127"/>
+              </a:rPr>
+              <a:t>MySql</a:t>
+            </a:r>
+            <a:endParaRPr kumimoji="0" lang="hu-HU" altLang="ko-KR" sz="2400" b="1" i="0" u="none" strike="noStrike" kern="1200" cap="none" spc="0" normalizeH="0" baseline="0" noProof="0" dirty="0">
+              <a:ln>
+                <a:noFill/>
+              </a:ln>
+              <a:solidFill>
+                <a:schemeClr val="tx1">
+                  <a:lumMod val="65000"/>
+                  <a:lumOff val="35000"/>
+                </a:schemeClr>
+              </a:solidFill>
+              <a:effectLst/>
+              <a:uLnTx/>
+              <a:uFillTx/>
+              <a:latin typeface="Calibri"/>
+              <a:ea typeface="맑은 고딕" pitchFamily="50" charset="-127"/>
+              <a:cs typeface="+mn-cs"/>
+            </a:endParaRPr>
+          </a:p>
+          <a:p>
+            <a:pPr marL="342900" marR="0" lvl="0" indent="-342900" algn="l" defTabSz="914400" rtl="0" eaLnBrk="1" fontAlgn="auto" latinLnBrk="1" hangingPunct="1">
+              <a:lnSpc>
+                <a:spcPct val="100000"/>
+              </a:lnSpc>
+              <a:spcBef>
+                <a:spcPct val="20000"/>
+              </a:spcBef>
+              <a:spcAft>
+                <a:spcPts val="0"/>
+              </a:spcAft>
+              <a:buClrTx/>
+              <a:buSzTx/>
+              <a:buFont typeface="Arial" panose="020B0604020202020204" pitchFamily="34" charset="0"/>
+              <a:buChar char="•"/>
+              <a:tabLst/>
+              <a:defRPr/>
+            </a:pPr>
+            <a:r>
+              <a:rPr kumimoji="0" lang="hu-HU" altLang="ko-KR" sz="2400" b="1" i="0" u="none" strike="noStrike" kern="1200" cap="none" spc="0" normalizeH="0" baseline="0" noProof="0" dirty="0">
+                <a:ln>
+                  <a:noFill/>
+                </a:ln>
+                <a:effectLst/>
+                <a:uLnTx/>
+                <a:uFillTx/>
+                <a:latin typeface="Calibri"/>
+                <a:ea typeface="맑은 고딕" pitchFamily="50" charset="-127"/>
+                <a:cs typeface="+mn-cs"/>
+              </a:rPr>
+              <a:t>Székely Áron</a:t>
+            </a:r>
+          </a:p>
+          <a:p>
+            <a:pPr marL="800100" lvl="1" indent="-342900">
+              <a:spcBef>
+                <a:spcPct val="20000"/>
+              </a:spcBef>
+              <a:buFont typeface="Arial" panose="020B0604020202020204" pitchFamily="34" charset="0"/>
+              <a:buChar char="•"/>
+              <a:defRPr/>
+            </a:pPr>
+            <a:r>
+              <a:rPr kumimoji="0" lang="hu-HU" altLang="ko-KR" sz="2400" b="1" i="0" u="none" strike="noStrike" kern="1200" cap="none" spc="0" normalizeH="0" baseline="0" noProof="0" dirty="0" err="1">
+                <a:ln>
+                  <a:noFill/>
+                </a:ln>
+                <a:solidFill>
+                  <a:prstClr val="black">
+                    <a:lumMod val="65000"/>
+                    <a:lumOff val="35000"/>
+                  </a:prstClr>
+                </a:solidFill>
+                <a:effectLst/>
+                <a:uLnTx/>
+                <a:uFillTx/>
+                <a:latin typeface="Calibri"/>
+                <a:ea typeface="맑은 고딕" pitchFamily="50" charset="-127"/>
+                <a:cs typeface="+mn-cs"/>
+              </a:rPr>
+              <a:t>CarScope</a:t>
+            </a:r>
+            <a:r>
+              <a:rPr kumimoji="0" lang="hu-HU" altLang="ko-KR" sz="2400" b="1" i="0" u="none" strike="noStrike" kern="1200" cap="none" spc="0" normalizeH="0" baseline="0" noProof="0" dirty="0">
+                <a:ln>
+                  <a:noFill/>
+                </a:ln>
+                <a:solidFill>
+                  <a:prstClr val="black">
+                    <a:lumMod val="65000"/>
+                    <a:lumOff val="35000"/>
+                  </a:prstClr>
+                </a:solidFill>
+                <a:effectLst/>
+                <a:uLnTx/>
+                <a:uFillTx/>
+                <a:latin typeface="Calibri"/>
+                <a:ea typeface="맑은 고딕" pitchFamily="50" charset="-127"/>
+                <a:cs typeface="+mn-cs"/>
+              </a:rPr>
+              <a:t> </a:t>
+            </a:r>
+            <a:r>
+              <a:rPr kumimoji="0" lang="hu-HU" altLang="ko-KR" sz="2400" b="1" i="0" u="none" strike="noStrike" kern="1200" cap="none" spc="0" normalizeH="0" baseline="0" noProof="0" dirty="0" err="1">
+                <a:ln>
+                  <a:noFill/>
+                </a:ln>
+                <a:solidFill>
+                  <a:prstClr val="black">
+                    <a:lumMod val="65000"/>
+                    <a:lumOff val="35000"/>
+                  </a:prstClr>
+                </a:solidFill>
+                <a:effectLst/>
+                <a:uLnTx/>
+                <a:uFillTx/>
+                <a:latin typeface="Calibri"/>
+                <a:ea typeface="맑은 고딕" pitchFamily="50" charset="-127"/>
+                <a:cs typeface="+mn-cs"/>
+              </a:rPr>
+              <a:t>Admin</a:t>
+            </a:r>
+            <a:r>
+              <a:rPr kumimoji="0" lang="hu-HU" altLang="ko-KR" sz="2400" b="1" i="0" u="none" strike="noStrike" kern="1200" cap="none" spc="0" normalizeH="0" baseline="0" noProof="0" dirty="0">
+                <a:ln>
+                  <a:noFill/>
+                </a:ln>
+                <a:solidFill>
+                  <a:prstClr val="black">
+                    <a:lumMod val="65000"/>
+                    <a:lumOff val="35000"/>
+                  </a:prstClr>
+                </a:solidFill>
+                <a:effectLst/>
+                <a:uLnTx/>
+                <a:uFillTx/>
+                <a:latin typeface="Calibri"/>
+                <a:ea typeface="맑은 고딕" pitchFamily="50" charset="-127"/>
+                <a:cs typeface="+mn-cs"/>
+              </a:rPr>
+              <a:t> app -C# </a:t>
+            </a:r>
+            <a:r>
+              <a:rPr kumimoji="0" lang="hu-HU" altLang="ko-KR" sz="2400" b="1" i="0" u="none" strike="noStrike" kern="1200" cap="none" spc="0" normalizeH="0" baseline="0" noProof="0" dirty="0" err="1">
+                <a:ln>
+                  <a:noFill/>
+                </a:ln>
+                <a:solidFill>
+                  <a:prstClr val="black">
+                    <a:lumMod val="65000"/>
+                    <a:lumOff val="35000"/>
+                  </a:prstClr>
+                </a:solidFill>
+                <a:effectLst/>
+                <a:uLnTx/>
+                <a:uFillTx/>
+                <a:latin typeface="Calibri"/>
+                <a:ea typeface="맑은 고딕" pitchFamily="50" charset="-127"/>
+                <a:cs typeface="+mn-cs"/>
+              </a:rPr>
+              <a:t>wpf</a:t>
+            </a:r>
+            <a:r>
+              <a:rPr kumimoji="0" lang="hu-HU" altLang="ko-KR" sz="2400" b="1" i="0" u="none" strike="noStrike" kern="1200" cap="none" spc="0" normalizeH="0" baseline="0" noProof="0" dirty="0">
+                <a:ln>
+                  <a:noFill/>
+                </a:ln>
+                <a:solidFill>
+                  <a:prstClr val="black">
+                    <a:lumMod val="65000"/>
+                    <a:lumOff val="35000"/>
+                  </a:prstClr>
+                </a:solidFill>
+                <a:effectLst/>
+                <a:uLnTx/>
+                <a:uFillTx/>
+                <a:latin typeface="Calibri"/>
+                <a:ea typeface="맑은 고딕" pitchFamily="50" charset="-127"/>
+                <a:cs typeface="+mn-cs"/>
+              </a:rPr>
+              <a:t> app</a:t>
+            </a:r>
+          </a:p>
+        </p:txBody>
+      </p:sp>
       <p:pic>
         <p:nvPicPr>
           <p:cNvPr id="6" name="Kép 5">
             <a:extLst>
               <a:ext uri="{FF2B5EF4-FFF2-40B4-BE49-F238E27FC236}">
-                <a16:creationId xmlns:a16="http://schemas.microsoft.com/office/drawing/2014/main" id="{AA2BADCB-798F-44CB-A85B-38B3A9ED067C}"/>
+                <a16:creationId xmlns:a16="http://schemas.microsoft.com/office/drawing/2014/main" id="{B78E8F90-078D-4020-82B7-A8338DA15D3A}"/>
               </a:ext>
             </a:extLst>
           </p:cNvPr>
@@ -5053,21 +3784,15 @@
           <p:nvPr/>
         </p:nvPicPr>
         <p:blipFill>
-          <a:blip r:embed="rId3">
-            <a:extLst>
-              <a:ext uri="{28A0092B-C50C-407E-A947-70E740481C1C}">
-                <a14:useLocalDpi xmlns:a14="http://schemas.microsoft.com/office/drawing/2010/main" val="0"/>
-              </a:ext>
-            </a:extLst>
-          </a:blip>
+          <a:blip r:embed="rId2"/>
           <a:stretch>
             <a:fillRect/>
           </a:stretch>
         </p:blipFill>
         <p:spPr>
           <a:xfrm>
-            <a:off x="262879" y="4149081"/>
-            <a:ext cx="3996251" cy="1519942"/>
+            <a:off x="1763688" y="4928957"/>
+            <a:ext cx="6663795" cy="1357729"/>
           </a:xfrm>
           <a:prstGeom prst="rect">
             <a:avLst/>
@@ -5077,7 +3802,7 @@
     </p:spTree>
     <p:extLst>
       <p:ext uri="{BB962C8B-B14F-4D97-AF65-F5344CB8AC3E}">
-        <p14:creationId xmlns:p14="http://schemas.microsoft.com/office/powerpoint/2010/main" val="3367471375"/>
+        <p14:creationId xmlns:p14="http://schemas.microsoft.com/office/powerpoint/2010/main" val="3546750438"/>
       </p:ext>
     </p:extLst>
   </p:cSld>
@@ -5087,7 +3812,7 @@
 </p:sld>
 </file>
 
-<file path=ppt/slides/slide6.xml><?xml version="1.0" encoding="utf-8"?>
+<file path=ppt/slides/slide14.xml><?xml version="1.0" encoding="utf-8"?>
 <p:sld xmlns:a="http://schemas.openxmlformats.org/drawingml/2006/main" xmlns:r="http://schemas.openxmlformats.org/officeDocument/2006/relationships" xmlns:p="http://schemas.openxmlformats.org/presentationml/2006/main">
   <p:cSld>
     <p:spTree>
@@ -5123,8 +3848,16 @@
           <a:p>
             <a:pPr algn="ctr"/>
             <a:r>
+              <a:rPr lang="hu-HU" altLang="ko-KR" sz="5400" dirty="0" err="1"/>
+              <a:t>Future</a:t>
+            </a:r>
+            <a:r>
               <a:rPr lang="hu-HU" altLang="ko-KR" sz="5400" dirty="0"/>
-              <a:t>Backend</a:t>
+              <a:t> </a:t>
+            </a:r>
+            <a:r>
+              <a:rPr lang="hu-HU" altLang="ko-KR" sz="5400" dirty="0" err="1"/>
+              <a:t>Plans</a:t>
             </a:r>
             <a:endParaRPr lang="ko-KR" altLang="en-US" sz="5400" dirty="0"/>
           </a:p>
@@ -5140,19 +3873,425 @@
             <p:ph idx="1"/>
           </p:nvPr>
         </p:nvSpPr>
-        <p:spPr/>
+        <p:spPr>
+          <a:xfrm>
+            <a:off x="395537" y="1268760"/>
+            <a:ext cx="5184576" cy="3240360"/>
+          </a:xfrm>
+        </p:spPr>
         <p:txBody>
-          <a:bodyPr/>
+          <a:bodyPr>
+            <a:normAutofit/>
+          </a:bodyPr>
           <a:lstStyle/>
           <a:p>
-            <a:endParaRPr lang="en-US" altLang="ko-KR" dirty="0"/>
+            <a:pPr>
+              <a:buFont typeface="Arial" panose="020B0604020202020204" pitchFamily="34" charset="0"/>
+              <a:buChar char="•"/>
+            </a:pPr>
+            <a:r>
+              <a:rPr lang="hu-HU" altLang="ko-KR" sz="2800" b="1" i="0" dirty="0" err="1">
+                <a:solidFill>
+                  <a:schemeClr val="tx1"/>
+                </a:solidFill>
+              </a:rPr>
+              <a:t>Monetized</a:t>
+            </a:r>
+            <a:r>
+              <a:rPr lang="hu-HU" altLang="ko-KR" sz="2800" b="1" i="0" dirty="0">
+                <a:solidFill>
+                  <a:schemeClr val="tx1"/>
+                </a:solidFill>
+              </a:rPr>
+              <a:t> platform</a:t>
+            </a:r>
+          </a:p>
+          <a:p>
+            <a:pPr>
+              <a:buFont typeface="Arial" panose="020B0604020202020204" pitchFamily="34" charset="0"/>
+              <a:buChar char="•"/>
+            </a:pPr>
+            <a:r>
+              <a:rPr lang="hu-HU" altLang="ko-KR" sz="2800" b="1" i="0" dirty="0">
+                <a:solidFill>
+                  <a:schemeClr val="tx1"/>
+                </a:solidFill>
+              </a:rPr>
+              <a:t>Online </a:t>
+            </a:r>
+            <a:r>
+              <a:rPr lang="hu-HU" altLang="ko-KR" sz="2800" b="1" i="0" dirty="0" err="1">
+                <a:solidFill>
+                  <a:schemeClr val="tx1"/>
+                </a:solidFill>
+              </a:rPr>
+              <a:t>payment</a:t>
+            </a:r>
+            <a:endParaRPr lang="hu-HU" altLang="ko-KR" sz="2800" b="1" i="0" dirty="0">
+              <a:solidFill>
+                <a:schemeClr val="tx1"/>
+              </a:solidFill>
+            </a:endParaRPr>
+          </a:p>
+          <a:p>
+            <a:pPr>
+              <a:buFont typeface="Arial" panose="020B0604020202020204" pitchFamily="34" charset="0"/>
+              <a:buChar char="•"/>
+            </a:pPr>
+            <a:r>
+              <a:rPr lang="hu-HU" altLang="ko-KR" sz="2800" b="1" i="0" dirty="0">
+                <a:solidFill>
+                  <a:schemeClr val="tx1"/>
+                </a:solidFill>
+              </a:rPr>
+              <a:t>More </a:t>
+            </a:r>
+            <a:r>
+              <a:rPr lang="hu-HU" altLang="ko-KR" sz="2800" b="1" i="0" dirty="0" err="1">
+                <a:solidFill>
+                  <a:schemeClr val="tx1"/>
+                </a:solidFill>
+              </a:rPr>
+              <a:t>detailed</a:t>
+            </a:r>
+            <a:r>
+              <a:rPr lang="hu-HU" altLang="ko-KR" sz="2800" b="1" i="0" dirty="0">
+                <a:solidFill>
+                  <a:schemeClr val="tx1"/>
+                </a:solidFill>
+              </a:rPr>
+              <a:t> </a:t>
+            </a:r>
+            <a:r>
+              <a:rPr lang="hu-HU" altLang="ko-KR" sz="2800" b="1" i="0" dirty="0" err="1">
+                <a:solidFill>
+                  <a:schemeClr val="tx1"/>
+                </a:solidFill>
+              </a:rPr>
+              <a:t>informations</a:t>
+            </a:r>
+            <a:endParaRPr lang="hu-HU" altLang="ko-KR" sz="2800" b="1" i="0" dirty="0">
+              <a:solidFill>
+                <a:schemeClr val="tx1"/>
+              </a:solidFill>
+            </a:endParaRPr>
+          </a:p>
+          <a:p>
+            <a:pPr>
+              <a:buFont typeface="Arial" panose="020B0604020202020204" pitchFamily="34" charset="0"/>
+              <a:buChar char="•"/>
+            </a:pPr>
+            <a:r>
+              <a:rPr lang="hu-HU" altLang="ko-KR" sz="2800" b="1" i="0" dirty="0">
+                <a:solidFill>
+                  <a:schemeClr val="tx1"/>
+                </a:solidFill>
+              </a:rPr>
+              <a:t>More filter </a:t>
+            </a:r>
+            <a:r>
+              <a:rPr lang="hu-HU" altLang="ko-KR" sz="2800" b="1" i="0" dirty="0" err="1">
+                <a:solidFill>
+                  <a:schemeClr val="tx1"/>
+                </a:solidFill>
+              </a:rPr>
+              <a:t>options</a:t>
+            </a:r>
+            <a:r>
+              <a:rPr lang="hu-HU" altLang="ko-KR" sz="2800" b="1" i="0" dirty="0">
+                <a:solidFill>
+                  <a:schemeClr val="tx1"/>
+                </a:solidFill>
+              </a:rPr>
+              <a:t> in </a:t>
+            </a:r>
+            <a:r>
+              <a:rPr lang="hu-HU" altLang="ko-KR" sz="2800" b="1" i="0" dirty="0" err="1">
+                <a:solidFill>
+                  <a:schemeClr val="tx1"/>
+                </a:solidFill>
+              </a:rPr>
+              <a:t>the</a:t>
+            </a:r>
+            <a:r>
+              <a:rPr lang="hu-HU" altLang="ko-KR" sz="2800" b="1" i="0" dirty="0">
+                <a:solidFill>
+                  <a:schemeClr val="tx1"/>
+                </a:solidFill>
+              </a:rPr>
+              <a:t> </a:t>
+            </a:r>
+            <a:r>
+              <a:rPr lang="hu-HU" altLang="ko-KR" sz="2800" b="1" i="0" dirty="0" err="1">
+                <a:solidFill>
+                  <a:schemeClr val="tx1"/>
+                </a:solidFill>
+              </a:rPr>
+              <a:t>store</a:t>
+            </a:r>
+            <a:endParaRPr lang="hu-HU" altLang="ko-KR" sz="2800" b="1" i="0" dirty="0">
+              <a:solidFill>
+                <a:schemeClr val="tx1"/>
+              </a:solidFill>
+            </a:endParaRPr>
+          </a:p>
+          <a:p>
+            <a:pPr>
+              <a:buFont typeface="Arial" panose="020B0604020202020204" pitchFamily="34" charset="0"/>
+              <a:buChar char="•"/>
+            </a:pPr>
+            <a:r>
+              <a:rPr lang="hu-HU" altLang="ko-KR" sz="2800" b="1" i="0" dirty="0" err="1">
+                <a:solidFill>
+                  <a:schemeClr val="tx1"/>
+                </a:solidFill>
+              </a:rPr>
+              <a:t>Order</a:t>
+            </a:r>
+            <a:r>
+              <a:rPr lang="hu-HU" altLang="ko-KR" sz="2800" b="1" i="0" dirty="0">
+                <a:solidFill>
+                  <a:schemeClr val="tx1"/>
+                </a:solidFill>
+              </a:rPr>
+              <a:t> app </a:t>
+            </a:r>
+            <a:r>
+              <a:rPr lang="hu-HU" altLang="ko-KR" sz="2800" b="1" i="0" dirty="0" err="1">
+                <a:solidFill>
+                  <a:schemeClr val="tx1"/>
+                </a:solidFill>
+              </a:rPr>
+              <a:t>for</a:t>
+            </a:r>
+            <a:r>
+              <a:rPr lang="hu-HU" altLang="ko-KR" sz="2800" b="1" i="0" dirty="0">
+                <a:solidFill>
+                  <a:schemeClr val="tx1"/>
+                </a:solidFill>
+              </a:rPr>
+              <a:t> </a:t>
+            </a:r>
+            <a:r>
+              <a:rPr lang="hu-HU" altLang="ko-KR" sz="2800" b="1" i="0" dirty="0" err="1">
+                <a:solidFill>
+                  <a:schemeClr val="tx1"/>
+                </a:solidFill>
+              </a:rPr>
+              <a:t>the</a:t>
+            </a:r>
+            <a:r>
+              <a:rPr lang="hu-HU" altLang="ko-KR" sz="2800" b="1" i="0" dirty="0">
+                <a:solidFill>
+                  <a:schemeClr val="tx1"/>
+                </a:solidFill>
+              </a:rPr>
+              <a:t> </a:t>
+            </a:r>
+            <a:r>
+              <a:rPr lang="hu-HU" altLang="ko-KR" sz="2800" b="1" i="0" dirty="0" err="1">
+                <a:solidFill>
+                  <a:schemeClr val="tx1"/>
+                </a:solidFill>
+              </a:rPr>
+              <a:t>tier</a:t>
+            </a:r>
+            <a:r>
+              <a:rPr lang="hu-HU" altLang="ko-KR" sz="2800" b="1" i="0" dirty="0">
+                <a:solidFill>
+                  <a:schemeClr val="tx1"/>
+                </a:solidFill>
+              </a:rPr>
+              <a:t> </a:t>
+            </a:r>
+            <a:r>
+              <a:rPr lang="hu-HU" altLang="ko-KR" sz="2800" b="1" i="0" dirty="0" err="1">
+                <a:solidFill>
+                  <a:schemeClr val="tx1"/>
+                </a:solidFill>
+              </a:rPr>
+              <a:t>company</a:t>
+            </a:r>
+            <a:endParaRPr lang="hu-HU" altLang="ko-KR" sz="2800" b="1" i="0" dirty="0">
+              <a:solidFill>
+                <a:schemeClr val="tx1"/>
+              </a:solidFill>
+            </a:endParaRPr>
+          </a:p>
+          <a:p>
+            <a:pPr>
+              <a:buFont typeface="Arial" panose="020B0604020202020204" pitchFamily="34" charset="0"/>
+              <a:buChar char="•"/>
+            </a:pPr>
+            <a:r>
+              <a:rPr lang="hu-HU" altLang="ko-KR" sz="2800" b="1" i="0" dirty="0">
+                <a:solidFill>
+                  <a:schemeClr val="tx1"/>
+                </a:solidFill>
+              </a:rPr>
+              <a:t>Mobile </a:t>
+            </a:r>
+            <a:r>
+              <a:rPr lang="hu-HU" altLang="ko-KR" sz="2800" b="1" i="0" dirty="0" err="1">
+                <a:solidFill>
+                  <a:schemeClr val="tx1"/>
+                </a:solidFill>
+              </a:rPr>
+              <a:t>application</a:t>
+            </a:r>
+            <a:endParaRPr lang="hu-HU" altLang="ko-KR" sz="2800" b="1" i="0" dirty="0">
+              <a:solidFill>
+                <a:schemeClr val="tx1"/>
+              </a:solidFill>
+            </a:endParaRPr>
           </a:p>
         </p:txBody>
       </p:sp>
+      <p:pic>
+        <p:nvPicPr>
+          <p:cNvPr id="7170" name="Picture 2" descr="Best Payment Methods For Your Online Store - IXXO Blog">
+            <a:extLst>
+              <a:ext uri="{FF2B5EF4-FFF2-40B4-BE49-F238E27FC236}">
+                <a16:creationId xmlns:a16="http://schemas.microsoft.com/office/drawing/2014/main" id="{CCFDE870-8641-4941-BFC9-6DC97DDEDB39}"/>
+              </a:ext>
+            </a:extLst>
+          </p:cNvPr>
+          <p:cNvPicPr>
+            <a:picLocks noChangeAspect="1" noChangeArrowheads="1"/>
+          </p:cNvPicPr>
+          <p:nvPr/>
+        </p:nvPicPr>
+        <p:blipFill>
+          <a:blip r:embed="rId2" cstate="print">
+            <a:extLst>
+              <a:ext uri="{28A0092B-C50C-407E-A947-70E740481C1C}">
+                <a14:useLocalDpi xmlns:a14="http://schemas.microsoft.com/office/drawing/2010/main" val="0"/>
+              </a:ext>
+            </a:extLst>
+          </a:blip>
+          <a:srcRect/>
+          <a:stretch>
+            <a:fillRect/>
+          </a:stretch>
+        </p:blipFill>
+        <p:spPr bwMode="auto">
+          <a:xfrm>
+            <a:off x="5076056" y="1124744"/>
+            <a:ext cx="4475566" cy="2687671"/>
+          </a:xfrm>
+          <a:prstGeom prst="rect">
+            <a:avLst/>
+          </a:prstGeom>
+          <a:noFill/>
+          <a:extLst>
+            <a:ext uri="{909E8E84-426E-40DD-AFC4-6F175D3DCCD1}">
+              <a14:hiddenFill xmlns:a14="http://schemas.microsoft.com/office/drawing/2010/main">
+                <a:solidFill>
+                  <a:srgbClr val="FFFFFF"/>
+                </a:solidFill>
+              </a14:hiddenFill>
+            </a:ext>
+          </a:extLst>
+        </p:spPr>
+      </p:pic>
+      <p:pic>
+        <p:nvPicPr>
+          <p:cNvPr id="7172" name="Picture 4" descr="Mobile Application Development and Types of Mobile Apps - 99writer Blog">
+            <a:extLst>
+              <a:ext uri="{FF2B5EF4-FFF2-40B4-BE49-F238E27FC236}">
+                <a16:creationId xmlns:a16="http://schemas.microsoft.com/office/drawing/2014/main" id="{BD17AF87-05FE-48EF-8CCA-1623FFDF0342}"/>
+              </a:ext>
+            </a:extLst>
+          </p:cNvPr>
+          <p:cNvPicPr>
+            <a:picLocks noChangeAspect="1" noChangeArrowheads="1"/>
+          </p:cNvPicPr>
+          <p:nvPr/>
+        </p:nvPicPr>
+        <p:blipFill>
+          <a:blip r:embed="rId3">
+            <a:extLst>
+              <a:ext uri="{28A0092B-C50C-407E-A947-70E740481C1C}">
+                <a14:useLocalDpi xmlns:a14="http://schemas.microsoft.com/office/drawing/2010/main" val="0"/>
+              </a:ext>
+            </a:extLst>
+          </a:blip>
+          <a:srcRect/>
+          <a:stretch>
+            <a:fillRect/>
+          </a:stretch>
+        </p:blipFill>
+        <p:spPr bwMode="auto">
+          <a:xfrm>
+            <a:off x="4932040" y="4167635"/>
+            <a:ext cx="4049182" cy="2572122"/>
+          </a:xfrm>
+          <a:prstGeom prst="rect">
+            <a:avLst/>
+          </a:prstGeom>
+          <a:noFill/>
+          <a:extLst>
+            <a:ext uri="{909E8E84-426E-40DD-AFC4-6F175D3DCCD1}">
+              <a14:hiddenFill xmlns:a14="http://schemas.microsoft.com/office/drawing/2010/main">
+                <a:solidFill>
+                  <a:srgbClr val="FFFFFF"/>
+                </a:solidFill>
+              </a14:hiddenFill>
+            </a:ext>
+          </a:extLst>
+        </p:spPr>
+      </p:pic>
+      <p:pic>
+        <p:nvPicPr>
+          <p:cNvPr id="7176" name="Picture 8" descr="Delivery Png Transparent Images – Free PNG Images Vector, PSD, Clipart,  Templates">
+            <a:extLst>
+              <a:ext uri="{FF2B5EF4-FFF2-40B4-BE49-F238E27FC236}">
+                <a16:creationId xmlns:a16="http://schemas.microsoft.com/office/drawing/2014/main" id="{245C491F-97DF-4CF3-ACF4-84DA19A50F3E}"/>
+              </a:ext>
+            </a:extLst>
+          </p:cNvPr>
+          <p:cNvPicPr>
+            <a:picLocks noChangeAspect="1" noChangeArrowheads="1"/>
+          </p:cNvPicPr>
+          <p:nvPr/>
+        </p:nvPicPr>
+        <p:blipFill>
+          <a:blip r:embed="rId4">
+            <a:extLst>
+              <a:ext uri="{28A0092B-C50C-407E-A947-70E740481C1C}">
+                <a14:useLocalDpi xmlns:a14="http://schemas.microsoft.com/office/drawing/2010/main" val="0"/>
+              </a:ext>
+            </a:extLst>
+          </a:blip>
+          <a:srcRect/>
+          <a:stretch>
+            <a:fillRect/>
+          </a:stretch>
+        </p:blipFill>
+        <p:spPr bwMode="auto">
+          <a:xfrm>
+            <a:off x="2290564" y="4098281"/>
+            <a:ext cx="2641476" cy="2641476"/>
+          </a:xfrm>
+          <a:prstGeom prst="rect">
+            <a:avLst/>
+          </a:prstGeom>
+          <a:noFill/>
+          <a:extLst>
+            <a:ext uri="{909E8E84-426E-40DD-AFC4-6F175D3DCCD1}">
+              <a14:hiddenFill xmlns:a14="http://schemas.microsoft.com/office/drawing/2010/main">
+                <a:solidFill>
+                  <a:srgbClr val="FFFFFF"/>
+                </a:solidFill>
+              </a14:hiddenFill>
+            </a:ext>
+          </a:extLst>
+        </p:spPr>
+      </p:pic>
     </p:spTree>
     <p:extLst>
       <p:ext uri="{BB962C8B-B14F-4D97-AF65-F5344CB8AC3E}">
-        <p14:creationId xmlns:p14="http://schemas.microsoft.com/office/powerpoint/2010/main" val="3012349130"/>
+        <p14:creationId xmlns:p14="http://schemas.microsoft.com/office/powerpoint/2010/main" val="1128475028"/>
       </p:ext>
     </p:extLst>
   </p:cSld>
@@ -5162,7 +4301,111 @@
 </p:sld>
 </file>
 
-<file path=ppt/slides/slide7.xml><?xml version="1.0" encoding="utf-8"?>
+<file path=ppt/slides/slide15.xml><?xml version="1.0" encoding="utf-8"?>
+<p:sld xmlns:a="http://schemas.openxmlformats.org/drawingml/2006/main" xmlns:r="http://schemas.openxmlformats.org/officeDocument/2006/relationships" xmlns:p="http://schemas.openxmlformats.org/presentationml/2006/main">
+  <p:cSld>
+    <p:spTree>
+      <p:nvGrpSpPr>
+        <p:cNvPr id="1" name=""/>
+        <p:cNvGrpSpPr/>
+        <p:nvPr/>
+      </p:nvGrpSpPr>
+      <p:grpSpPr>
+        <a:xfrm>
+          <a:off x="0" y="0"/>
+          <a:ext cx="0" cy="0"/>
+          <a:chOff x="0" y="0"/>
+          <a:chExt cx="0" cy="0"/>
+        </a:xfrm>
+      </p:grpSpPr>
+      <p:sp>
+        <p:nvSpPr>
+          <p:cNvPr id="2" name="제목 1"/>
+          <p:cNvSpPr>
+            <a:spLocks noGrp="1"/>
+          </p:cNvSpPr>
+          <p:nvPr>
+            <p:ph type="title"/>
+          </p:nvPr>
+        </p:nvSpPr>
+        <p:spPr>
+          <a:xfrm>
+            <a:off x="395536" y="116632"/>
+            <a:ext cx="8280920" cy="796908"/>
+          </a:xfrm>
+        </p:spPr>
+        <p:txBody>
+          <a:bodyPr>
+            <a:noAutofit/>
+          </a:bodyPr>
+          <a:lstStyle/>
+          <a:p>
+            <a:pPr algn="ctr"/>
+            <a:r>
+              <a:rPr lang="hu-HU" altLang="ko-KR" sz="5400" dirty="0" err="1"/>
+              <a:t>CarScope</a:t>
+            </a:r>
+            <a:r>
+              <a:rPr lang="hu-HU" altLang="ko-KR" sz="5400" dirty="0"/>
+              <a:t> Website </a:t>
+            </a:r>
+            <a:r>
+              <a:rPr lang="hu-HU" altLang="ko-KR" sz="5400" dirty="0" err="1"/>
+              <a:t>Demo</a:t>
+            </a:r>
+            <a:endParaRPr lang="ko-KR" altLang="en-US" sz="5400" dirty="0"/>
+          </a:p>
+        </p:txBody>
+      </p:sp>
+      <p:pic>
+        <p:nvPicPr>
+          <p:cNvPr id="4" name="Tartalom helye 3">
+            <a:extLst>
+              <a:ext uri="{FF2B5EF4-FFF2-40B4-BE49-F238E27FC236}">
+                <a16:creationId xmlns:a16="http://schemas.microsoft.com/office/drawing/2014/main" id="{5A326BFB-F512-4E9F-8E92-B1680EDAAB7B}"/>
+              </a:ext>
+            </a:extLst>
+          </p:cNvPr>
+          <p:cNvPicPr>
+            <a:picLocks noGrp="1" noChangeAspect="1"/>
+          </p:cNvPicPr>
+          <p:nvPr>
+            <p:ph idx="1"/>
+          </p:nvPr>
+        </p:nvPicPr>
+        <p:blipFill>
+          <a:blip r:embed="rId2">
+            <a:extLst>
+              <a:ext uri="{28A0092B-C50C-407E-A947-70E740481C1C}">
+                <a14:useLocalDpi xmlns:a14="http://schemas.microsoft.com/office/drawing/2010/main" val="0"/>
+              </a:ext>
+            </a:extLst>
+          </a:blip>
+          <a:stretch>
+            <a:fillRect/>
+          </a:stretch>
+        </p:blipFill>
+        <p:spPr>
+          <a:xfrm>
+            <a:off x="884220" y="1844824"/>
+            <a:ext cx="7375560" cy="3894271"/>
+          </a:xfrm>
+        </p:spPr>
+      </p:pic>
+    </p:spTree>
+    <p:extLst>
+      <p:ext uri="{BB962C8B-B14F-4D97-AF65-F5344CB8AC3E}">
+        <p14:creationId xmlns:p14="http://schemas.microsoft.com/office/powerpoint/2010/main" val="3074048086"/>
+      </p:ext>
+    </p:extLst>
+  </p:cSld>
+  <p:clrMapOvr>
+    <a:masterClrMapping/>
+  </p:clrMapOvr>
+</p:sld>
+</file>
+
+<file path=ppt/slides/slide16.xml><?xml version="1.0" encoding="utf-8"?>
 <p:sld xmlns:a="http://schemas.openxmlformats.org/drawingml/2006/main" xmlns:r="http://schemas.openxmlformats.org/officeDocument/2006/relationships" xmlns:p="http://schemas.openxmlformats.org/presentationml/2006/main">
   <p:cSld>
     <p:spTree>
@@ -5198,8 +4441,8 @@
           <a:p>
             <a:pPr algn="ctr"/>
             <a:r>
-              <a:rPr lang="hu-HU" altLang="ko-KR" sz="5400" dirty="0" err="1"/>
-              <a:t>CSMyadmin</a:t>
+              <a:rPr lang="hu-HU" altLang="ko-KR" sz="5400" dirty="0"/>
+              <a:t>Opening Page</a:t>
             </a:r>
             <a:endParaRPr lang="ko-KR" altLang="en-US" sz="5400" dirty="0"/>
           </a:p>
@@ -5227,7 +4470,7 @@
     </p:spTree>
     <p:extLst>
       <p:ext uri="{BB962C8B-B14F-4D97-AF65-F5344CB8AC3E}">
-        <p14:creationId xmlns:p14="http://schemas.microsoft.com/office/powerpoint/2010/main" val="1381924074"/>
+        <p14:creationId xmlns:p14="http://schemas.microsoft.com/office/powerpoint/2010/main" val="2849932501"/>
       </p:ext>
     </p:extLst>
   </p:cSld>
@@ -5237,82 +4480,7 @@
 </p:sld>
 </file>
 
-<file path=ppt/slides/slide8.xml><?xml version="1.0" encoding="utf-8"?>
-<p:sld xmlns:a="http://schemas.openxmlformats.org/drawingml/2006/main" xmlns:r="http://schemas.openxmlformats.org/officeDocument/2006/relationships" xmlns:p="http://schemas.openxmlformats.org/presentationml/2006/main">
-  <p:cSld>
-    <p:spTree>
-      <p:nvGrpSpPr>
-        <p:cNvPr id="1" name=""/>
-        <p:cNvGrpSpPr/>
-        <p:nvPr/>
-      </p:nvGrpSpPr>
-      <p:grpSpPr>
-        <a:xfrm>
-          <a:off x="0" y="0"/>
-          <a:ext cx="0" cy="0"/>
-          <a:chOff x="0" y="0"/>
-          <a:chExt cx="0" cy="0"/>
-        </a:xfrm>
-      </p:grpSpPr>
-      <p:sp>
-        <p:nvSpPr>
-          <p:cNvPr id="2" name="제목 1"/>
-          <p:cNvSpPr>
-            <a:spLocks noGrp="1"/>
-          </p:cNvSpPr>
-          <p:nvPr>
-            <p:ph type="title"/>
-          </p:nvPr>
-        </p:nvSpPr>
-        <p:spPr/>
-        <p:txBody>
-          <a:bodyPr>
-            <a:noAutofit/>
-          </a:bodyPr>
-          <a:lstStyle/>
-          <a:p>
-            <a:pPr algn="ctr"/>
-            <a:r>
-              <a:rPr lang="hu-HU" altLang="ko-KR" sz="5400" dirty="0" err="1"/>
-              <a:t>Database</a:t>
-            </a:r>
-            <a:endParaRPr lang="ko-KR" altLang="en-US" sz="5400" dirty="0"/>
-          </a:p>
-        </p:txBody>
-      </p:sp>
-      <p:sp>
-        <p:nvSpPr>
-          <p:cNvPr id="37" name="내용 개체 틀 36"/>
-          <p:cNvSpPr>
-            <a:spLocks noGrp="1"/>
-          </p:cNvSpPr>
-          <p:nvPr>
-            <p:ph idx="1"/>
-          </p:nvPr>
-        </p:nvSpPr>
-        <p:spPr/>
-        <p:txBody>
-          <a:bodyPr/>
-          <a:lstStyle/>
-          <a:p>
-            <a:endParaRPr lang="en-US" altLang="ko-KR" dirty="0"/>
-          </a:p>
-        </p:txBody>
-      </p:sp>
-    </p:spTree>
-    <p:extLst>
-      <p:ext uri="{BB962C8B-B14F-4D97-AF65-F5344CB8AC3E}">
-        <p14:creationId xmlns:p14="http://schemas.microsoft.com/office/powerpoint/2010/main" val="3180582477"/>
-      </p:ext>
-    </p:extLst>
-  </p:cSld>
-  <p:clrMapOvr>
-    <a:masterClrMapping/>
-  </p:clrMapOvr>
-</p:sld>
-</file>
-
-<file path=ppt/slides/slide9.xml><?xml version="1.0" encoding="utf-8"?>
+<file path=ppt/slides/slide17.xml><?xml version="1.0" encoding="utf-8"?>
 <p:sld xmlns:a="http://schemas.openxmlformats.org/drawingml/2006/main" xmlns:r="http://schemas.openxmlformats.org/officeDocument/2006/relationships" xmlns:p="http://schemas.openxmlformats.org/presentationml/2006/main">
   <p:cSld>
     <p:spTree>
@@ -7436,6 +6604,3530 @@
         </p:sp>
       </p:grpSp>
     </p:spTree>
+  </p:cSld>
+  <p:clrMapOvr>
+    <a:masterClrMapping/>
+  </p:clrMapOvr>
+</p:sld>
+</file>
+
+<file path=ppt/slides/slide18.xml><?xml version="1.0" encoding="utf-8"?>
+<p:sld xmlns:a="http://schemas.openxmlformats.org/drawingml/2006/main" xmlns:r="http://schemas.openxmlformats.org/officeDocument/2006/relationships" xmlns:p="http://schemas.openxmlformats.org/presentationml/2006/main">
+  <p:cSld>
+    <p:spTree>
+      <p:nvGrpSpPr>
+        <p:cNvPr id="1" name=""/>
+        <p:cNvGrpSpPr/>
+        <p:nvPr/>
+      </p:nvGrpSpPr>
+      <p:grpSpPr>
+        <a:xfrm>
+          <a:off x="0" y="0"/>
+          <a:ext cx="0" cy="0"/>
+          <a:chOff x="0" y="0"/>
+          <a:chExt cx="0" cy="0"/>
+        </a:xfrm>
+      </p:grpSpPr>
+      <p:sp>
+        <p:nvSpPr>
+          <p:cNvPr id="7" name="Text Box 9"/>
+          <p:cNvSpPr txBox="1">
+            <a:spLocks noChangeArrowheads="1"/>
+          </p:cNvSpPr>
+          <p:nvPr/>
+        </p:nvSpPr>
+        <p:spPr bwMode="auto">
+          <a:xfrm>
+            <a:off x="4572000" y="2708920"/>
+            <a:ext cx="2995450" cy="2092881"/>
+          </a:xfrm>
+          <a:prstGeom prst="rect">
+            <a:avLst/>
+          </a:prstGeom>
+          <a:noFill/>
+          <a:ln w="9525">
+            <a:noFill/>
+            <a:miter lim="800000"/>
+            <a:headEnd/>
+            <a:tailEnd/>
+          </a:ln>
+          <a:effectLst/>
+        </p:spPr>
+        <p:txBody>
+          <a:bodyPr vert="horz" wrap="square" lIns="91440" tIns="45720" rIns="91440" bIns="45720" numCol="1" anchor="t" anchorCtr="0" compatLnSpc="1">
+            <a:prstTxWarp prst="textNoShape">
+              <a:avLst/>
+            </a:prstTxWarp>
+            <a:spAutoFit/>
+          </a:bodyPr>
+          <a:lstStyle/>
+          <a:p>
+            <a:pPr marR="0" indent="-228600" algn="ctr" fontAlgn="base">
+              <a:lnSpc>
+                <a:spcPct val="200000"/>
+              </a:lnSpc>
+              <a:spcBef>
+                <a:spcPct val="0"/>
+              </a:spcBef>
+              <a:spcAft>
+                <a:spcPct val="0"/>
+              </a:spcAft>
+              <a:buClrTx/>
+              <a:buSzTx/>
+              <a:buFont typeface="+mj-lt"/>
+              <a:buAutoNum type="arabicPeriod"/>
+              <a:tabLst/>
+            </a:pPr>
+            <a:r>
+              <a:rPr kumimoji="1" lang="ko-KR" altLang="ko-KR" sz="1300" dirty="0">
+                <a:solidFill>
+                  <a:schemeClr val="tx1">
+                    <a:lumMod val="50000"/>
+                    <a:lumOff val="50000"/>
+                  </a:schemeClr>
+                </a:solidFill>
+                <a:latin typeface="+mj-lt"/>
+                <a:ea typeface="맑은 고딕" pitchFamily="50" charset="-127"/>
+                <a:cs typeface="굴림" pitchFamily="50" charset="-127"/>
+              </a:rPr>
+              <a:t> </a:t>
+            </a:r>
+            <a:r>
+              <a:rPr kumimoji="1" lang="en-US" altLang="ko-KR" sz="1300" dirty="0">
+                <a:solidFill>
+                  <a:schemeClr val="tx1">
+                    <a:lumMod val="50000"/>
+                    <a:lumOff val="50000"/>
+                  </a:schemeClr>
+                </a:solidFill>
+                <a:latin typeface="+mj-lt"/>
+                <a:ea typeface="맑은 고딕" pitchFamily="50" charset="-127"/>
+                <a:cs typeface="굴림" pitchFamily="50" charset="-127"/>
+              </a:rPr>
+              <a:t>Insert text here</a:t>
+            </a:r>
+          </a:p>
+          <a:p>
+            <a:pPr marR="0" indent="-228600" algn="ctr" fontAlgn="base">
+              <a:lnSpc>
+                <a:spcPct val="200000"/>
+              </a:lnSpc>
+              <a:spcBef>
+                <a:spcPct val="0"/>
+              </a:spcBef>
+              <a:spcAft>
+                <a:spcPct val="0"/>
+              </a:spcAft>
+              <a:buClrTx/>
+              <a:buSzTx/>
+              <a:buFont typeface="+mj-lt"/>
+              <a:buAutoNum type="arabicPeriod"/>
+              <a:tabLst/>
+            </a:pPr>
+            <a:r>
+              <a:rPr kumimoji="1" lang="en-US" altLang="ko-KR" sz="1300" dirty="0">
+                <a:solidFill>
+                  <a:schemeClr val="tx1">
+                    <a:lumMod val="50000"/>
+                    <a:lumOff val="50000"/>
+                  </a:schemeClr>
+                </a:solidFill>
+                <a:latin typeface="+mj-lt"/>
+                <a:ea typeface="맑은 고딕" pitchFamily="50" charset="-127"/>
+                <a:cs typeface="굴림" pitchFamily="50" charset="-127"/>
+              </a:rPr>
+              <a:t> Insert text here</a:t>
+            </a:r>
+          </a:p>
+          <a:p>
+            <a:pPr marR="0" indent="-228600" algn="ctr" fontAlgn="base">
+              <a:lnSpc>
+                <a:spcPct val="200000"/>
+              </a:lnSpc>
+              <a:spcBef>
+                <a:spcPct val="0"/>
+              </a:spcBef>
+              <a:spcAft>
+                <a:spcPct val="0"/>
+              </a:spcAft>
+              <a:buClrTx/>
+              <a:buSzTx/>
+              <a:buFont typeface="+mj-lt"/>
+              <a:buAutoNum type="arabicPeriod"/>
+              <a:tabLst/>
+            </a:pPr>
+            <a:r>
+              <a:rPr kumimoji="1" lang="en-US" altLang="ko-KR" sz="1300" dirty="0">
+                <a:solidFill>
+                  <a:schemeClr val="tx1">
+                    <a:lumMod val="50000"/>
+                    <a:lumOff val="50000"/>
+                  </a:schemeClr>
+                </a:solidFill>
+                <a:latin typeface="+mj-lt"/>
+                <a:ea typeface="맑은 고딕" pitchFamily="50" charset="-127"/>
+                <a:cs typeface="굴림" pitchFamily="50" charset="-127"/>
+              </a:rPr>
+              <a:t> Insert text here</a:t>
+            </a:r>
+          </a:p>
+          <a:p>
+            <a:pPr indent="-228600" algn="ctr" fontAlgn="base">
+              <a:lnSpc>
+                <a:spcPct val="200000"/>
+              </a:lnSpc>
+              <a:spcBef>
+                <a:spcPct val="0"/>
+              </a:spcBef>
+              <a:spcAft>
+                <a:spcPct val="0"/>
+              </a:spcAft>
+              <a:buFont typeface="+mj-lt"/>
+              <a:buAutoNum type="arabicPeriod"/>
+            </a:pPr>
+            <a:r>
+              <a:rPr kumimoji="1" lang="en-US" altLang="ko-KR" sz="1300" dirty="0">
+                <a:solidFill>
+                  <a:schemeClr val="tx1">
+                    <a:lumMod val="50000"/>
+                    <a:lumOff val="50000"/>
+                  </a:schemeClr>
+                </a:solidFill>
+                <a:latin typeface="+mj-lt"/>
+                <a:ea typeface="맑은 고딕" pitchFamily="50" charset="-127"/>
+                <a:cs typeface="굴림" pitchFamily="50" charset="-127"/>
+              </a:rPr>
+              <a:t> Insert text here</a:t>
+            </a:r>
+            <a:endParaRPr kumimoji="1" lang="ko-KR" altLang="ko-KR" sz="1300" dirty="0">
+              <a:solidFill>
+                <a:schemeClr val="tx1">
+                  <a:lumMod val="50000"/>
+                  <a:lumOff val="50000"/>
+                </a:schemeClr>
+              </a:solidFill>
+              <a:latin typeface="+mj-lt"/>
+              <a:ea typeface="맑은 고딕" pitchFamily="50" charset="-127"/>
+              <a:cs typeface="굴림" pitchFamily="50" charset="-127"/>
+            </a:endParaRPr>
+          </a:p>
+          <a:p>
+            <a:pPr indent="-228600" algn="ctr" fontAlgn="base">
+              <a:lnSpc>
+                <a:spcPct val="200000"/>
+              </a:lnSpc>
+              <a:spcBef>
+                <a:spcPct val="0"/>
+              </a:spcBef>
+              <a:spcAft>
+                <a:spcPct val="0"/>
+              </a:spcAft>
+              <a:buFont typeface="+mj-lt"/>
+              <a:buAutoNum type="arabicPeriod"/>
+            </a:pPr>
+            <a:r>
+              <a:rPr kumimoji="1" lang="en-US" altLang="ko-KR" sz="1300" dirty="0">
+                <a:solidFill>
+                  <a:schemeClr val="tx1">
+                    <a:lumMod val="50000"/>
+                    <a:lumOff val="50000"/>
+                  </a:schemeClr>
+                </a:solidFill>
+                <a:latin typeface="+mj-lt"/>
+                <a:ea typeface="맑은 고딕" pitchFamily="50" charset="-127"/>
+                <a:cs typeface="굴림" pitchFamily="50" charset="-127"/>
+              </a:rPr>
+              <a:t> Insert text here</a:t>
+            </a:r>
+            <a:endParaRPr kumimoji="1" lang="ko-KR" altLang="ko-KR" sz="1300" dirty="0">
+              <a:solidFill>
+                <a:schemeClr val="tx1">
+                  <a:lumMod val="50000"/>
+                  <a:lumOff val="50000"/>
+                </a:schemeClr>
+              </a:solidFill>
+              <a:latin typeface="+mj-lt"/>
+              <a:ea typeface="맑은 고딕" pitchFamily="50" charset="-127"/>
+              <a:cs typeface="굴림" pitchFamily="50" charset="-127"/>
+            </a:endParaRPr>
+          </a:p>
+        </p:txBody>
+      </p:sp>
+      <p:grpSp>
+        <p:nvGrpSpPr>
+          <p:cNvPr id="6" name="그룹 5"/>
+          <p:cNvGrpSpPr/>
+          <p:nvPr/>
+        </p:nvGrpSpPr>
+        <p:grpSpPr>
+          <a:xfrm>
+            <a:off x="4665569" y="1028945"/>
+            <a:ext cx="2808312" cy="1457540"/>
+            <a:chOff x="3131840" y="1435469"/>
+            <a:chExt cx="2808312" cy="1457540"/>
+          </a:xfrm>
+        </p:grpSpPr>
+        <p:sp>
+          <p:nvSpPr>
+            <p:cNvPr id="10" name="Text Box 5"/>
+            <p:cNvSpPr txBox="1">
+              <a:spLocks noChangeArrowheads="1"/>
+            </p:cNvSpPr>
+            <p:nvPr/>
+          </p:nvSpPr>
+          <p:spPr bwMode="auto">
+            <a:xfrm>
+              <a:off x="3131840" y="1891308"/>
+              <a:ext cx="2808312" cy="461665"/>
+            </a:xfrm>
+            <a:prstGeom prst="rect">
+              <a:avLst/>
+            </a:prstGeom>
+            <a:noFill/>
+            <a:ln w="9525">
+              <a:noFill/>
+              <a:miter lim="800000"/>
+              <a:headEnd/>
+              <a:tailEnd/>
+            </a:ln>
+            <a:effectLst/>
+          </p:spPr>
+          <p:txBody>
+            <a:bodyPr vert="horz" wrap="square" lIns="91440" tIns="45720" rIns="91440" bIns="45720" numCol="1" anchor="t" anchorCtr="0" compatLnSpc="1">
+              <a:prstTxWarp prst="textNoShape">
+                <a:avLst/>
+              </a:prstTxWarp>
+              <a:spAutoFit/>
+            </a:bodyPr>
+            <a:lstStyle/>
+            <a:p>
+              <a:pPr lvl="0" algn="ctr" fontAlgn="base">
+                <a:spcBef>
+                  <a:spcPct val="0"/>
+                </a:spcBef>
+                <a:spcAft>
+                  <a:spcPct val="0"/>
+                </a:spcAft>
+              </a:pPr>
+              <a:r>
+                <a:rPr kumimoji="1" lang="en-US" altLang="ko-KR" sz="2400" b="1" dirty="0">
+                  <a:solidFill>
+                    <a:schemeClr val="bg1">
+                      <a:lumMod val="65000"/>
+                    </a:schemeClr>
+                  </a:solidFill>
+                  <a:latin typeface="+mj-lt"/>
+                  <a:ea typeface="맑은 고딕" pitchFamily="50" charset="-127"/>
+                  <a:cs typeface="굴림" pitchFamily="50" charset="-127"/>
+                </a:rPr>
+                <a:t>Insert text here</a:t>
+              </a:r>
+            </a:p>
+          </p:txBody>
+        </p:sp>
+        <p:sp>
+          <p:nvSpPr>
+            <p:cNvPr id="12" name="직사각형 11"/>
+            <p:cNvSpPr/>
+            <p:nvPr/>
+          </p:nvSpPr>
+          <p:spPr>
+            <a:xfrm>
+              <a:off x="3284984" y="2339011"/>
+              <a:ext cx="2502024" cy="553998"/>
+            </a:xfrm>
+            <a:prstGeom prst="rect">
+              <a:avLst/>
+            </a:prstGeom>
+          </p:spPr>
+          <p:txBody>
+            <a:bodyPr wrap="square">
+              <a:spAutoFit/>
+            </a:bodyPr>
+            <a:lstStyle/>
+            <a:p>
+              <a:pPr lvl="0" algn="ctr">
+                <a:lnSpc>
+                  <a:spcPts val="1200"/>
+                </a:lnSpc>
+                <a:defRPr/>
+              </a:pPr>
+              <a:r>
+                <a:rPr lang="en-US" altLang="ko-KR" sz="1100" dirty="0">
+                  <a:solidFill>
+                    <a:schemeClr val="bg1">
+                      <a:lumMod val="65000"/>
+                    </a:schemeClr>
+                  </a:solidFill>
+                  <a:latin typeface="+mj-lt"/>
+                  <a:ea typeface="맑은 고딕" pitchFamily="50" charset="-127"/>
+                  <a:cs typeface="굴림" pitchFamily="50" charset="-127"/>
+                </a:rPr>
+                <a:t>Lorem ipsum dolor sit </a:t>
+              </a:r>
+              <a:r>
+                <a:rPr lang="en-US" altLang="ko-KR" sz="1100" dirty="0" err="1">
+                  <a:solidFill>
+                    <a:schemeClr val="bg1">
+                      <a:lumMod val="65000"/>
+                    </a:schemeClr>
+                  </a:solidFill>
+                  <a:latin typeface="+mj-lt"/>
+                  <a:ea typeface="맑은 고딕" pitchFamily="50" charset="-127"/>
+                  <a:cs typeface="굴림" pitchFamily="50" charset="-127"/>
+                </a:rPr>
+                <a:t>amet</a:t>
+              </a:r>
+              <a:r>
+                <a:rPr lang="en-US" altLang="ko-KR" sz="1100" dirty="0">
+                  <a:solidFill>
+                    <a:schemeClr val="bg1">
+                      <a:lumMod val="65000"/>
+                    </a:schemeClr>
+                  </a:solidFill>
+                  <a:latin typeface="+mj-lt"/>
+                  <a:ea typeface="맑은 고딕" pitchFamily="50" charset="-127"/>
+                  <a:cs typeface="굴림" pitchFamily="50" charset="-127"/>
+                </a:rPr>
+                <a:t>, </a:t>
+              </a:r>
+              <a:r>
+                <a:rPr lang="en-US" altLang="ko-KR" sz="1100" dirty="0" err="1">
+                  <a:solidFill>
+                    <a:schemeClr val="bg1">
+                      <a:lumMod val="65000"/>
+                    </a:schemeClr>
+                  </a:solidFill>
+                  <a:latin typeface="+mj-lt"/>
+                  <a:ea typeface="맑은 고딕" pitchFamily="50" charset="-127"/>
+                  <a:cs typeface="굴림" pitchFamily="50" charset="-127"/>
+                </a:rPr>
+                <a:t>simul</a:t>
+              </a:r>
+              <a:r>
+                <a:rPr lang="en-US" altLang="ko-KR" sz="1100" dirty="0">
+                  <a:solidFill>
+                    <a:schemeClr val="bg1">
+                      <a:lumMod val="65000"/>
+                    </a:schemeClr>
+                  </a:solidFill>
+                  <a:latin typeface="+mj-lt"/>
+                  <a:ea typeface="맑은 고딕" pitchFamily="50" charset="-127"/>
+                  <a:cs typeface="굴림" pitchFamily="50" charset="-127"/>
+                </a:rPr>
+                <a:t> </a:t>
+              </a:r>
+              <a:r>
+                <a:rPr lang="en-US" altLang="ko-KR" sz="1100" dirty="0" err="1">
+                  <a:solidFill>
+                    <a:schemeClr val="bg1">
+                      <a:lumMod val="65000"/>
+                    </a:schemeClr>
+                  </a:solidFill>
+                  <a:latin typeface="+mj-lt"/>
+                  <a:ea typeface="맑은 고딕" pitchFamily="50" charset="-127"/>
+                  <a:cs typeface="굴림" pitchFamily="50" charset="-127"/>
+                </a:rPr>
+                <a:t>adolescens</a:t>
+              </a:r>
+              <a:r>
+                <a:rPr lang="en-US" altLang="ko-KR" sz="1100" dirty="0">
+                  <a:solidFill>
+                    <a:schemeClr val="bg1">
+                      <a:lumMod val="65000"/>
+                    </a:schemeClr>
+                  </a:solidFill>
+                  <a:latin typeface="+mj-lt"/>
+                  <a:ea typeface="맑은 고딕" pitchFamily="50" charset="-127"/>
+                  <a:cs typeface="굴림" pitchFamily="50" charset="-127"/>
+                </a:rPr>
+                <a:t> </a:t>
+              </a:r>
+              <a:r>
+                <a:rPr lang="en-US" altLang="ko-KR" sz="1100" dirty="0" err="1">
+                  <a:solidFill>
+                    <a:schemeClr val="bg1">
+                      <a:lumMod val="65000"/>
+                    </a:schemeClr>
+                  </a:solidFill>
+                  <a:latin typeface="+mj-lt"/>
+                  <a:ea typeface="맑은 고딕" pitchFamily="50" charset="-127"/>
+                  <a:cs typeface="굴림" pitchFamily="50" charset="-127"/>
+                </a:rPr>
+                <a:t>ei</a:t>
+              </a:r>
+              <a:r>
+                <a:rPr lang="en-US" altLang="ko-KR" sz="1100" dirty="0">
+                  <a:solidFill>
+                    <a:schemeClr val="bg1">
+                      <a:lumMod val="65000"/>
+                    </a:schemeClr>
+                  </a:solidFill>
+                  <a:latin typeface="+mj-lt"/>
+                  <a:ea typeface="맑은 고딕" pitchFamily="50" charset="-127"/>
+                  <a:cs typeface="굴림" pitchFamily="50" charset="-127"/>
+                </a:rPr>
+                <a:t> vis, id </a:t>
+              </a:r>
+              <a:r>
+                <a:rPr lang="en-US" altLang="ko-KR" sz="1100" dirty="0" err="1">
+                  <a:solidFill>
+                    <a:schemeClr val="bg1">
+                      <a:lumMod val="65000"/>
+                    </a:schemeClr>
+                  </a:solidFill>
+                  <a:latin typeface="+mj-lt"/>
+                  <a:ea typeface="맑은 고딕" pitchFamily="50" charset="-127"/>
+                  <a:cs typeface="굴림" pitchFamily="50" charset="-127"/>
+                </a:rPr>
+                <a:t>nec</a:t>
+              </a:r>
+              <a:r>
+                <a:rPr lang="en-US" altLang="ko-KR" sz="1100" dirty="0">
+                  <a:solidFill>
+                    <a:schemeClr val="bg1">
+                      <a:lumMod val="65000"/>
+                    </a:schemeClr>
+                  </a:solidFill>
+                  <a:latin typeface="+mj-lt"/>
+                  <a:ea typeface="맑은 고딕" pitchFamily="50" charset="-127"/>
+                  <a:cs typeface="굴림" pitchFamily="50" charset="-127"/>
+                </a:rPr>
+                <a:t> </a:t>
+              </a:r>
+              <a:r>
+                <a:rPr lang="en-US" altLang="ko-KR" sz="1100" dirty="0" err="1">
+                  <a:solidFill>
+                    <a:schemeClr val="bg1">
+                      <a:lumMod val="65000"/>
+                    </a:schemeClr>
+                  </a:solidFill>
+                  <a:latin typeface="+mj-lt"/>
+                  <a:ea typeface="맑은 고딕" pitchFamily="50" charset="-127"/>
+                  <a:cs typeface="굴림" pitchFamily="50" charset="-127"/>
+                </a:rPr>
+                <a:t>errem</a:t>
+              </a:r>
+              <a:r>
+                <a:rPr lang="en-US" altLang="ko-KR" sz="1100" dirty="0">
+                  <a:solidFill>
+                    <a:schemeClr val="bg1">
+                      <a:lumMod val="65000"/>
+                    </a:schemeClr>
+                  </a:solidFill>
+                  <a:latin typeface="+mj-lt"/>
+                  <a:ea typeface="맑은 고딕" pitchFamily="50" charset="-127"/>
+                  <a:cs typeface="굴림" pitchFamily="50" charset="-127"/>
+                </a:rPr>
+                <a:t> </a:t>
+              </a:r>
+              <a:r>
+                <a:rPr lang="en-US" altLang="ko-KR" sz="1100" dirty="0" err="1">
+                  <a:solidFill>
+                    <a:schemeClr val="bg1">
+                      <a:lumMod val="65000"/>
+                    </a:schemeClr>
+                  </a:solidFill>
+                  <a:latin typeface="+mj-lt"/>
+                  <a:ea typeface="맑은 고딕" pitchFamily="50" charset="-127"/>
+                  <a:cs typeface="굴림" pitchFamily="50" charset="-127"/>
+                </a:rPr>
+                <a:t>interesset</a:t>
+              </a:r>
+              <a:endParaRPr lang="en-US" altLang="ko-KR" sz="1100" dirty="0">
+                <a:solidFill>
+                  <a:schemeClr val="bg1">
+                    <a:lumMod val="65000"/>
+                  </a:schemeClr>
+                </a:solidFill>
+                <a:latin typeface="+mj-lt"/>
+                <a:ea typeface="맑은 고딕" pitchFamily="50" charset="-127"/>
+                <a:cs typeface="굴림" pitchFamily="50" charset="-127"/>
+              </a:endParaRPr>
+            </a:p>
+          </p:txBody>
+        </p:sp>
+        <p:sp>
+          <p:nvSpPr>
+            <p:cNvPr id="11" name="Text Box 4"/>
+            <p:cNvSpPr txBox="1">
+              <a:spLocks noChangeArrowheads="1"/>
+            </p:cNvSpPr>
+            <p:nvPr/>
+          </p:nvSpPr>
+          <p:spPr bwMode="auto">
+            <a:xfrm>
+              <a:off x="4235273" y="1435469"/>
+              <a:ext cx="601447" cy="584775"/>
+            </a:xfrm>
+            <a:prstGeom prst="rect">
+              <a:avLst/>
+            </a:prstGeom>
+            <a:noFill/>
+            <a:ln w="9525">
+              <a:noFill/>
+              <a:miter lim="800000"/>
+              <a:headEnd/>
+              <a:tailEnd/>
+            </a:ln>
+            <a:effectLst/>
+          </p:spPr>
+          <p:txBody>
+            <a:bodyPr vert="horz" wrap="none" lIns="91440" tIns="45720" rIns="91440" bIns="45720" numCol="1" anchor="t" anchorCtr="0" compatLnSpc="1">
+              <a:prstTxWarp prst="textNoShape">
+                <a:avLst/>
+              </a:prstTxWarp>
+              <a:spAutoFit/>
+            </a:bodyPr>
+            <a:lstStyle/>
+            <a:p>
+              <a:pPr algn="ctr" fontAlgn="base">
+                <a:spcBef>
+                  <a:spcPct val="0"/>
+                </a:spcBef>
+                <a:spcAft>
+                  <a:spcPct val="0"/>
+                </a:spcAft>
+              </a:pPr>
+              <a:r>
+                <a:rPr kumimoji="1" lang="en-US" altLang="ko-KR" sz="3200" b="1" dirty="0">
+                  <a:solidFill>
+                    <a:srgbClr val="C00000"/>
+                  </a:solidFill>
+                  <a:latin typeface="+mj-lt"/>
+                  <a:ea typeface="맑은 고딕" pitchFamily="50" charset="-127"/>
+                  <a:cs typeface="굴림" pitchFamily="50" charset="-127"/>
+                </a:rPr>
+                <a:t>01</a:t>
+              </a:r>
+              <a:endParaRPr kumimoji="1" lang="ko-KR" altLang="ko-KR" sz="3200" b="1" dirty="0">
+                <a:solidFill>
+                  <a:srgbClr val="C00000"/>
+                </a:solidFill>
+                <a:latin typeface="+mj-lt"/>
+                <a:ea typeface="맑은 고딕" pitchFamily="50" charset="-127"/>
+                <a:cs typeface="굴림" pitchFamily="50" charset="-127"/>
+              </a:endParaRPr>
+            </a:p>
+          </p:txBody>
+        </p:sp>
+      </p:grpSp>
+    </p:spTree>
+  </p:cSld>
+  <p:clrMapOvr>
+    <a:masterClrMapping/>
+  </p:clrMapOvr>
+</p:sld>
+</file>
+
+<file path=ppt/slides/slide19.xml><?xml version="1.0" encoding="utf-8"?>
+<p:sld xmlns:a="http://schemas.openxmlformats.org/drawingml/2006/main" xmlns:r="http://schemas.openxmlformats.org/officeDocument/2006/relationships" xmlns:p="http://schemas.openxmlformats.org/presentationml/2006/main">
+  <p:cSld>
+    <p:spTree>
+      <p:nvGrpSpPr>
+        <p:cNvPr id="1" name=""/>
+        <p:cNvGrpSpPr/>
+        <p:nvPr/>
+      </p:nvGrpSpPr>
+      <p:grpSpPr>
+        <a:xfrm>
+          <a:off x="0" y="0"/>
+          <a:ext cx="0" cy="0"/>
+          <a:chOff x="0" y="0"/>
+          <a:chExt cx="0" cy="0"/>
+        </a:xfrm>
+      </p:grpSpPr>
+      <p:sp>
+        <p:nvSpPr>
+          <p:cNvPr id="5" name="제목 4"/>
+          <p:cNvSpPr>
+            <a:spLocks noGrp="1"/>
+          </p:cNvSpPr>
+          <p:nvPr>
+            <p:ph type="ctrTitle"/>
+          </p:nvPr>
+        </p:nvSpPr>
+        <p:spPr/>
+        <p:txBody>
+          <a:bodyPr/>
+          <a:lstStyle/>
+          <a:p>
+            <a:r>
+              <a:rPr lang="en-US" altLang="ko-KR" dirty="0"/>
+              <a:t>THANK </a:t>
+            </a:r>
+            <a:r>
+              <a:rPr lang="en-US" altLang="ko-KR" dirty="0">
+                <a:solidFill>
+                  <a:schemeClr val="accent2">
+                    <a:lumMod val="75000"/>
+                  </a:schemeClr>
+                </a:solidFill>
+              </a:rPr>
+              <a:t>YOU</a:t>
+            </a:r>
+            <a:endParaRPr lang="ko-KR" altLang="en-US" dirty="0">
+              <a:solidFill>
+                <a:schemeClr val="accent2">
+                  <a:lumMod val="75000"/>
+                </a:schemeClr>
+              </a:solidFill>
+            </a:endParaRPr>
+          </a:p>
+        </p:txBody>
+      </p:sp>
+    </p:spTree>
+  </p:cSld>
+  <p:clrMapOvr>
+    <a:masterClrMapping/>
+  </p:clrMapOvr>
+</p:sld>
+</file>
+
+<file path=ppt/slides/slide2.xml><?xml version="1.0" encoding="utf-8"?>
+<p:sld xmlns:a="http://schemas.openxmlformats.org/drawingml/2006/main" xmlns:r="http://schemas.openxmlformats.org/officeDocument/2006/relationships" xmlns:p="http://schemas.openxmlformats.org/presentationml/2006/main">
+  <p:cSld>
+    <p:spTree>
+      <p:nvGrpSpPr>
+        <p:cNvPr id="1" name=""/>
+        <p:cNvGrpSpPr/>
+        <p:nvPr/>
+      </p:nvGrpSpPr>
+      <p:grpSpPr>
+        <a:xfrm>
+          <a:off x="0" y="0"/>
+          <a:ext cx="0" cy="0"/>
+          <a:chOff x="0" y="0"/>
+          <a:chExt cx="0" cy="0"/>
+        </a:xfrm>
+      </p:grpSpPr>
+      <p:sp>
+        <p:nvSpPr>
+          <p:cNvPr id="2" name="제목 1"/>
+          <p:cNvSpPr>
+            <a:spLocks noGrp="1"/>
+          </p:cNvSpPr>
+          <p:nvPr>
+            <p:ph type="title"/>
+          </p:nvPr>
+        </p:nvSpPr>
+        <p:spPr/>
+        <p:txBody>
+          <a:bodyPr>
+            <a:noAutofit/>
+          </a:bodyPr>
+          <a:lstStyle/>
+          <a:p>
+            <a:pPr algn="ctr"/>
+            <a:r>
+              <a:rPr lang="hu-HU" altLang="ko-KR" sz="5400" dirty="0" err="1"/>
+              <a:t>Purpose</a:t>
+            </a:r>
+            <a:r>
+              <a:rPr lang="hu-HU" altLang="ko-KR" sz="5400" dirty="0"/>
+              <a:t> of </a:t>
+            </a:r>
+            <a:r>
+              <a:rPr lang="hu-HU" altLang="ko-KR" sz="5400" dirty="0" err="1"/>
+              <a:t>the</a:t>
+            </a:r>
+            <a:r>
+              <a:rPr lang="hu-HU" altLang="ko-KR" sz="5400" dirty="0"/>
+              <a:t> site</a:t>
+            </a:r>
+            <a:endParaRPr lang="ko-KR" altLang="en-US" sz="5400" dirty="0"/>
+          </a:p>
+        </p:txBody>
+      </p:sp>
+      <p:sp>
+        <p:nvSpPr>
+          <p:cNvPr id="37" name="내용 개체 틀 36"/>
+          <p:cNvSpPr>
+            <a:spLocks noGrp="1"/>
+          </p:cNvSpPr>
+          <p:nvPr>
+            <p:ph idx="1"/>
+          </p:nvPr>
+        </p:nvSpPr>
+        <p:spPr/>
+        <p:txBody>
+          <a:bodyPr/>
+          <a:lstStyle/>
+          <a:p>
+            <a:pPr>
+              <a:lnSpc>
+                <a:spcPct val="300000"/>
+              </a:lnSpc>
+              <a:buFont typeface="Arial" panose="020B0604020202020204" pitchFamily="34" charset="0"/>
+              <a:buChar char="•"/>
+            </a:pPr>
+            <a:r>
+              <a:rPr lang="en-US" altLang="ko-KR" sz="2000" dirty="0"/>
+              <a:t>To provide an easily manageable platform</a:t>
+            </a:r>
+            <a:endParaRPr lang="hu-HU" altLang="ko-KR" sz="2000" dirty="0"/>
+          </a:p>
+          <a:p>
+            <a:pPr>
+              <a:lnSpc>
+                <a:spcPct val="300000"/>
+              </a:lnSpc>
+              <a:buFont typeface="Arial" panose="020B0604020202020204" pitchFamily="34" charset="0"/>
+              <a:buChar char="•"/>
+            </a:pPr>
+            <a:r>
+              <a:rPr lang="hu-HU" altLang="ko-KR" sz="2000" dirty="0"/>
+              <a:t>More </a:t>
+            </a:r>
+            <a:r>
+              <a:rPr lang="hu-HU" altLang="ko-KR" sz="2000" dirty="0" err="1"/>
+              <a:t>detailed</a:t>
+            </a:r>
+            <a:r>
+              <a:rPr lang="hu-HU" altLang="ko-KR" sz="2000" dirty="0"/>
+              <a:t> </a:t>
+            </a:r>
+            <a:r>
+              <a:rPr lang="hu-HU" altLang="ko-KR" sz="2000" dirty="0" err="1"/>
+              <a:t>information</a:t>
+            </a:r>
+            <a:r>
+              <a:rPr lang="hu-HU" altLang="ko-KR" sz="2000" dirty="0"/>
+              <a:t> </a:t>
+            </a:r>
+            <a:r>
+              <a:rPr lang="hu-HU" altLang="ko-KR" sz="2000" dirty="0" err="1"/>
+              <a:t>than</a:t>
+            </a:r>
+            <a:r>
+              <a:rPr lang="hu-HU" altLang="ko-KR" sz="2000" dirty="0"/>
+              <a:t> in </a:t>
+            </a:r>
+            <a:r>
+              <a:rPr lang="hu-HU" altLang="ko-KR" sz="2000" dirty="0" err="1"/>
+              <a:t>govermental</a:t>
+            </a:r>
+            <a:r>
+              <a:rPr lang="hu-HU" altLang="ko-KR" sz="2000" dirty="0"/>
+              <a:t> </a:t>
+            </a:r>
+            <a:r>
+              <a:rPr lang="hu-HU" altLang="ko-KR" sz="2000" dirty="0" err="1"/>
+              <a:t>query</a:t>
+            </a:r>
+            <a:endParaRPr lang="hu-HU" altLang="ko-KR" sz="2000" dirty="0"/>
+          </a:p>
+          <a:p>
+            <a:pPr>
+              <a:lnSpc>
+                <a:spcPct val="300000"/>
+              </a:lnSpc>
+              <a:buFont typeface="Arial" panose="020B0604020202020204" pitchFamily="34" charset="0"/>
+              <a:buChar char="•"/>
+            </a:pPr>
+            <a:r>
+              <a:rPr lang="hu-HU" altLang="ko-KR" sz="2000" dirty="0" err="1"/>
+              <a:t>To</a:t>
+            </a:r>
+            <a:r>
+              <a:rPr lang="hu-HU" altLang="ko-KR" sz="2000" dirty="0"/>
+              <a:t> </a:t>
+            </a:r>
+            <a:r>
+              <a:rPr lang="hu-HU" altLang="ko-KR" sz="2000" dirty="0" err="1"/>
+              <a:t>serve</a:t>
+            </a:r>
+            <a:r>
+              <a:rPr lang="hu-HU" altLang="ko-KR" sz="2000" dirty="0"/>
+              <a:t> </a:t>
+            </a:r>
+            <a:r>
+              <a:rPr lang="hu-HU" altLang="ko-KR" sz="2000" dirty="0" err="1"/>
+              <a:t>the</a:t>
+            </a:r>
+            <a:r>
+              <a:rPr lang="hu-HU" altLang="ko-KR" sz="2000" dirty="0"/>
+              <a:t> </a:t>
+            </a:r>
+            <a:r>
+              <a:rPr lang="hu-HU" altLang="ko-KR" sz="2000" dirty="0" err="1"/>
+              <a:t>users</a:t>
+            </a:r>
+            <a:r>
+              <a:rPr lang="hu-HU" altLang="ko-KR" sz="2000" dirty="0"/>
+              <a:t> </a:t>
+            </a:r>
+            <a:r>
+              <a:rPr lang="hu-HU" altLang="ko-KR" sz="2000" dirty="0" err="1"/>
+              <a:t>with</a:t>
+            </a:r>
+            <a:r>
+              <a:rPr lang="hu-HU" altLang="ko-KR" sz="2000" dirty="0"/>
+              <a:t> </a:t>
+            </a:r>
+            <a:r>
+              <a:rPr lang="hu-HU" altLang="ko-KR" sz="2000" dirty="0" err="1"/>
+              <a:t>products</a:t>
+            </a:r>
+            <a:r>
+              <a:rPr lang="hu-HU" altLang="ko-KR" sz="2000" dirty="0"/>
+              <a:t> </a:t>
+            </a:r>
+            <a:r>
+              <a:rPr lang="hu-HU" altLang="ko-KR" sz="2000" dirty="0" err="1"/>
+              <a:t>as</a:t>
+            </a:r>
+            <a:r>
+              <a:rPr lang="hu-HU" altLang="ko-KR" sz="2000" dirty="0"/>
+              <a:t> </a:t>
+            </a:r>
+            <a:r>
+              <a:rPr lang="hu-HU" altLang="ko-KR" sz="2000" dirty="0" err="1"/>
+              <a:t>well</a:t>
+            </a:r>
+            <a:endParaRPr lang="hu-HU" altLang="ko-KR" sz="2000" dirty="0"/>
+          </a:p>
+          <a:p>
+            <a:pPr>
+              <a:lnSpc>
+                <a:spcPct val="300000"/>
+              </a:lnSpc>
+              <a:buFont typeface="Arial" panose="020B0604020202020204" pitchFamily="34" charset="0"/>
+              <a:buChar char="•"/>
+            </a:pPr>
+            <a:r>
+              <a:rPr lang="en-US" altLang="ko-KR" sz="2000" dirty="0"/>
+              <a:t>For ensuring a purchase</a:t>
+            </a:r>
+            <a:r>
+              <a:rPr lang="hu-HU" altLang="ko-KR" sz="2000" dirty="0"/>
+              <a:t> of a </a:t>
+            </a:r>
+            <a:r>
+              <a:rPr lang="hu-HU" altLang="ko-KR" sz="2000" dirty="0" err="1"/>
+              <a:t>tire</a:t>
+            </a:r>
+            <a:r>
+              <a:rPr lang="hu-HU" altLang="ko-KR" sz="2000" dirty="0"/>
+              <a:t>,</a:t>
+            </a:r>
+            <a:r>
+              <a:rPr lang="en-US" altLang="ko-KR" sz="2000" dirty="0"/>
+              <a:t> a wheel height calculator</a:t>
+            </a:r>
+            <a:endParaRPr lang="hu-HU" altLang="ko-KR" sz="2000" dirty="0"/>
+          </a:p>
+          <a:p>
+            <a:endParaRPr lang="en-US" altLang="ko-KR" dirty="0"/>
+          </a:p>
+        </p:txBody>
+      </p:sp>
+    </p:spTree>
+    <p:extLst>
+      <p:ext uri="{BB962C8B-B14F-4D97-AF65-F5344CB8AC3E}">
+        <p14:creationId xmlns:p14="http://schemas.microsoft.com/office/powerpoint/2010/main" val="3479340946"/>
+      </p:ext>
+    </p:extLst>
+  </p:cSld>
+  <p:clrMapOvr>
+    <a:masterClrMapping/>
+  </p:clrMapOvr>
+</p:sld>
+</file>
+
+<file path=ppt/slides/slide3.xml><?xml version="1.0" encoding="utf-8"?>
+<p:sld xmlns:a="http://schemas.openxmlformats.org/drawingml/2006/main" xmlns:r="http://schemas.openxmlformats.org/officeDocument/2006/relationships" xmlns:p="http://schemas.openxmlformats.org/presentationml/2006/main">
+  <p:cSld>
+    <p:spTree>
+      <p:nvGrpSpPr>
+        <p:cNvPr id="1" name=""/>
+        <p:cNvGrpSpPr/>
+        <p:nvPr/>
+      </p:nvGrpSpPr>
+      <p:grpSpPr>
+        <a:xfrm>
+          <a:off x="0" y="0"/>
+          <a:ext cx="0" cy="0"/>
+          <a:chOff x="0" y="0"/>
+          <a:chExt cx="0" cy="0"/>
+        </a:xfrm>
+      </p:grpSpPr>
+      <p:sp>
+        <p:nvSpPr>
+          <p:cNvPr id="2" name="제목 1"/>
+          <p:cNvSpPr>
+            <a:spLocks noGrp="1"/>
+          </p:cNvSpPr>
+          <p:nvPr>
+            <p:ph type="title"/>
+          </p:nvPr>
+        </p:nvSpPr>
+        <p:spPr/>
+        <p:txBody>
+          <a:bodyPr>
+            <a:noAutofit/>
+          </a:bodyPr>
+          <a:lstStyle/>
+          <a:p>
+            <a:pPr algn="ctr"/>
+            <a:r>
+              <a:rPr lang="hu-HU" altLang="ko-KR" sz="5400" dirty="0" err="1"/>
+              <a:t>Pages</a:t>
+            </a:r>
+            <a:endParaRPr lang="ko-KR" altLang="en-US" sz="5400" dirty="0"/>
+          </a:p>
+        </p:txBody>
+      </p:sp>
+      <p:sp>
+        <p:nvSpPr>
+          <p:cNvPr id="10" name="내용 개체 틀 36">
+            <a:extLst>
+              <a:ext uri="{FF2B5EF4-FFF2-40B4-BE49-F238E27FC236}">
+                <a16:creationId xmlns:a16="http://schemas.microsoft.com/office/drawing/2014/main" id="{A1A1A9F7-E617-485C-B95B-F14F4590D0BB}"/>
+              </a:ext>
+            </a:extLst>
+          </p:cNvPr>
+          <p:cNvSpPr>
+            <a:spLocks noGrp="1"/>
+          </p:cNvSpPr>
+          <p:nvPr>
+            <p:ph idx="1"/>
+          </p:nvPr>
+        </p:nvSpPr>
+        <p:spPr>
+          <a:xfrm>
+            <a:off x="4067944" y="1196752"/>
+            <a:ext cx="4896544" cy="4752528"/>
+          </a:xfrm>
+        </p:spPr>
+        <p:txBody>
+          <a:bodyPr>
+            <a:normAutofit/>
+          </a:bodyPr>
+          <a:lstStyle/>
+          <a:p>
+            <a:pPr lvl="1">
+              <a:lnSpc>
+                <a:spcPct val="300000"/>
+              </a:lnSpc>
+              <a:buFont typeface="Arial" panose="020B0604020202020204" pitchFamily="34" charset="0"/>
+              <a:buChar char="•"/>
+            </a:pPr>
+            <a:r>
+              <a:rPr lang="hu-HU" altLang="ko-KR" sz="2000" b="1" dirty="0" err="1">
+                <a:solidFill>
+                  <a:schemeClr val="tx1"/>
+                </a:solidFill>
+              </a:rPr>
+              <a:t>With</a:t>
+            </a:r>
+            <a:r>
+              <a:rPr lang="hu-HU" altLang="ko-KR" sz="2000" b="1" dirty="0">
+                <a:solidFill>
+                  <a:schemeClr val="tx1"/>
+                </a:solidFill>
+              </a:rPr>
+              <a:t> </a:t>
+            </a:r>
+            <a:r>
+              <a:rPr lang="hu-HU" altLang="ko-KR" sz="2000" b="1" dirty="0" err="1">
+                <a:solidFill>
+                  <a:schemeClr val="tx1"/>
+                </a:solidFill>
+              </a:rPr>
+              <a:t>registration</a:t>
+            </a:r>
+            <a:r>
+              <a:rPr lang="hu-HU" altLang="ko-KR" sz="2000" b="1" dirty="0">
+                <a:solidFill>
+                  <a:schemeClr val="tx1"/>
+                </a:solidFill>
+              </a:rPr>
+              <a:t> (</a:t>
+            </a:r>
+            <a:r>
+              <a:rPr lang="hu-HU" altLang="ko-KR" sz="2000" b="1" dirty="0" err="1">
+                <a:solidFill>
+                  <a:schemeClr val="tx1"/>
+                </a:solidFill>
+              </a:rPr>
+              <a:t>Additional</a:t>
+            </a:r>
+            <a:r>
+              <a:rPr lang="hu-HU" altLang="ko-KR" sz="2000" b="1" dirty="0">
+                <a:solidFill>
+                  <a:schemeClr val="tx1"/>
+                </a:solidFill>
+              </a:rPr>
+              <a:t> </a:t>
+            </a:r>
+            <a:r>
+              <a:rPr lang="hu-HU" altLang="ko-KR" sz="2000" b="1" dirty="0" err="1">
+                <a:solidFill>
+                  <a:schemeClr val="tx1"/>
+                </a:solidFill>
+              </a:rPr>
+              <a:t>pages</a:t>
+            </a:r>
+            <a:r>
+              <a:rPr lang="hu-HU" altLang="ko-KR" sz="2000" b="1" dirty="0">
+                <a:solidFill>
+                  <a:schemeClr val="tx1"/>
+                </a:solidFill>
+              </a:rPr>
+              <a:t>)</a:t>
+            </a:r>
+          </a:p>
+          <a:p>
+            <a:pPr lvl="3">
+              <a:lnSpc>
+                <a:spcPct val="110000"/>
+              </a:lnSpc>
+              <a:buFont typeface="Arial" panose="020B0604020202020204" pitchFamily="34" charset="0"/>
+              <a:buChar char="•"/>
+            </a:pPr>
+            <a:r>
+              <a:rPr lang="hu-HU" altLang="ko-KR" sz="2000" dirty="0"/>
+              <a:t>Jármű lekérdezés</a:t>
+            </a:r>
+          </a:p>
+          <a:p>
+            <a:pPr lvl="3">
+              <a:lnSpc>
+                <a:spcPct val="110000"/>
+              </a:lnSpc>
+              <a:buFont typeface="Arial" panose="020B0604020202020204" pitchFamily="34" charset="0"/>
+              <a:buChar char="•"/>
+            </a:pPr>
+            <a:r>
+              <a:rPr lang="hu-HU" altLang="ko-KR" sz="2000" dirty="0"/>
+              <a:t>Termékek</a:t>
+            </a:r>
+          </a:p>
+          <a:p>
+            <a:pPr lvl="3">
+              <a:lnSpc>
+                <a:spcPct val="110000"/>
+              </a:lnSpc>
+              <a:buFont typeface="Arial" panose="020B0604020202020204" pitchFamily="34" charset="0"/>
+              <a:buChar char="•"/>
+            </a:pPr>
+            <a:r>
+              <a:rPr lang="hu-HU" altLang="ko-KR" sz="2000" dirty="0"/>
+              <a:t>Kosár</a:t>
+            </a:r>
+          </a:p>
+          <a:p>
+            <a:pPr lvl="3">
+              <a:buFont typeface="Arial" panose="020B0604020202020204" pitchFamily="34" charset="0"/>
+              <a:buChar char="•"/>
+            </a:pPr>
+            <a:r>
+              <a:rPr lang="hu-HU" altLang="ko-KR" sz="2000" dirty="0"/>
+              <a:t>Kerékmagasság kalkulátor</a:t>
+            </a:r>
+          </a:p>
+          <a:p>
+            <a:pPr lvl="1">
+              <a:lnSpc>
+                <a:spcPct val="300000"/>
+              </a:lnSpc>
+              <a:buFont typeface="Arial" panose="020B0604020202020204" pitchFamily="34" charset="0"/>
+              <a:buChar char="•"/>
+            </a:pPr>
+            <a:endParaRPr lang="hu-HU" altLang="ko-KR" sz="2000" b="1" dirty="0"/>
+          </a:p>
+          <a:p>
+            <a:endParaRPr lang="en-US" altLang="ko-KR" dirty="0"/>
+          </a:p>
+        </p:txBody>
+      </p:sp>
+      <p:sp>
+        <p:nvSpPr>
+          <p:cNvPr id="11" name="내용 개체 틀 36">
+            <a:extLst>
+              <a:ext uri="{FF2B5EF4-FFF2-40B4-BE49-F238E27FC236}">
+                <a16:creationId xmlns:a16="http://schemas.microsoft.com/office/drawing/2014/main" id="{BF213663-948C-41EE-B2A9-5B6831D49778}"/>
+              </a:ext>
+            </a:extLst>
+          </p:cNvPr>
+          <p:cNvSpPr txBox="1">
+            <a:spLocks/>
+          </p:cNvSpPr>
+          <p:nvPr/>
+        </p:nvSpPr>
+        <p:spPr>
+          <a:xfrm>
+            <a:off x="-108520" y="1196752"/>
+            <a:ext cx="4608513" cy="4752528"/>
+          </a:xfrm>
+          <a:prstGeom prst="rect">
+            <a:avLst/>
+          </a:prstGeom>
+        </p:spPr>
+        <p:txBody>
+          <a:bodyPr vert="horz" lIns="91440" tIns="45720" rIns="91440" bIns="45720" rtlCol="0">
+            <a:normAutofit/>
+          </a:bodyPr>
+          <a:lstStyle>
+            <a:lvl1pPr marL="342900" indent="-342900" algn="l" defTabSz="914400" rtl="0" eaLnBrk="1" latinLnBrk="1" hangingPunct="1">
+              <a:spcBef>
+                <a:spcPct val="20000"/>
+              </a:spcBef>
+              <a:buFont typeface="Arial" pitchFamily="34" charset="0"/>
+              <a:buNone/>
+              <a:defRPr lang="ko-KR" altLang="en-US" sz="1600" i="1" kern="1200" baseline="0">
+                <a:solidFill>
+                  <a:schemeClr val="tx1">
+                    <a:lumMod val="65000"/>
+                    <a:lumOff val="35000"/>
+                  </a:schemeClr>
+                </a:solidFill>
+                <a:latin typeface="+mj-lt"/>
+                <a:ea typeface="맑은 고딕" pitchFamily="50" charset="-127"/>
+                <a:cs typeface="+mn-cs"/>
+              </a:defRPr>
+            </a:lvl1pPr>
+            <a:lvl2pPr marL="742950" indent="-285750" algn="l" defTabSz="914400" rtl="0" eaLnBrk="1" latinLnBrk="1" hangingPunct="1">
+              <a:spcBef>
+                <a:spcPct val="20000"/>
+              </a:spcBef>
+              <a:buFont typeface="Arial" pitchFamily="34" charset="0"/>
+              <a:buNone/>
+              <a:defRPr lang="ko-KR" altLang="en-US" sz="1600" i="1" kern="1200" baseline="0">
+                <a:solidFill>
+                  <a:schemeClr val="tx1">
+                    <a:lumMod val="65000"/>
+                    <a:lumOff val="35000"/>
+                  </a:schemeClr>
+                </a:solidFill>
+                <a:latin typeface="+mj-lt"/>
+                <a:ea typeface="맑은 고딕" pitchFamily="50" charset="-127"/>
+                <a:cs typeface="+mn-cs"/>
+              </a:defRPr>
+            </a:lvl2pPr>
+            <a:lvl3pPr marL="1143000" indent="-228600" algn="l" defTabSz="914400" rtl="0" eaLnBrk="1" latinLnBrk="1" hangingPunct="1">
+              <a:spcBef>
+                <a:spcPct val="20000"/>
+              </a:spcBef>
+              <a:buFont typeface="Arial" pitchFamily="34" charset="0"/>
+              <a:buNone/>
+              <a:defRPr lang="ko-KR" altLang="en-US" sz="1600" i="1" kern="1200" baseline="0">
+                <a:solidFill>
+                  <a:schemeClr val="tx1">
+                    <a:lumMod val="65000"/>
+                    <a:lumOff val="35000"/>
+                  </a:schemeClr>
+                </a:solidFill>
+                <a:latin typeface="+mj-lt"/>
+                <a:ea typeface="맑은 고딕" pitchFamily="50" charset="-127"/>
+                <a:cs typeface="+mn-cs"/>
+              </a:defRPr>
+            </a:lvl3pPr>
+            <a:lvl4pPr marL="1600200" indent="-228600" algn="l" defTabSz="914400" rtl="0" eaLnBrk="1" latinLnBrk="1" hangingPunct="1">
+              <a:spcBef>
+                <a:spcPct val="20000"/>
+              </a:spcBef>
+              <a:buFont typeface="Arial" pitchFamily="34" charset="0"/>
+              <a:buNone/>
+              <a:defRPr lang="ko-KR" altLang="en-US" sz="1600" i="1" kern="1200" baseline="0">
+                <a:solidFill>
+                  <a:schemeClr val="tx1">
+                    <a:lumMod val="65000"/>
+                    <a:lumOff val="35000"/>
+                  </a:schemeClr>
+                </a:solidFill>
+                <a:latin typeface="+mj-lt"/>
+                <a:ea typeface="맑은 고딕" pitchFamily="50" charset="-127"/>
+                <a:cs typeface="+mn-cs"/>
+              </a:defRPr>
+            </a:lvl4pPr>
+            <a:lvl5pPr marL="2057400" indent="-228600" algn="l" defTabSz="914400" rtl="0" eaLnBrk="1" latinLnBrk="1" hangingPunct="1">
+              <a:spcBef>
+                <a:spcPct val="20000"/>
+              </a:spcBef>
+              <a:buFont typeface="Arial" pitchFamily="34" charset="0"/>
+              <a:buNone/>
+              <a:defRPr lang="ko-KR" altLang="en-US" sz="1600" i="1" kern="1200" baseline="0">
+                <a:solidFill>
+                  <a:schemeClr val="tx1">
+                    <a:lumMod val="65000"/>
+                    <a:lumOff val="35000"/>
+                  </a:schemeClr>
+                </a:solidFill>
+                <a:latin typeface="+mj-lt"/>
+                <a:ea typeface="맑은 고딕" pitchFamily="50" charset="-127"/>
+                <a:cs typeface="+mn-cs"/>
+              </a:defRPr>
+            </a:lvl5pPr>
+            <a:lvl6pPr marL="2514600" indent="-228600" algn="l" defTabSz="914400" rtl="0" eaLnBrk="1" latinLnBrk="1" hangingPunct="1">
+              <a:spcBef>
+                <a:spcPct val="20000"/>
+              </a:spcBef>
+              <a:buFont typeface="Arial" pitchFamily="34" charset="0"/>
+              <a:buChar char="•"/>
+              <a:defRPr sz="2000" kern="1200">
+                <a:solidFill>
+                  <a:schemeClr val="tx1"/>
+                </a:solidFill>
+                <a:latin typeface="+mn-lt"/>
+                <a:ea typeface="+mn-ea"/>
+                <a:cs typeface="+mn-cs"/>
+              </a:defRPr>
+            </a:lvl6pPr>
+            <a:lvl7pPr marL="2971800" indent="-228600" algn="l" defTabSz="914400" rtl="0" eaLnBrk="1" latinLnBrk="1" hangingPunct="1">
+              <a:spcBef>
+                <a:spcPct val="20000"/>
+              </a:spcBef>
+              <a:buFont typeface="Arial" pitchFamily="34" charset="0"/>
+              <a:buChar char="•"/>
+              <a:defRPr sz="2000" kern="1200">
+                <a:solidFill>
+                  <a:schemeClr val="tx1"/>
+                </a:solidFill>
+                <a:latin typeface="+mn-lt"/>
+                <a:ea typeface="+mn-ea"/>
+                <a:cs typeface="+mn-cs"/>
+              </a:defRPr>
+            </a:lvl7pPr>
+            <a:lvl8pPr marL="3429000" indent="-228600" algn="l" defTabSz="914400" rtl="0" eaLnBrk="1" latinLnBrk="1" hangingPunct="1">
+              <a:spcBef>
+                <a:spcPct val="20000"/>
+              </a:spcBef>
+              <a:buFont typeface="Arial" pitchFamily="34" charset="0"/>
+              <a:buChar char="•"/>
+              <a:defRPr sz="2000" kern="1200">
+                <a:solidFill>
+                  <a:schemeClr val="tx1"/>
+                </a:solidFill>
+                <a:latin typeface="+mn-lt"/>
+                <a:ea typeface="+mn-ea"/>
+                <a:cs typeface="+mn-cs"/>
+              </a:defRPr>
+            </a:lvl8pPr>
+            <a:lvl9pPr marL="3886200" indent="-228600" algn="l" defTabSz="914400" rtl="0" eaLnBrk="1" latinLnBrk="1" hangingPunct="1">
+              <a:spcBef>
+                <a:spcPct val="20000"/>
+              </a:spcBef>
+              <a:buFont typeface="Arial" pitchFamily="34" charset="0"/>
+              <a:buChar char="•"/>
+              <a:defRPr sz="2000" kern="1200">
+                <a:solidFill>
+                  <a:schemeClr val="tx1"/>
+                </a:solidFill>
+                <a:latin typeface="+mn-lt"/>
+                <a:ea typeface="+mn-ea"/>
+                <a:cs typeface="+mn-cs"/>
+              </a:defRPr>
+            </a:lvl9pPr>
+          </a:lstStyle>
+          <a:p>
+            <a:pPr lvl="1">
+              <a:lnSpc>
+                <a:spcPct val="300000"/>
+              </a:lnSpc>
+              <a:buFont typeface="Arial" panose="020B0604020202020204" pitchFamily="34" charset="0"/>
+              <a:buChar char="•"/>
+            </a:pPr>
+            <a:r>
+              <a:rPr lang="hu-HU" altLang="ko-KR" sz="2000" b="1" dirty="0" err="1">
+                <a:solidFill>
+                  <a:schemeClr val="tx1"/>
+                </a:solidFill>
+              </a:rPr>
+              <a:t>Without</a:t>
+            </a:r>
+            <a:r>
+              <a:rPr lang="hu-HU" altLang="ko-KR" sz="2000" b="1" dirty="0">
+                <a:solidFill>
+                  <a:schemeClr val="tx1"/>
+                </a:solidFill>
+              </a:rPr>
+              <a:t> </a:t>
+            </a:r>
+            <a:r>
+              <a:rPr lang="hu-HU" altLang="ko-KR" sz="2000" b="1" dirty="0" err="1">
+                <a:solidFill>
+                  <a:schemeClr val="tx1"/>
+                </a:solidFill>
+              </a:rPr>
+              <a:t>registration</a:t>
+            </a:r>
+            <a:endParaRPr lang="hu-HU" altLang="ko-KR" sz="2000" b="1" dirty="0">
+              <a:solidFill>
+                <a:schemeClr val="tx1"/>
+              </a:solidFill>
+            </a:endParaRPr>
+          </a:p>
+          <a:p>
+            <a:pPr lvl="3">
+              <a:lnSpc>
+                <a:spcPct val="110000"/>
+              </a:lnSpc>
+              <a:buFont typeface="Arial" pitchFamily="34" charset="0"/>
+              <a:buChar char="•"/>
+            </a:pPr>
+            <a:r>
+              <a:rPr lang="hu-HU" altLang="ko-KR" sz="2000" dirty="0"/>
+              <a:t>Kezdőlap</a:t>
+            </a:r>
+          </a:p>
+          <a:p>
+            <a:pPr lvl="3">
+              <a:lnSpc>
+                <a:spcPct val="110000"/>
+              </a:lnSpc>
+              <a:buFont typeface="Arial" pitchFamily="34" charset="0"/>
+              <a:buChar char="•"/>
+            </a:pPr>
+            <a:r>
+              <a:rPr lang="hu-HU" altLang="ko-KR" sz="2000" dirty="0"/>
+              <a:t>Kapcsolat</a:t>
+            </a:r>
+          </a:p>
+          <a:p>
+            <a:pPr lvl="3">
+              <a:lnSpc>
+                <a:spcPct val="110000"/>
+              </a:lnSpc>
+              <a:buFont typeface="Arial" pitchFamily="34" charset="0"/>
+              <a:buChar char="•"/>
+            </a:pPr>
+            <a:r>
+              <a:rPr lang="hu-HU" altLang="ko-KR" sz="2000" dirty="0"/>
+              <a:t>Tudj meg többet</a:t>
+            </a:r>
+          </a:p>
+          <a:p>
+            <a:pPr lvl="3">
+              <a:lnSpc>
+                <a:spcPct val="110000"/>
+              </a:lnSpc>
+              <a:buFont typeface="Arial" pitchFamily="34" charset="0"/>
+              <a:buChar char="•"/>
+            </a:pPr>
+            <a:r>
+              <a:rPr lang="hu-HU" altLang="ko-KR" sz="2000" dirty="0"/>
+              <a:t>Vendégoldal</a:t>
+            </a:r>
+          </a:p>
+          <a:p>
+            <a:pPr lvl="3">
+              <a:lnSpc>
+                <a:spcPct val="110000"/>
+              </a:lnSpc>
+              <a:buFont typeface="Arial" pitchFamily="34" charset="0"/>
+              <a:buChar char="•"/>
+            </a:pPr>
+            <a:r>
+              <a:rPr lang="hu-HU" altLang="ko-KR" sz="2000" dirty="0"/>
+              <a:t>Bejelentkezés/Regisztráció</a:t>
+            </a:r>
+          </a:p>
+          <a:p>
+            <a:pPr lvl="3">
+              <a:buFont typeface="Arial" pitchFamily="34" charset="0"/>
+              <a:buChar char="•"/>
+            </a:pPr>
+            <a:endParaRPr lang="hu-HU" altLang="ko-KR" sz="2000" b="1" dirty="0"/>
+          </a:p>
+          <a:p>
+            <a:pPr lvl="1">
+              <a:lnSpc>
+                <a:spcPct val="300000"/>
+              </a:lnSpc>
+              <a:buFont typeface="Arial" panose="020B0604020202020204" pitchFamily="34" charset="0"/>
+              <a:buChar char="•"/>
+            </a:pPr>
+            <a:endParaRPr lang="hu-HU" altLang="ko-KR" sz="2000" b="1" dirty="0"/>
+          </a:p>
+          <a:p>
+            <a:endParaRPr lang="en-US" altLang="ko-KR" dirty="0"/>
+          </a:p>
+        </p:txBody>
+      </p:sp>
+    </p:spTree>
+    <p:extLst>
+      <p:ext uri="{BB962C8B-B14F-4D97-AF65-F5344CB8AC3E}">
+        <p14:creationId xmlns:p14="http://schemas.microsoft.com/office/powerpoint/2010/main" val="3357147046"/>
+      </p:ext>
+    </p:extLst>
+  </p:cSld>
+  <p:clrMapOvr>
+    <a:masterClrMapping/>
+  </p:clrMapOvr>
+</p:sld>
+</file>
+
+<file path=ppt/slides/slide4.xml><?xml version="1.0" encoding="utf-8"?>
+<p:sld xmlns:a="http://schemas.openxmlformats.org/drawingml/2006/main" xmlns:r="http://schemas.openxmlformats.org/officeDocument/2006/relationships" xmlns:p="http://schemas.openxmlformats.org/presentationml/2006/main">
+  <p:cSld>
+    <p:spTree>
+      <p:nvGrpSpPr>
+        <p:cNvPr id="1" name=""/>
+        <p:cNvGrpSpPr/>
+        <p:nvPr/>
+      </p:nvGrpSpPr>
+      <p:grpSpPr>
+        <a:xfrm>
+          <a:off x="0" y="0"/>
+          <a:ext cx="0" cy="0"/>
+          <a:chOff x="0" y="0"/>
+          <a:chExt cx="0" cy="0"/>
+        </a:xfrm>
+      </p:grpSpPr>
+      <p:sp>
+        <p:nvSpPr>
+          <p:cNvPr id="2" name="제목 1"/>
+          <p:cNvSpPr>
+            <a:spLocks noGrp="1"/>
+          </p:cNvSpPr>
+          <p:nvPr>
+            <p:ph type="title"/>
+          </p:nvPr>
+        </p:nvSpPr>
+        <p:spPr/>
+        <p:txBody>
+          <a:bodyPr>
+            <a:noAutofit/>
+          </a:bodyPr>
+          <a:lstStyle/>
+          <a:p>
+            <a:pPr algn="ctr"/>
+            <a:r>
+              <a:rPr lang="hu-HU" altLang="ko-KR" sz="5400" dirty="0"/>
+              <a:t>The program</a:t>
+            </a:r>
+            <a:endParaRPr lang="ko-KR" altLang="en-US" sz="5400" dirty="0"/>
+          </a:p>
+        </p:txBody>
+      </p:sp>
+      <p:sp>
+        <p:nvSpPr>
+          <p:cNvPr id="10" name="내용 개체 틀 36">
+            <a:extLst>
+              <a:ext uri="{FF2B5EF4-FFF2-40B4-BE49-F238E27FC236}">
+                <a16:creationId xmlns:a16="http://schemas.microsoft.com/office/drawing/2014/main" id="{A1A1A9F7-E617-485C-B95B-F14F4590D0BB}"/>
+              </a:ext>
+            </a:extLst>
+          </p:cNvPr>
+          <p:cNvSpPr>
+            <a:spLocks noGrp="1"/>
+          </p:cNvSpPr>
+          <p:nvPr>
+            <p:ph idx="1"/>
+          </p:nvPr>
+        </p:nvSpPr>
+        <p:spPr>
+          <a:xfrm>
+            <a:off x="4572000" y="980728"/>
+            <a:ext cx="4320480" cy="3019516"/>
+          </a:xfrm>
+        </p:spPr>
+        <p:txBody>
+          <a:bodyPr>
+            <a:normAutofit lnSpcReduction="10000"/>
+          </a:bodyPr>
+          <a:lstStyle/>
+          <a:p>
+            <a:pPr lvl="1">
+              <a:lnSpc>
+                <a:spcPct val="300000"/>
+              </a:lnSpc>
+              <a:buFont typeface="Arial" panose="020B0604020202020204" pitchFamily="34" charset="0"/>
+              <a:buChar char="•"/>
+            </a:pPr>
+            <a:r>
+              <a:rPr lang="hu-HU" altLang="ko-KR" sz="2800" b="1" dirty="0">
+                <a:solidFill>
+                  <a:schemeClr val="tx1"/>
+                </a:solidFill>
+              </a:rPr>
+              <a:t>Frontend</a:t>
+            </a:r>
+          </a:p>
+          <a:p>
+            <a:pPr lvl="3">
+              <a:lnSpc>
+                <a:spcPct val="110000"/>
+              </a:lnSpc>
+              <a:buFont typeface="Arial" panose="020B0604020202020204" pitchFamily="34" charset="0"/>
+              <a:buChar char="•"/>
+            </a:pPr>
+            <a:r>
+              <a:rPr lang="hu-HU" altLang="ko-KR" sz="2800" dirty="0"/>
+              <a:t>HTML5</a:t>
+            </a:r>
+          </a:p>
+          <a:p>
+            <a:pPr lvl="3">
+              <a:lnSpc>
+                <a:spcPct val="110000"/>
+              </a:lnSpc>
+              <a:buFont typeface="Arial" panose="020B0604020202020204" pitchFamily="34" charset="0"/>
+              <a:buChar char="•"/>
+            </a:pPr>
+            <a:r>
+              <a:rPr lang="hu-HU" altLang="ko-KR" sz="2800" dirty="0" err="1"/>
+              <a:t>Bootstrap</a:t>
+            </a:r>
+            <a:endParaRPr lang="hu-HU" altLang="ko-KR" sz="2800" dirty="0"/>
+          </a:p>
+          <a:p>
+            <a:pPr lvl="3">
+              <a:lnSpc>
+                <a:spcPct val="110000"/>
+              </a:lnSpc>
+              <a:buFont typeface="Arial" panose="020B0604020202020204" pitchFamily="34" charset="0"/>
+              <a:buChar char="•"/>
+            </a:pPr>
+            <a:r>
+              <a:rPr lang="hu-HU" altLang="ko-KR" sz="2800" dirty="0" err="1"/>
+              <a:t>VueJs</a:t>
+            </a:r>
+            <a:endParaRPr lang="hu-HU" altLang="ko-KR" sz="2800" b="1" dirty="0"/>
+          </a:p>
+          <a:p>
+            <a:endParaRPr lang="en-US" altLang="ko-KR" sz="2000" dirty="0"/>
+          </a:p>
+        </p:txBody>
+      </p:sp>
+      <p:sp>
+        <p:nvSpPr>
+          <p:cNvPr id="11" name="내용 개체 틀 36">
+            <a:extLst>
+              <a:ext uri="{FF2B5EF4-FFF2-40B4-BE49-F238E27FC236}">
+                <a16:creationId xmlns:a16="http://schemas.microsoft.com/office/drawing/2014/main" id="{BF213663-948C-41EE-B2A9-5B6831D49778}"/>
+              </a:ext>
+            </a:extLst>
+          </p:cNvPr>
+          <p:cNvSpPr txBox="1">
+            <a:spLocks/>
+          </p:cNvSpPr>
+          <p:nvPr/>
+        </p:nvSpPr>
+        <p:spPr>
+          <a:xfrm>
+            <a:off x="395536" y="980728"/>
+            <a:ext cx="4104457" cy="3240360"/>
+          </a:xfrm>
+          <a:prstGeom prst="rect">
+            <a:avLst/>
+          </a:prstGeom>
+        </p:spPr>
+        <p:txBody>
+          <a:bodyPr vert="horz" lIns="91440" tIns="45720" rIns="91440" bIns="45720" rtlCol="0">
+            <a:normAutofit/>
+          </a:bodyPr>
+          <a:lstStyle>
+            <a:lvl1pPr marL="342900" indent="-342900" algn="l" defTabSz="914400" rtl="0" eaLnBrk="1" latinLnBrk="1" hangingPunct="1">
+              <a:spcBef>
+                <a:spcPct val="20000"/>
+              </a:spcBef>
+              <a:buFont typeface="Arial" pitchFamily="34" charset="0"/>
+              <a:buNone/>
+              <a:defRPr lang="ko-KR" altLang="en-US" sz="1600" i="1" kern="1200" baseline="0">
+                <a:solidFill>
+                  <a:schemeClr val="tx1">
+                    <a:lumMod val="65000"/>
+                    <a:lumOff val="35000"/>
+                  </a:schemeClr>
+                </a:solidFill>
+                <a:latin typeface="+mj-lt"/>
+                <a:ea typeface="맑은 고딕" pitchFamily="50" charset="-127"/>
+                <a:cs typeface="+mn-cs"/>
+              </a:defRPr>
+            </a:lvl1pPr>
+            <a:lvl2pPr marL="742950" indent="-285750" algn="l" defTabSz="914400" rtl="0" eaLnBrk="1" latinLnBrk="1" hangingPunct="1">
+              <a:spcBef>
+                <a:spcPct val="20000"/>
+              </a:spcBef>
+              <a:buFont typeface="Arial" pitchFamily="34" charset="0"/>
+              <a:buNone/>
+              <a:defRPr lang="ko-KR" altLang="en-US" sz="1600" i="1" kern="1200" baseline="0">
+                <a:solidFill>
+                  <a:schemeClr val="tx1">
+                    <a:lumMod val="65000"/>
+                    <a:lumOff val="35000"/>
+                  </a:schemeClr>
+                </a:solidFill>
+                <a:latin typeface="+mj-lt"/>
+                <a:ea typeface="맑은 고딕" pitchFamily="50" charset="-127"/>
+                <a:cs typeface="+mn-cs"/>
+              </a:defRPr>
+            </a:lvl2pPr>
+            <a:lvl3pPr marL="1143000" indent="-228600" algn="l" defTabSz="914400" rtl="0" eaLnBrk="1" latinLnBrk="1" hangingPunct="1">
+              <a:spcBef>
+                <a:spcPct val="20000"/>
+              </a:spcBef>
+              <a:buFont typeface="Arial" pitchFamily="34" charset="0"/>
+              <a:buNone/>
+              <a:defRPr lang="ko-KR" altLang="en-US" sz="1600" i="1" kern="1200" baseline="0">
+                <a:solidFill>
+                  <a:schemeClr val="tx1">
+                    <a:lumMod val="65000"/>
+                    <a:lumOff val="35000"/>
+                  </a:schemeClr>
+                </a:solidFill>
+                <a:latin typeface="+mj-lt"/>
+                <a:ea typeface="맑은 고딕" pitchFamily="50" charset="-127"/>
+                <a:cs typeface="+mn-cs"/>
+              </a:defRPr>
+            </a:lvl3pPr>
+            <a:lvl4pPr marL="1600200" indent="-228600" algn="l" defTabSz="914400" rtl="0" eaLnBrk="1" latinLnBrk="1" hangingPunct="1">
+              <a:spcBef>
+                <a:spcPct val="20000"/>
+              </a:spcBef>
+              <a:buFont typeface="Arial" pitchFamily="34" charset="0"/>
+              <a:buNone/>
+              <a:defRPr lang="ko-KR" altLang="en-US" sz="1600" i="1" kern="1200" baseline="0">
+                <a:solidFill>
+                  <a:schemeClr val="tx1">
+                    <a:lumMod val="65000"/>
+                    <a:lumOff val="35000"/>
+                  </a:schemeClr>
+                </a:solidFill>
+                <a:latin typeface="+mj-lt"/>
+                <a:ea typeface="맑은 고딕" pitchFamily="50" charset="-127"/>
+                <a:cs typeface="+mn-cs"/>
+              </a:defRPr>
+            </a:lvl4pPr>
+            <a:lvl5pPr marL="2057400" indent="-228600" algn="l" defTabSz="914400" rtl="0" eaLnBrk="1" latinLnBrk="1" hangingPunct="1">
+              <a:spcBef>
+                <a:spcPct val="20000"/>
+              </a:spcBef>
+              <a:buFont typeface="Arial" pitchFamily="34" charset="0"/>
+              <a:buNone/>
+              <a:defRPr lang="ko-KR" altLang="en-US" sz="1600" i="1" kern="1200" baseline="0">
+                <a:solidFill>
+                  <a:schemeClr val="tx1">
+                    <a:lumMod val="65000"/>
+                    <a:lumOff val="35000"/>
+                  </a:schemeClr>
+                </a:solidFill>
+                <a:latin typeface="+mj-lt"/>
+                <a:ea typeface="맑은 고딕" pitchFamily="50" charset="-127"/>
+                <a:cs typeface="+mn-cs"/>
+              </a:defRPr>
+            </a:lvl5pPr>
+            <a:lvl6pPr marL="2514600" indent="-228600" algn="l" defTabSz="914400" rtl="0" eaLnBrk="1" latinLnBrk="1" hangingPunct="1">
+              <a:spcBef>
+                <a:spcPct val="20000"/>
+              </a:spcBef>
+              <a:buFont typeface="Arial" pitchFamily="34" charset="0"/>
+              <a:buChar char="•"/>
+              <a:defRPr sz="2000" kern="1200">
+                <a:solidFill>
+                  <a:schemeClr val="tx1"/>
+                </a:solidFill>
+                <a:latin typeface="+mn-lt"/>
+                <a:ea typeface="+mn-ea"/>
+                <a:cs typeface="+mn-cs"/>
+              </a:defRPr>
+            </a:lvl6pPr>
+            <a:lvl7pPr marL="2971800" indent="-228600" algn="l" defTabSz="914400" rtl="0" eaLnBrk="1" latinLnBrk="1" hangingPunct="1">
+              <a:spcBef>
+                <a:spcPct val="20000"/>
+              </a:spcBef>
+              <a:buFont typeface="Arial" pitchFamily="34" charset="0"/>
+              <a:buChar char="•"/>
+              <a:defRPr sz="2000" kern="1200">
+                <a:solidFill>
+                  <a:schemeClr val="tx1"/>
+                </a:solidFill>
+                <a:latin typeface="+mn-lt"/>
+                <a:ea typeface="+mn-ea"/>
+                <a:cs typeface="+mn-cs"/>
+              </a:defRPr>
+            </a:lvl7pPr>
+            <a:lvl8pPr marL="3429000" indent="-228600" algn="l" defTabSz="914400" rtl="0" eaLnBrk="1" latinLnBrk="1" hangingPunct="1">
+              <a:spcBef>
+                <a:spcPct val="20000"/>
+              </a:spcBef>
+              <a:buFont typeface="Arial" pitchFamily="34" charset="0"/>
+              <a:buChar char="•"/>
+              <a:defRPr sz="2000" kern="1200">
+                <a:solidFill>
+                  <a:schemeClr val="tx1"/>
+                </a:solidFill>
+                <a:latin typeface="+mn-lt"/>
+                <a:ea typeface="+mn-ea"/>
+                <a:cs typeface="+mn-cs"/>
+              </a:defRPr>
+            </a:lvl8pPr>
+            <a:lvl9pPr marL="3886200" indent="-228600" algn="l" defTabSz="914400" rtl="0" eaLnBrk="1" latinLnBrk="1" hangingPunct="1">
+              <a:spcBef>
+                <a:spcPct val="20000"/>
+              </a:spcBef>
+              <a:buFont typeface="Arial" pitchFamily="34" charset="0"/>
+              <a:buChar char="•"/>
+              <a:defRPr sz="2000" kern="1200">
+                <a:solidFill>
+                  <a:schemeClr val="tx1"/>
+                </a:solidFill>
+                <a:latin typeface="+mn-lt"/>
+                <a:ea typeface="+mn-ea"/>
+                <a:cs typeface="+mn-cs"/>
+              </a:defRPr>
+            </a:lvl9pPr>
+          </a:lstStyle>
+          <a:p>
+            <a:pPr lvl="1">
+              <a:lnSpc>
+                <a:spcPct val="300000"/>
+              </a:lnSpc>
+              <a:buFont typeface="Arial" panose="020B0604020202020204" pitchFamily="34" charset="0"/>
+              <a:buChar char="•"/>
+            </a:pPr>
+            <a:r>
+              <a:rPr lang="hu-HU" altLang="ko-KR" sz="2800" b="1" dirty="0">
+                <a:solidFill>
+                  <a:schemeClr val="tx1"/>
+                </a:solidFill>
+              </a:rPr>
+              <a:t>Backend</a:t>
+            </a:r>
+          </a:p>
+          <a:p>
+            <a:pPr lvl="3">
+              <a:lnSpc>
+                <a:spcPct val="110000"/>
+              </a:lnSpc>
+              <a:buFont typeface="Arial" pitchFamily="34" charset="0"/>
+              <a:buChar char="•"/>
+            </a:pPr>
+            <a:r>
+              <a:rPr lang="hu-HU" altLang="ko-KR" sz="2800" dirty="0"/>
+              <a:t>Node.js</a:t>
+            </a:r>
+          </a:p>
+          <a:p>
+            <a:pPr lvl="3">
+              <a:buFont typeface="Arial" pitchFamily="34" charset="0"/>
+              <a:buChar char="•"/>
+            </a:pPr>
+            <a:endParaRPr lang="hu-HU" altLang="ko-KR" sz="2800" b="1" dirty="0"/>
+          </a:p>
+          <a:p>
+            <a:pPr lvl="1">
+              <a:lnSpc>
+                <a:spcPct val="300000"/>
+              </a:lnSpc>
+              <a:buFont typeface="Arial" panose="020B0604020202020204" pitchFamily="34" charset="0"/>
+              <a:buChar char="•"/>
+            </a:pPr>
+            <a:endParaRPr lang="hu-HU" altLang="ko-KR" sz="2800" b="1" dirty="0"/>
+          </a:p>
+          <a:p>
+            <a:endParaRPr lang="en-US" altLang="ko-KR" sz="2000" dirty="0"/>
+          </a:p>
+        </p:txBody>
+      </p:sp>
+      <p:sp>
+        <p:nvSpPr>
+          <p:cNvPr id="5" name="내용 개체 틀 36">
+            <a:extLst>
+              <a:ext uri="{FF2B5EF4-FFF2-40B4-BE49-F238E27FC236}">
+                <a16:creationId xmlns:a16="http://schemas.microsoft.com/office/drawing/2014/main" id="{CCCF5F44-DE47-4F77-81CC-F346197EEC0A}"/>
+              </a:ext>
+            </a:extLst>
+          </p:cNvPr>
+          <p:cNvSpPr txBox="1">
+            <a:spLocks/>
+          </p:cNvSpPr>
+          <p:nvPr/>
+        </p:nvSpPr>
+        <p:spPr>
+          <a:xfrm>
+            <a:off x="395534" y="3975836"/>
+            <a:ext cx="4104457" cy="2045452"/>
+          </a:xfrm>
+          <a:prstGeom prst="rect">
+            <a:avLst/>
+          </a:prstGeom>
+        </p:spPr>
+        <p:txBody>
+          <a:bodyPr vert="horz" lIns="91440" tIns="45720" rIns="91440" bIns="45720" rtlCol="0">
+            <a:normAutofit/>
+          </a:bodyPr>
+          <a:lstStyle>
+            <a:lvl1pPr marL="342900" indent="-342900" algn="l" defTabSz="914400" rtl="0" eaLnBrk="1" latinLnBrk="1" hangingPunct="1">
+              <a:spcBef>
+                <a:spcPct val="20000"/>
+              </a:spcBef>
+              <a:buFont typeface="Arial" pitchFamily="34" charset="0"/>
+              <a:buNone/>
+              <a:defRPr lang="ko-KR" altLang="en-US" sz="1600" i="1" kern="1200" baseline="0">
+                <a:solidFill>
+                  <a:schemeClr val="tx1">
+                    <a:lumMod val="65000"/>
+                    <a:lumOff val="35000"/>
+                  </a:schemeClr>
+                </a:solidFill>
+                <a:latin typeface="+mj-lt"/>
+                <a:ea typeface="맑은 고딕" pitchFamily="50" charset="-127"/>
+                <a:cs typeface="+mn-cs"/>
+              </a:defRPr>
+            </a:lvl1pPr>
+            <a:lvl2pPr marL="742950" indent="-285750" algn="l" defTabSz="914400" rtl="0" eaLnBrk="1" latinLnBrk="1" hangingPunct="1">
+              <a:spcBef>
+                <a:spcPct val="20000"/>
+              </a:spcBef>
+              <a:buFont typeface="Arial" pitchFamily="34" charset="0"/>
+              <a:buNone/>
+              <a:defRPr lang="ko-KR" altLang="en-US" sz="1600" i="1" kern="1200" baseline="0">
+                <a:solidFill>
+                  <a:schemeClr val="tx1">
+                    <a:lumMod val="65000"/>
+                    <a:lumOff val="35000"/>
+                  </a:schemeClr>
+                </a:solidFill>
+                <a:latin typeface="+mj-lt"/>
+                <a:ea typeface="맑은 고딕" pitchFamily="50" charset="-127"/>
+                <a:cs typeface="+mn-cs"/>
+              </a:defRPr>
+            </a:lvl2pPr>
+            <a:lvl3pPr marL="1143000" indent="-228600" algn="l" defTabSz="914400" rtl="0" eaLnBrk="1" latinLnBrk="1" hangingPunct="1">
+              <a:spcBef>
+                <a:spcPct val="20000"/>
+              </a:spcBef>
+              <a:buFont typeface="Arial" pitchFamily="34" charset="0"/>
+              <a:buNone/>
+              <a:defRPr lang="ko-KR" altLang="en-US" sz="1600" i="1" kern="1200" baseline="0">
+                <a:solidFill>
+                  <a:schemeClr val="tx1">
+                    <a:lumMod val="65000"/>
+                    <a:lumOff val="35000"/>
+                  </a:schemeClr>
+                </a:solidFill>
+                <a:latin typeface="+mj-lt"/>
+                <a:ea typeface="맑은 고딕" pitchFamily="50" charset="-127"/>
+                <a:cs typeface="+mn-cs"/>
+              </a:defRPr>
+            </a:lvl3pPr>
+            <a:lvl4pPr marL="1600200" indent="-228600" algn="l" defTabSz="914400" rtl="0" eaLnBrk="1" latinLnBrk="1" hangingPunct="1">
+              <a:spcBef>
+                <a:spcPct val="20000"/>
+              </a:spcBef>
+              <a:buFont typeface="Arial" pitchFamily="34" charset="0"/>
+              <a:buNone/>
+              <a:defRPr lang="ko-KR" altLang="en-US" sz="1600" i="1" kern="1200" baseline="0">
+                <a:solidFill>
+                  <a:schemeClr val="tx1">
+                    <a:lumMod val="65000"/>
+                    <a:lumOff val="35000"/>
+                  </a:schemeClr>
+                </a:solidFill>
+                <a:latin typeface="+mj-lt"/>
+                <a:ea typeface="맑은 고딕" pitchFamily="50" charset="-127"/>
+                <a:cs typeface="+mn-cs"/>
+              </a:defRPr>
+            </a:lvl4pPr>
+            <a:lvl5pPr marL="2057400" indent="-228600" algn="l" defTabSz="914400" rtl="0" eaLnBrk="1" latinLnBrk="1" hangingPunct="1">
+              <a:spcBef>
+                <a:spcPct val="20000"/>
+              </a:spcBef>
+              <a:buFont typeface="Arial" pitchFamily="34" charset="0"/>
+              <a:buNone/>
+              <a:defRPr lang="ko-KR" altLang="en-US" sz="1600" i="1" kern="1200" baseline="0">
+                <a:solidFill>
+                  <a:schemeClr val="tx1">
+                    <a:lumMod val="65000"/>
+                    <a:lumOff val="35000"/>
+                  </a:schemeClr>
+                </a:solidFill>
+                <a:latin typeface="+mj-lt"/>
+                <a:ea typeface="맑은 고딕" pitchFamily="50" charset="-127"/>
+                <a:cs typeface="+mn-cs"/>
+              </a:defRPr>
+            </a:lvl5pPr>
+            <a:lvl6pPr marL="2514600" indent="-228600" algn="l" defTabSz="914400" rtl="0" eaLnBrk="1" latinLnBrk="1" hangingPunct="1">
+              <a:spcBef>
+                <a:spcPct val="20000"/>
+              </a:spcBef>
+              <a:buFont typeface="Arial" pitchFamily="34" charset="0"/>
+              <a:buChar char="•"/>
+              <a:defRPr sz="2000" kern="1200">
+                <a:solidFill>
+                  <a:schemeClr val="tx1"/>
+                </a:solidFill>
+                <a:latin typeface="+mn-lt"/>
+                <a:ea typeface="+mn-ea"/>
+                <a:cs typeface="+mn-cs"/>
+              </a:defRPr>
+            </a:lvl6pPr>
+            <a:lvl7pPr marL="2971800" indent="-228600" algn="l" defTabSz="914400" rtl="0" eaLnBrk="1" latinLnBrk="1" hangingPunct="1">
+              <a:spcBef>
+                <a:spcPct val="20000"/>
+              </a:spcBef>
+              <a:buFont typeface="Arial" pitchFamily="34" charset="0"/>
+              <a:buChar char="•"/>
+              <a:defRPr sz="2000" kern="1200">
+                <a:solidFill>
+                  <a:schemeClr val="tx1"/>
+                </a:solidFill>
+                <a:latin typeface="+mn-lt"/>
+                <a:ea typeface="+mn-ea"/>
+                <a:cs typeface="+mn-cs"/>
+              </a:defRPr>
+            </a:lvl7pPr>
+            <a:lvl8pPr marL="3429000" indent="-228600" algn="l" defTabSz="914400" rtl="0" eaLnBrk="1" latinLnBrk="1" hangingPunct="1">
+              <a:spcBef>
+                <a:spcPct val="20000"/>
+              </a:spcBef>
+              <a:buFont typeface="Arial" pitchFamily="34" charset="0"/>
+              <a:buChar char="•"/>
+              <a:defRPr sz="2000" kern="1200">
+                <a:solidFill>
+                  <a:schemeClr val="tx1"/>
+                </a:solidFill>
+                <a:latin typeface="+mn-lt"/>
+                <a:ea typeface="+mn-ea"/>
+                <a:cs typeface="+mn-cs"/>
+              </a:defRPr>
+            </a:lvl8pPr>
+            <a:lvl9pPr marL="3886200" indent="-228600" algn="l" defTabSz="914400" rtl="0" eaLnBrk="1" latinLnBrk="1" hangingPunct="1">
+              <a:spcBef>
+                <a:spcPct val="20000"/>
+              </a:spcBef>
+              <a:buFont typeface="Arial" pitchFamily="34" charset="0"/>
+              <a:buChar char="•"/>
+              <a:defRPr sz="2000" kern="1200">
+                <a:solidFill>
+                  <a:schemeClr val="tx1"/>
+                </a:solidFill>
+                <a:latin typeface="+mn-lt"/>
+                <a:ea typeface="+mn-ea"/>
+                <a:cs typeface="+mn-cs"/>
+              </a:defRPr>
+            </a:lvl9pPr>
+          </a:lstStyle>
+          <a:p>
+            <a:pPr lvl="1">
+              <a:lnSpc>
+                <a:spcPct val="300000"/>
+              </a:lnSpc>
+              <a:buFont typeface="Arial" panose="020B0604020202020204" pitchFamily="34" charset="0"/>
+              <a:buChar char="•"/>
+            </a:pPr>
+            <a:r>
+              <a:rPr lang="hu-HU" altLang="ko-KR" sz="2800" b="1" dirty="0" err="1">
+                <a:solidFill>
+                  <a:schemeClr val="tx1"/>
+                </a:solidFill>
+              </a:rPr>
+              <a:t>Database</a:t>
+            </a:r>
+            <a:endParaRPr lang="hu-HU" altLang="ko-KR" sz="2800" b="1" dirty="0">
+              <a:solidFill>
+                <a:schemeClr val="tx1"/>
+              </a:solidFill>
+            </a:endParaRPr>
+          </a:p>
+          <a:p>
+            <a:pPr lvl="3">
+              <a:lnSpc>
+                <a:spcPct val="110000"/>
+              </a:lnSpc>
+              <a:buFont typeface="Arial" pitchFamily="34" charset="0"/>
+              <a:buChar char="•"/>
+            </a:pPr>
+            <a:r>
+              <a:rPr lang="hu-HU" altLang="ko-KR" sz="2800" dirty="0" err="1"/>
+              <a:t>MySQL</a:t>
+            </a:r>
+            <a:endParaRPr lang="hu-HU" altLang="ko-KR" sz="2800" dirty="0"/>
+          </a:p>
+        </p:txBody>
+      </p:sp>
+      <p:sp>
+        <p:nvSpPr>
+          <p:cNvPr id="6" name="내용 개체 틀 36">
+            <a:extLst>
+              <a:ext uri="{FF2B5EF4-FFF2-40B4-BE49-F238E27FC236}">
+                <a16:creationId xmlns:a16="http://schemas.microsoft.com/office/drawing/2014/main" id="{0785BBA9-C3AC-4254-B574-23D13E209FDD}"/>
+              </a:ext>
+            </a:extLst>
+          </p:cNvPr>
+          <p:cNvSpPr txBox="1">
+            <a:spLocks/>
+          </p:cNvSpPr>
+          <p:nvPr/>
+        </p:nvSpPr>
+        <p:spPr>
+          <a:xfrm>
+            <a:off x="4499992" y="4000244"/>
+            <a:ext cx="4392487" cy="2021044"/>
+          </a:xfrm>
+          <a:prstGeom prst="rect">
+            <a:avLst/>
+          </a:prstGeom>
+        </p:spPr>
+        <p:txBody>
+          <a:bodyPr vert="horz" lIns="91440" tIns="45720" rIns="91440" bIns="45720" rtlCol="0">
+            <a:normAutofit/>
+          </a:bodyPr>
+          <a:lstStyle>
+            <a:lvl1pPr marL="342900" indent="-342900" algn="l" defTabSz="914400" rtl="0" eaLnBrk="1" latinLnBrk="1" hangingPunct="1">
+              <a:spcBef>
+                <a:spcPct val="20000"/>
+              </a:spcBef>
+              <a:buFont typeface="Arial" pitchFamily="34" charset="0"/>
+              <a:buNone/>
+              <a:defRPr lang="ko-KR" altLang="en-US" sz="1600" i="1" kern="1200" baseline="0">
+                <a:solidFill>
+                  <a:schemeClr val="tx1">
+                    <a:lumMod val="65000"/>
+                    <a:lumOff val="35000"/>
+                  </a:schemeClr>
+                </a:solidFill>
+                <a:latin typeface="+mj-lt"/>
+                <a:ea typeface="맑은 고딕" pitchFamily="50" charset="-127"/>
+                <a:cs typeface="+mn-cs"/>
+              </a:defRPr>
+            </a:lvl1pPr>
+            <a:lvl2pPr marL="742950" indent="-285750" algn="l" defTabSz="914400" rtl="0" eaLnBrk="1" latinLnBrk="1" hangingPunct="1">
+              <a:spcBef>
+                <a:spcPct val="20000"/>
+              </a:spcBef>
+              <a:buFont typeface="Arial" pitchFamily="34" charset="0"/>
+              <a:buNone/>
+              <a:defRPr lang="ko-KR" altLang="en-US" sz="1600" i="1" kern="1200" baseline="0">
+                <a:solidFill>
+                  <a:schemeClr val="tx1">
+                    <a:lumMod val="65000"/>
+                    <a:lumOff val="35000"/>
+                  </a:schemeClr>
+                </a:solidFill>
+                <a:latin typeface="+mj-lt"/>
+                <a:ea typeface="맑은 고딕" pitchFamily="50" charset="-127"/>
+                <a:cs typeface="+mn-cs"/>
+              </a:defRPr>
+            </a:lvl2pPr>
+            <a:lvl3pPr marL="1143000" indent="-228600" algn="l" defTabSz="914400" rtl="0" eaLnBrk="1" latinLnBrk="1" hangingPunct="1">
+              <a:spcBef>
+                <a:spcPct val="20000"/>
+              </a:spcBef>
+              <a:buFont typeface="Arial" pitchFamily="34" charset="0"/>
+              <a:buNone/>
+              <a:defRPr lang="ko-KR" altLang="en-US" sz="1600" i="1" kern="1200" baseline="0">
+                <a:solidFill>
+                  <a:schemeClr val="tx1">
+                    <a:lumMod val="65000"/>
+                    <a:lumOff val="35000"/>
+                  </a:schemeClr>
+                </a:solidFill>
+                <a:latin typeface="+mj-lt"/>
+                <a:ea typeface="맑은 고딕" pitchFamily="50" charset="-127"/>
+                <a:cs typeface="+mn-cs"/>
+              </a:defRPr>
+            </a:lvl3pPr>
+            <a:lvl4pPr marL="1600200" indent="-228600" algn="l" defTabSz="914400" rtl="0" eaLnBrk="1" latinLnBrk="1" hangingPunct="1">
+              <a:spcBef>
+                <a:spcPct val="20000"/>
+              </a:spcBef>
+              <a:buFont typeface="Arial" pitchFamily="34" charset="0"/>
+              <a:buNone/>
+              <a:defRPr lang="ko-KR" altLang="en-US" sz="1600" i="1" kern="1200" baseline="0">
+                <a:solidFill>
+                  <a:schemeClr val="tx1">
+                    <a:lumMod val="65000"/>
+                    <a:lumOff val="35000"/>
+                  </a:schemeClr>
+                </a:solidFill>
+                <a:latin typeface="+mj-lt"/>
+                <a:ea typeface="맑은 고딕" pitchFamily="50" charset="-127"/>
+                <a:cs typeface="+mn-cs"/>
+              </a:defRPr>
+            </a:lvl4pPr>
+            <a:lvl5pPr marL="2057400" indent="-228600" algn="l" defTabSz="914400" rtl="0" eaLnBrk="1" latinLnBrk="1" hangingPunct="1">
+              <a:spcBef>
+                <a:spcPct val="20000"/>
+              </a:spcBef>
+              <a:buFont typeface="Arial" pitchFamily="34" charset="0"/>
+              <a:buNone/>
+              <a:defRPr lang="ko-KR" altLang="en-US" sz="1600" i="1" kern="1200" baseline="0">
+                <a:solidFill>
+                  <a:schemeClr val="tx1">
+                    <a:lumMod val="65000"/>
+                    <a:lumOff val="35000"/>
+                  </a:schemeClr>
+                </a:solidFill>
+                <a:latin typeface="+mj-lt"/>
+                <a:ea typeface="맑은 고딕" pitchFamily="50" charset="-127"/>
+                <a:cs typeface="+mn-cs"/>
+              </a:defRPr>
+            </a:lvl5pPr>
+            <a:lvl6pPr marL="2514600" indent="-228600" algn="l" defTabSz="914400" rtl="0" eaLnBrk="1" latinLnBrk="1" hangingPunct="1">
+              <a:spcBef>
+                <a:spcPct val="20000"/>
+              </a:spcBef>
+              <a:buFont typeface="Arial" pitchFamily="34" charset="0"/>
+              <a:buChar char="•"/>
+              <a:defRPr sz="2000" kern="1200">
+                <a:solidFill>
+                  <a:schemeClr val="tx1"/>
+                </a:solidFill>
+                <a:latin typeface="+mn-lt"/>
+                <a:ea typeface="+mn-ea"/>
+                <a:cs typeface="+mn-cs"/>
+              </a:defRPr>
+            </a:lvl6pPr>
+            <a:lvl7pPr marL="2971800" indent="-228600" algn="l" defTabSz="914400" rtl="0" eaLnBrk="1" latinLnBrk="1" hangingPunct="1">
+              <a:spcBef>
+                <a:spcPct val="20000"/>
+              </a:spcBef>
+              <a:buFont typeface="Arial" pitchFamily="34" charset="0"/>
+              <a:buChar char="•"/>
+              <a:defRPr sz="2000" kern="1200">
+                <a:solidFill>
+                  <a:schemeClr val="tx1"/>
+                </a:solidFill>
+                <a:latin typeface="+mn-lt"/>
+                <a:ea typeface="+mn-ea"/>
+                <a:cs typeface="+mn-cs"/>
+              </a:defRPr>
+            </a:lvl7pPr>
+            <a:lvl8pPr marL="3429000" indent="-228600" algn="l" defTabSz="914400" rtl="0" eaLnBrk="1" latinLnBrk="1" hangingPunct="1">
+              <a:spcBef>
+                <a:spcPct val="20000"/>
+              </a:spcBef>
+              <a:buFont typeface="Arial" pitchFamily="34" charset="0"/>
+              <a:buChar char="•"/>
+              <a:defRPr sz="2000" kern="1200">
+                <a:solidFill>
+                  <a:schemeClr val="tx1"/>
+                </a:solidFill>
+                <a:latin typeface="+mn-lt"/>
+                <a:ea typeface="+mn-ea"/>
+                <a:cs typeface="+mn-cs"/>
+              </a:defRPr>
+            </a:lvl8pPr>
+            <a:lvl9pPr marL="3886200" indent="-228600" algn="l" defTabSz="914400" rtl="0" eaLnBrk="1" latinLnBrk="1" hangingPunct="1">
+              <a:spcBef>
+                <a:spcPct val="20000"/>
+              </a:spcBef>
+              <a:buFont typeface="Arial" pitchFamily="34" charset="0"/>
+              <a:buChar char="•"/>
+              <a:defRPr sz="2000" kern="1200">
+                <a:solidFill>
+                  <a:schemeClr val="tx1"/>
+                </a:solidFill>
+                <a:latin typeface="+mn-lt"/>
+                <a:ea typeface="+mn-ea"/>
+                <a:cs typeface="+mn-cs"/>
+              </a:defRPr>
+            </a:lvl9pPr>
+          </a:lstStyle>
+          <a:p>
+            <a:pPr lvl="1">
+              <a:lnSpc>
+                <a:spcPct val="300000"/>
+              </a:lnSpc>
+              <a:buFont typeface="Arial" panose="020B0604020202020204" pitchFamily="34" charset="0"/>
+              <a:buChar char="•"/>
+            </a:pPr>
+            <a:r>
+              <a:rPr lang="hu-HU" altLang="ko-KR" sz="2800" b="1" dirty="0" err="1">
+                <a:solidFill>
+                  <a:schemeClr val="tx1"/>
+                </a:solidFill>
+              </a:rPr>
+              <a:t>CSMyadmin</a:t>
+            </a:r>
+            <a:endParaRPr lang="hu-HU" altLang="ko-KR" sz="2800" b="1" dirty="0">
+              <a:solidFill>
+                <a:schemeClr val="tx1"/>
+              </a:solidFill>
+            </a:endParaRPr>
+          </a:p>
+          <a:p>
+            <a:pPr lvl="3">
+              <a:lnSpc>
+                <a:spcPct val="110000"/>
+              </a:lnSpc>
+              <a:buFont typeface="Arial" pitchFamily="34" charset="0"/>
+              <a:buChar char="•"/>
+            </a:pPr>
+            <a:r>
+              <a:rPr lang="hu-HU" altLang="ko-KR" sz="2800" dirty="0"/>
+              <a:t>C#</a:t>
+            </a:r>
+          </a:p>
+        </p:txBody>
+      </p:sp>
+    </p:spTree>
+    <p:extLst>
+      <p:ext uri="{BB962C8B-B14F-4D97-AF65-F5344CB8AC3E}">
+        <p14:creationId xmlns:p14="http://schemas.microsoft.com/office/powerpoint/2010/main" val="3657459095"/>
+      </p:ext>
+    </p:extLst>
+  </p:cSld>
+  <p:clrMapOvr>
+    <a:masterClrMapping/>
+  </p:clrMapOvr>
+</p:sld>
+</file>
+
+<file path=ppt/slides/slide5.xml><?xml version="1.0" encoding="utf-8"?>
+<p:sld xmlns:a="http://schemas.openxmlformats.org/drawingml/2006/main" xmlns:r="http://schemas.openxmlformats.org/officeDocument/2006/relationships" xmlns:p="http://schemas.openxmlformats.org/presentationml/2006/main">
+  <p:cSld>
+    <p:spTree>
+      <p:nvGrpSpPr>
+        <p:cNvPr id="1" name=""/>
+        <p:cNvGrpSpPr/>
+        <p:nvPr/>
+      </p:nvGrpSpPr>
+      <p:grpSpPr>
+        <a:xfrm>
+          <a:off x="0" y="0"/>
+          <a:ext cx="0" cy="0"/>
+          <a:chOff x="0" y="0"/>
+          <a:chExt cx="0" cy="0"/>
+        </a:xfrm>
+      </p:grpSpPr>
+      <p:sp>
+        <p:nvSpPr>
+          <p:cNvPr id="2" name="제목 1"/>
+          <p:cNvSpPr>
+            <a:spLocks noGrp="1"/>
+          </p:cNvSpPr>
+          <p:nvPr>
+            <p:ph type="title"/>
+          </p:nvPr>
+        </p:nvSpPr>
+        <p:spPr/>
+        <p:txBody>
+          <a:bodyPr>
+            <a:noAutofit/>
+          </a:bodyPr>
+          <a:lstStyle/>
+          <a:p>
+            <a:pPr algn="ctr"/>
+            <a:r>
+              <a:rPr lang="hu-HU" altLang="ko-KR" sz="5400" dirty="0"/>
+              <a:t>Backend</a:t>
+            </a:r>
+            <a:endParaRPr lang="ko-KR" altLang="en-US" sz="5400" dirty="0"/>
+          </a:p>
+        </p:txBody>
+      </p:sp>
+      <p:sp>
+        <p:nvSpPr>
+          <p:cNvPr id="37" name="내용 개체 틀 36"/>
+          <p:cNvSpPr>
+            <a:spLocks noGrp="1"/>
+          </p:cNvSpPr>
+          <p:nvPr>
+            <p:ph idx="1"/>
+          </p:nvPr>
+        </p:nvSpPr>
+        <p:spPr>
+          <a:xfrm>
+            <a:off x="693144" y="2969695"/>
+            <a:ext cx="3257260" cy="2914951"/>
+          </a:xfrm>
+        </p:spPr>
+        <p:txBody>
+          <a:bodyPr>
+            <a:normAutofit/>
+          </a:bodyPr>
+          <a:lstStyle/>
+          <a:p>
+            <a:pPr>
+              <a:buFont typeface="Arial" panose="020B0604020202020204" pitchFamily="34" charset="0"/>
+              <a:buChar char="•"/>
+            </a:pPr>
+            <a:r>
+              <a:rPr lang="hu-HU" altLang="ko-KR" sz="1800" b="1" i="0" dirty="0" err="1">
+                <a:solidFill>
+                  <a:schemeClr val="tx1"/>
+                </a:solidFill>
+              </a:rPr>
+              <a:t>NodeJs</a:t>
+            </a:r>
+            <a:r>
+              <a:rPr lang="hu-HU" altLang="ko-KR" sz="1800" b="1" i="0" dirty="0">
+                <a:solidFill>
+                  <a:schemeClr val="tx1"/>
+                </a:solidFill>
+              </a:rPr>
+              <a:t> version: 16.15.0</a:t>
+            </a:r>
+          </a:p>
+          <a:p>
+            <a:pPr>
+              <a:buFont typeface="Arial" panose="020B0604020202020204" pitchFamily="34" charset="0"/>
+              <a:buChar char="•"/>
+            </a:pPr>
+            <a:r>
+              <a:rPr lang="hu-HU" altLang="ko-KR" sz="1800" b="1" i="0" dirty="0">
+                <a:solidFill>
+                  <a:schemeClr val="tx1"/>
+                </a:solidFill>
+              </a:rPr>
+              <a:t>Visual </a:t>
+            </a:r>
+            <a:r>
+              <a:rPr lang="hu-HU" altLang="ko-KR" sz="1800" b="1" i="0" dirty="0" err="1">
+                <a:solidFill>
+                  <a:schemeClr val="tx1"/>
+                </a:solidFill>
+              </a:rPr>
+              <a:t>Studio</a:t>
+            </a:r>
+            <a:r>
+              <a:rPr lang="hu-HU" altLang="ko-KR" sz="1800" b="1" i="0" dirty="0">
+                <a:solidFill>
+                  <a:schemeClr val="tx1"/>
+                </a:solidFill>
+              </a:rPr>
+              <a:t> </a:t>
+            </a:r>
+            <a:r>
+              <a:rPr lang="hu-HU" altLang="ko-KR" sz="1800" b="1" i="0" dirty="0" err="1">
+                <a:solidFill>
+                  <a:schemeClr val="tx1"/>
+                </a:solidFill>
+              </a:rPr>
+              <a:t>Code</a:t>
+            </a:r>
+            <a:r>
+              <a:rPr lang="hu-HU" altLang="ko-KR" sz="1800" b="1" i="0" dirty="0">
+                <a:solidFill>
+                  <a:schemeClr val="tx1"/>
+                </a:solidFill>
+              </a:rPr>
+              <a:t> 2019</a:t>
+            </a:r>
+          </a:p>
+          <a:p>
+            <a:pPr>
+              <a:buFont typeface="Arial" panose="020B0604020202020204" pitchFamily="34" charset="0"/>
+              <a:buChar char="•"/>
+            </a:pPr>
+            <a:r>
+              <a:rPr lang="hu-HU" altLang="ko-KR" sz="1800" b="1" i="0" dirty="0" err="1">
+                <a:solidFill>
+                  <a:schemeClr val="tx1"/>
+                </a:solidFill>
+              </a:rPr>
+              <a:t>Folders</a:t>
+            </a:r>
+            <a:r>
+              <a:rPr lang="hu-HU" altLang="ko-KR" sz="1800" b="1" i="0" dirty="0">
+                <a:solidFill>
+                  <a:schemeClr val="tx1"/>
+                </a:solidFill>
+              </a:rPr>
+              <a:t>:</a:t>
+            </a:r>
+          </a:p>
+          <a:p>
+            <a:pPr lvl="1">
+              <a:buFont typeface="Arial" panose="020B0604020202020204" pitchFamily="34" charset="0"/>
+              <a:buChar char="•"/>
+            </a:pPr>
+            <a:r>
+              <a:rPr lang="hu-HU" altLang="ko-KR" sz="1800" b="1" i="0" dirty="0" err="1"/>
+              <a:t>Connecting</a:t>
+            </a:r>
+            <a:r>
+              <a:rPr lang="hu-HU" altLang="ko-KR" sz="1800" b="1" i="0" dirty="0"/>
+              <a:t> </a:t>
+            </a:r>
+            <a:r>
+              <a:rPr lang="hu-HU" altLang="ko-KR" sz="1800" b="1" i="0" dirty="0" err="1"/>
+              <a:t>to</a:t>
+            </a:r>
+            <a:r>
+              <a:rPr lang="hu-HU" altLang="ko-KR" sz="1800" b="1" i="0" dirty="0"/>
+              <a:t> </a:t>
+            </a:r>
+            <a:r>
+              <a:rPr lang="hu-HU" altLang="ko-KR" sz="1800" b="1" i="0" dirty="0" err="1"/>
+              <a:t>database</a:t>
+            </a:r>
+            <a:endParaRPr lang="hu-HU" altLang="ko-KR" sz="1800" b="1" i="0" dirty="0"/>
+          </a:p>
+          <a:p>
+            <a:pPr lvl="1">
+              <a:buFont typeface="Arial" panose="020B0604020202020204" pitchFamily="34" charset="0"/>
+              <a:buChar char="•"/>
+            </a:pPr>
+            <a:r>
+              <a:rPr lang="hu-HU" altLang="ko-KR" sz="1800" b="1" i="0" dirty="0" err="1"/>
+              <a:t>Models</a:t>
+            </a:r>
+            <a:endParaRPr lang="hu-HU" altLang="ko-KR" sz="1800" b="1" i="0" dirty="0"/>
+          </a:p>
+          <a:p>
+            <a:pPr lvl="1">
+              <a:buFont typeface="Arial" panose="020B0604020202020204" pitchFamily="34" charset="0"/>
+              <a:buChar char="•"/>
+            </a:pPr>
+            <a:r>
+              <a:rPr lang="hu-HU" altLang="ko-KR" sz="1800" b="1" i="0" dirty="0" err="1"/>
+              <a:t>Controllers</a:t>
+            </a:r>
+            <a:endParaRPr lang="hu-HU" altLang="ko-KR" sz="1800" b="1" i="0" dirty="0"/>
+          </a:p>
+          <a:p>
+            <a:pPr lvl="1">
+              <a:buFont typeface="Arial" panose="020B0604020202020204" pitchFamily="34" charset="0"/>
+              <a:buChar char="•"/>
+            </a:pPr>
+            <a:r>
+              <a:rPr lang="hu-HU" altLang="ko-KR" sz="1800" b="1" i="0" dirty="0" err="1"/>
+              <a:t>Views</a:t>
+            </a:r>
+            <a:endParaRPr lang="hu-HU" altLang="ko-KR" sz="1800" b="1" i="0" dirty="0"/>
+          </a:p>
+        </p:txBody>
+      </p:sp>
+      <p:pic>
+        <p:nvPicPr>
+          <p:cNvPr id="1026" name="Picture 2" descr="Node.js - Wikipedia">
+            <a:extLst>
+              <a:ext uri="{FF2B5EF4-FFF2-40B4-BE49-F238E27FC236}">
+                <a16:creationId xmlns:a16="http://schemas.microsoft.com/office/drawing/2014/main" id="{5E9064EF-3764-4B49-B7A6-676D14DEAD40}"/>
+              </a:ext>
+            </a:extLst>
+          </p:cNvPr>
+          <p:cNvPicPr>
+            <a:picLocks noChangeAspect="1" noChangeArrowheads="1"/>
+          </p:cNvPicPr>
+          <p:nvPr/>
+        </p:nvPicPr>
+        <p:blipFill>
+          <a:blip r:embed="rId2" cstate="print">
+            <a:extLst>
+              <a:ext uri="{28A0092B-C50C-407E-A947-70E740481C1C}">
+                <a14:useLocalDpi xmlns:a14="http://schemas.microsoft.com/office/drawing/2010/main" val="0"/>
+              </a:ext>
+            </a:extLst>
+          </a:blip>
+          <a:srcRect/>
+          <a:stretch>
+            <a:fillRect/>
+          </a:stretch>
+        </p:blipFill>
+        <p:spPr bwMode="auto">
+          <a:xfrm>
+            <a:off x="693144" y="1268594"/>
+            <a:ext cx="2144051" cy="1311370"/>
+          </a:xfrm>
+          <a:prstGeom prst="rect">
+            <a:avLst/>
+          </a:prstGeom>
+          <a:noFill/>
+          <a:extLst>
+            <a:ext uri="{909E8E84-426E-40DD-AFC4-6F175D3DCCD1}">
+              <a14:hiddenFill xmlns:a14="http://schemas.microsoft.com/office/drawing/2010/main">
+                <a:solidFill>
+                  <a:srgbClr val="FFFFFF"/>
+                </a:solidFill>
+              </a14:hiddenFill>
+            </a:ext>
+          </a:extLst>
+        </p:spPr>
+      </p:pic>
+      <p:pic>
+        <p:nvPicPr>
+          <p:cNvPr id="4" name="Kép 3">
+            <a:extLst>
+              <a:ext uri="{FF2B5EF4-FFF2-40B4-BE49-F238E27FC236}">
+                <a16:creationId xmlns:a16="http://schemas.microsoft.com/office/drawing/2014/main" id="{3887FBF8-61BE-4E45-A69A-D85A66D7D65D}"/>
+              </a:ext>
+            </a:extLst>
+          </p:cNvPr>
+          <p:cNvPicPr>
+            <a:picLocks noChangeAspect="1"/>
+          </p:cNvPicPr>
+          <p:nvPr/>
+        </p:nvPicPr>
+        <p:blipFill>
+          <a:blip r:embed="rId3"/>
+          <a:stretch>
+            <a:fillRect/>
+          </a:stretch>
+        </p:blipFill>
+        <p:spPr>
+          <a:xfrm>
+            <a:off x="3995936" y="1340768"/>
+            <a:ext cx="1609950" cy="3934374"/>
+          </a:xfrm>
+          <a:prstGeom prst="rect">
+            <a:avLst/>
+          </a:prstGeom>
+        </p:spPr>
+      </p:pic>
+      <p:pic>
+        <p:nvPicPr>
+          <p:cNvPr id="6" name="Kép 5">
+            <a:extLst>
+              <a:ext uri="{FF2B5EF4-FFF2-40B4-BE49-F238E27FC236}">
+                <a16:creationId xmlns:a16="http://schemas.microsoft.com/office/drawing/2014/main" id="{3800A3EF-6176-42B4-B9DF-F82AD2644C3D}"/>
+              </a:ext>
+            </a:extLst>
+          </p:cNvPr>
+          <p:cNvPicPr>
+            <a:picLocks noChangeAspect="1"/>
+          </p:cNvPicPr>
+          <p:nvPr/>
+        </p:nvPicPr>
+        <p:blipFill>
+          <a:blip r:embed="rId4"/>
+          <a:stretch>
+            <a:fillRect/>
+          </a:stretch>
+        </p:blipFill>
+        <p:spPr>
+          <a:xfrm>
+            <a:off x="5738417" y="1340768"/>
+            <a:ext cx="3134162" cy="1886213"/>
+          </a:xfrm>
+          <a:prstGeom prst="rect">
+            <a:avLst/>
+          </a:prstGeom>
+        </p:spPr>
+      </p:pic>
+      <p:pic>
+        <p:nvPicPr>
+          <p:cNvPr id="8" name="Kép 7">
+            <a:extLst>
+              <a:ext uri="{FF2B5EF4-FFF2-40B4-BE49-F238E27FC236}">
+                <a16:creationId xmlns:a16="http://schemas.microsoft.com/office/drawing/2014/main" id="{87C8961D-40CC-4BF7-AF40-BB4D2150F6ED}"/>
+              </a:ext>
+            </a:extLst>
+          </p:cNvPr>
+          <p:cNvPicPr>
+            <a:picLocks noChangeAspect="1"/>
+          </p:cNvPicPr>
+          <p:nvPr/>
+        </p:nvPicPr>
+        <p:blipFill>
+          <a:blip r:embed="rId5"/>
+          <a:stretch>
+            <a:fillRect/>
+          </a:stretch>
+        </p:blipFill>
+        <p:spPr>
+          <a:xfrm>
+            <a:off x="5738417" y="3307955"/>
+            <a:ext cx="3134162" cy="3391373"/>
+          </a:xfrm>
+          <a:prstGeom prst="rect">
+            <a:avLst/>
+          </a:prstGeom>
+        </p:spPr>
+      </p:pic>
+    </p:spTree>
+    <p:extLst>
+      <p:ext uri="{BB962C8B-B14F-4D97-AF65-F5344CB8AC3E}">
+        <p14:creationId xmlns:p14="http://schemas.microsoft.com/office/powerpoint/2010/main" val="3012349130"/>
+      </p:ext>
+    </p:extLst>
+  </p:cSld>
+  <p:clrMapOvr>
+    <a:masterClrMapping/>
+  </p:clrMapOvr>
+</p:sld>
+</file>
+
+<file path=ppt/slides/slide6.xml><?xml version="1.0" encoding="utf-8"?>
+<p:sld xmlns:a="http://schemas.openxmlformats.org/drawingml/2006/main" xmlns:r="http://schemas.openxmlformats.org/officeDocument/2006/relationships" xmlns:p="http://schemas.openxmlformats.org/presentationml/2006/main">
+  <p:cSld>
+    <p:spTree>
+      <p:nvGrpSpPr>
+        <p:cNvPr id="1" name=""/>
+        <p:cNvGrpSpPr/>
+        <p:nvPr/>
+      </p:nvGrpSpPr>
+      <p:grpSpPr>
+        <a:xfrm>
+          <a:off x="0" y="0"/>
+          <a:ext cx="0" cy="0"/>
+          <a:chOff x="0" y="0"/>
+          <a:chExt cx="0" cy="0"/>
+        </a:xfrm>
+      </p:grpSpPr>
+      <p:sp>
+        <p:nvSpPr>
+          <p:cNvPr id="2" name="제목 1"/>
+          <p:cNvSpPr>
+            <a:spLocks noGrp="1"/>
+          </p:cNvSpPr>
+          <p:nvPr>
+            <p:ph type="title"/>
+          </p:nvPr>
+        </p:nvSpPr>
+        <p:spPr/>
+        <p:txBody>
+          <a:bodyPr>
+            <a:noAutofit/>
+          </a:bodyPr>
+          <a:lstStyle/>
+          <a:p>
+            <a:pPr algn="ctr"/>
+            <a:r>
+              <a:rPr lang="hu-HU" altLang="ko-KR" sz="5400" dirty="0"/>
+              <a:t>Backend</a:t>
+            </a:r>
+            <a:endParaRPr lang="ko-KR" altLang="en-US" sz="5400" dirty="0"/>
+          </a:p>
+        </p:txBody>
+      </p:sp>
+      <p:sp>
+        <p:nvSpPr>
+          <p:cNvPr id="37" name="내용 개체 틀 36"/>
+          <p:cNvSpPr>
+            <a:spLocks noGrp="1"/>
+          </p:cNvSpPr>
+          <p:nvPr>
+            <p:ph idx="1"/>
+          </p:nvPr>
+        </p:nvSpPr>
+        <p:spPr>
+          <a:xfrm>
+            <a:off x="395536" y="2249488"/>
+            <a:ext cx="3064743" cy="2984532"/>
+          </a:xfrm>
+        </p:spPr>
+        <p:txBody>
+          <a:bodyPr>
+            <a:normAutofit lnSpcReduction="10000"/>
+          </a:bodyPr>
+          <a:lstStyle/>
+          <a:p>
+            <a:pPr marL="0" indent="0"/>
+            <a:r>
+              <a:rPr lang="hu-HU" altLang="ko-KR" sz="3200" b="1" i="0" dirty="0" err="1">
+                <a:solidFill>
+                  <a:schemeClr val="tx1"/>
+                </a:solidFill>
+              </a:rPr>
+              <a:t>Controllers</a:t>
+            </a:r>
+            <a:endParaRPr lang="hu-HU" altLang="ko-KR" sz="3200" b="1" i="0" dirty="0">
+              <a:solidFill>
+                <a:schemeClr val="tx1"/>
+              </a:solidFill>
+            </a:endParaRPr>
+          </a:p>
+          <a:p>
+            <a:pPr>
+              <a:buFont typeface="Arial" panose="020B0604020202020204" pitchFamily="34" charset="0"/>
+              <a:buChar char="•"/>
+            </a:pPr>
+            <a:r>
+              <a:rPr lang="hu-HU" altLang="ko-KR" sz="2400" b="1" i="0" dirty="0" err="1">
+                <a:solidFill>
+                  <a:schemeClr val="tx1"/>
+                </a:solidFill>
+              </a:rPr>
+              <a:t>Extensions</a:t>
+            </a:r>
+            <a:endParaRPr lang="hu-HU" altLang="ko-KR" sz="2400" b="1" i="0" dirty="0">
+              <a:solidFill>
+                <a:schemeClr val="tx1"/>
+              </a:solidFill>
+            </a:endParaRPr>
+          </a:p>
+          <a:p>
+            <a:pPr lvl="1">
+              <a:buFont typeface="Arial" panose="020B0604020202020204" pitchFamily="34" charset="0"/>
+              <a:buChar char="•"/>
+            </a:pPr>
+            <a:r>
+              <a:rPr lang="hu-HU" altLang="ko-KR" sz="2400" b="1" i="0" dirty="0" err="1">
+                <a:solidFill>
+                  <a:schemeClr val="tx1">
+                    <a:lumMod val="75000"/>
+                    <a:lumOff val="25000"/>
+                  </a:schemeClr>
+                </a:solidFill>
+              </a:rPr>
+              <a:t>nodeMailer</a:t>
+            </a:r>
+            <a:endParaRPr lang="hu-HU" altLang="ko-KR" sz="2400" b="1" i="0" dirty="0">
+              <a:solidFill>
+                <a:schemeClr val="tx1">
+                  <a:lumMod val="75000"/>
+                  <a:lumOff val="25000"/>
+                </a:schemeClr>
+              </a:solidFill>
+            </a:endParaRPr>
+          </a:p>
+          <a:p>
+            <a:pPr lvl="1">
+              <a:buFont typeface="Arial" panose="020B0604020202020204" pitchFamily="34" charset="0"/>
+              <a:buChar char="•"/>
+            </a:pPr>
+            <a:r>
+              <a:rPr lang="hu-HU" altLang="ko-KR" sz="2400" b="1" i="0" dirty="0">
+                <a:solidFill>
+                  <a:schemeClr val="tx1">
+                    <a:lumMod val="75000"/>
+                    <a:lumOff val="25000"/>
+                  </a:schemeClr>
+                </a:solidFill>
+              </a:rPr>
+              <a:t>md5Hasher</a:t>
+            </a:r>
+          </a:p>
+          <a:p>
+            <a:pPr>
+              <a:buFont typeface="Arial" panose="020B0604020202020204" pitchFamily="34" charset="0"/>
+              <a:buChar char="•"/>
+            </a:pPr>
+            <a:r>
+              <a:rPr lang="hu-HU" altLang="ko-KR" sz="2400" b="1" i="0" dirty="0" err="1">
+                <a:solidFill>
+                  <a:schemeClr val="tx1"/>
+                </a:solidFill>
+              </a:rPr>
+              <a:t>Functions</a:t>
+            </a:r>
+            <a:endParaRPr lang="hu-HU" altLang="ko-KR" sz="2400" b="1" i="0" dirty="0">
+              <a:solidFill>
+                <a:schemeClr val="tx1"/>
+              </a:solidFill>
+            </a:endParaRPr>
+          </a:p>
+          <a:p>
+            <a:pPr>
+              <a:buFont typeface="Arial" panose="020B0604020202020204" pitchFamily="34" charset="0"/>
+              <a:buChar char="•"/>
+            </a:pPr>
+            <a:r>
+              <a:rPr lang="hu-HU" altLang="ko-KR" sz="2400" b="1" i="0" dirty="0" err="1">
+                <a:solidFill>
+                  <a:schemeClr val="tx1"/>
+                </a:solidFill>
+              </a:rPr>
+              <a:t>Requests</a:t>
+            </a:r>
+            <a:endParaRPr lang="hu-HU" altLang="ko-KR" sz="2400" b="1" i="0" dirty="0">
+              <a:solidFill>
+                <a:schemeClr val="tx1"/>
+              </a:solidFill>
+            </a:endParaRPr>
+          </a:p>
+          <a:p>
+            <a:pPr>
+              <a:buFont typeface="Arial" panose="020B0604020202020204" pitchFamily="34" charset="0"/>
+              <a:buChar char="•"/>
+            </a:pPr>
+            <a:r>
+              <a:rPr lang="hu-HU" altLang="ko-KR" sz="2400" b="1" i="0" dirty="0" err="1">
+                <a:solidFill>
+                  <a:schemeClr val="tx1"/>
+                </a:solidFill>
+              </a:rPr>
+              <a:t>Rendering</a:t>
+            </a:r>
+            <a:r>
+              <a:rPr lang="hu-HU" altLang="ko-KR" sz="2400" b="1" i="0" dirty="0">
+                <a:solidFill>
+                  <a:schemeClr val="tx1"/>
+                </a:solidFill>
+              </a:rPr>
+              <a:t> .</a:t>
+            </a:r>
+            <a:r>
+              <a:rPr lang="hu-HU" altLang="ko-KR" sz="2400" b="1" i="0" dirty="0" err="1">
+                <a:solidFill>
+                  <a:schemeClr val="tx1"/>
+                </a:solidFill>
+              </a:rPr>
+              <a:t>ejs</a:t>
+            </a:r>
+            <a:r>
+              <a:rPr lang="hu-HU" altLang="ko-KR" sz="2400" b="1" i="0" dirty="0">
+                <a:solidFill>
+                  <a:schemeClr val="tx1"/>
+                </a:solidFill>
+              </a:rPr>
+              <a:t> </a:t>
+            </a:r>
+            <a:r>
+              <a:rPr lang="hu-HU" altLang="ko-KR" sz="2400" b="1" i="0" dirty="0" err="1">
+                <a:solidFill>
+                  <a:schemeClr val="tx1"/>
+                </a:solidFill>
+              </a:rPr>
+              <a:t>files</a:t>
+            </a:r>
+            <a:endParaRPr lang="hu-HU" altLang="ko-KR" sz="2400" b="1" i="0" dirty="0">
+              <a:solidFill>
+                <a:schemeClr val="tx1"/>
+              </a:solidFill>
+            </a:endParaRPr>
+          </a:p>
+        </p:txBody>
+      </p:sp>
+      <p:pic>
+        <p:nvPicPr>
+          <p:cNvPr id="1026" name="Picture 2" descr="Node.js - Wikipedia">
+            <a:extLst>
+              <a:ext uri="{FF2B5EF4-FFF2-40B4-BE49-F238E27FC236}">
+                <a16:creationId xmlns:a16="http://schemas.microsoft.com/office/drawing/2014/main" id="{5E9064EF-3764-4B49-B7A6-676D14DEAD40}"/>
+              </a:ext>
+            </a:extLst>
+          </p:cNvPr>
+          <p:cNvPicPr>
+            <a:picLocks noChangeAspect="1" noChangeArrowheads="1"/>
+          </p:cNvPicPr>
+          <p:nvPr/>
+        </p:nvPicPr>
+        <p:blipFill>
+          <a:blip r:embed="rId2" cstate="print">
+            <a:extLst>
+              <a:ext uri="{28A0092B-C50C-407E-A947-70E740481C1C}">
+                <a14:useLocalDpi xmlns:a14="http://schemas.microsoft.com/office/drawing/2010/main" val="0"/>
+              </a:ext>
+            </a:extLst>
+          </a:blip>
+          <a:srcRect/>
+          <a:stretch>
+            <a:fillRect/>
+          </a:stretch>
+        </p:blipFill>
+        <p:spPr bwMode="auto">
+          <a:xfrm>
+            <a:off x="7350346" y="116632"/>
+            <a:ext cx="1412771" cy="864096"/>
+          </a:xfrm>
+          <a:prstGeom prst="rect">
+            <a:avLst/>
+          </a:prstGeom>
+          <a:noFill/>
+          <a:extLst>
+            <a:ext uri="{909E8E84-426E-40DD-AFC4-6F175D3DCCD1}">
+              <a14:hiddenFill xmlns:a14="http://schemas.microsoft.com/office/drawing/2010/main">
+                <a:solidFill>
+                  <a:srgbClr val="FFFFFF"/>
+                </a:solidFill>
+              </a14:hiddenFill>
+            </a:ext>
+          </a:extLst>
+        </p:spPr>
+      </p:pic>
+      <p:pic>
+        <p:nvPicPr>
+          <p:cNvPr id="4" name="Kép 3">
+            <a:extLst>
+              <a:ext uri="{FF2B5EF4-FFF2-40B4-BE49-F238E27FC236}">
+                <a16:creationId xmlns:a16="http://schemas.microsoft.com/office/drawing/2014/main" id="{F083EB6C-E084-4FC2-AE70-AFABFAA4418A}"/>
+              </a:ext>
+            </a:extLst>
+          </p:cNvPr>
+          <p:cNvPicPr>
+            <a:picLocks noChangeAspect="1"/>
+          </p:cNvPicPr>
+          <p:nvPr/>
+        </p:nvPicPr>
+        <p:blipFill>
+          <a:blip r:embed="rId3"/>
+          <a:stretch>
+            <a:fillRect/>
+          </a:stretch>
+        </p:blipFill>
+        <p:spPr>
+          <a:xfrm>
+            <a:off x="3563888" y="1916832"/>
+            <a:ext cx="5408152" cy="4695401"/>
+          </a:xfrm>
+          <a:prstGeom prst="rect">
+            <a:avLst/>
+          </a:prstGeom>
+        </p:spPr>
+      </p:pic>
+      <p:pic>
+        <p:nvPicPr>
+          <p:cNvPr id="6" name="Kép 5">
+            <a:extLst>
+              <a:ext uri="{FF2B5EF4-FFF2-40B4-BE49-F238E27FC236}">
+                <a16:creationId xmlns:a16="http://schemas.microsoft.com/office/drawing/2014/main" id="{B109DC4B-5814-41C2-8981-7A3394801DC2}"/>
+              </a:ext>
+            </a:extLst>
+          </p:cNvPr>
+          <p:cNvPicPr>
+            <a:picLocks noChangeAspect="1"/>
+          </p:cNvPicPr>
+          <p:nvPr/>
+        </p:nvPicPr>
+        <p:blipFill>
+          <a:blip r:embed="rId4"/>
+          <a:stretch>
+            <a:fillRect/>
+          </a:stretch>
+        </p:blipFill>
+        <p:spPr>
+          <a:xfrm>
+            <a:off x="1648343" y="1623980"/>
+            <a:ext cx="7360961" cy="225664"/>
+          </a:xfrm>
+          <a:prstGeom prst="rect">
+            <a:avLst/>
+          </a:prstGeom>
+        </p:spPr>
+      </p:pic>
+    </p:spTree>
+    <p:extLst>
+      <p:ext uri="{BB962C8B-B14F-4D97-AF65-F5344CB8AC3E}">
+        <p14:creationId xmlns:p14="http://schemas.microsoft.com/office/powerpoint/2010/main" val="2738471741"/>
+      </p:ext>
+    </p:extLst>
+  </p:cSld>
+  <p:clrMapOvr>
+    <a:masterClrMapping/>
+  </p:clrMapOvr>
+</p:sld>
+</file>
+
+<file path=ppt/slides/slide7.xml><?xml version="1.0" encoding="utf-8"?>
+<p:sld xmlns:a="http://schemas.openxmlformats.org/drawingml/2006/main" xmlns:r="http://schemas.openxmlformats.org/officeDocument/2006/relationships" xmlns:p="http://schemas.openxmlformats.org/presentationml/2006/main">
+  <p:cSld>
+    <p:spTree>
+      <p:nvGrpSpPr>
+        <p:cNvPr id="1" name=""/>
+        <p:cNvGrpSpPr/>
+        <p:nvPr/>
+      </p:nvGrpSpPr>
+      <p:grpSpPr>
+        <a:xfrm>
+          <a:off x="0" y="0"/>
+          <a:ext cx="0" cy="0"/>
+          <a:chOff x="0" y="0"/>
+          <a:chExt cx="0" cy="0"/>
+        </a:xfrm>
+      </p:grpSpPr>
+      <p:sp>
+        <p:nvSpPr>
+          <p:cNvPr id="2" name="제목 1"/>
+          <p:cNvSpPr>
+            <a:spLocks noGrp="1"/>
+          </p:cNvSpPr>
+          <p:nvPr>
+            <p:ph type="title"/>
+          </p:nvPr>
+        </p:nvSpPr>
+        <p:spPr/>
+        <p:txBody>
+          <a:bodyPr>
+            <a:noAutofit/>
+          </a:bodyPr>
+          <a:lstStyle/>
+          <a:p>
+            <a:pPr algn="ctr"/>
+            <a:r>
+              <a:rPr lang="hu-HU" altLang="ko-KR" sz="5400" dirty="0"/>
+              <a:t>Frontend</a:t>
+            </a:r>
+            <a:endParaRPr lang="ko-KR" altLang="en-US" sz="5400" dirty="0"/>
+          </a:p>
+        </p:txBody>
+      </p:sp>
+      <p:pic>
+        <p:nvPicPr>
+          <p:cNvPr id="4" name="Tartalom helye 3">
+            <a:extLst>
+              <a:ext uri="{FF2B5EF4-FFF2-40B4-BE49-F238E27FC236}">
+                <a16:creationId xmlns:a16="http://schemas.microsoft.com/office/drawing/2014/main" id="{6646C75F-417A-4C69-A6E9-0C9A7BF7DC8F}"/>
+              </a:ext>
+            </a:extLst>
+          </p:cNvPr>
+          <p:cNvPicPr>
+            <a:picLocks noGrp="1" noChangeAspect="1"/>
+          </p:cNvPicPr>
+          <p:nvPr>
+            <p:ph idx="1"/>
+          </p:nvPr>
+        </p:nvPicPr>
+        <p:blipFill>
+          <a:blip r:embed="rId2" cstate="print">
+            <a:extLst>
+              <a:ext uri="{28A0092B-C50C-407E-A947-70E740481C1C}">
+                <a14:useLocalDpi xmlns:a14="http://schemas.microsoft.com/office/drawing/2010/main" val="0"/>
+              </a:ext>
+            </a:extLst>
+          </a:blip>
+          <a:stretch>
+            <a:fillRect/>
+          </a:stretch>
+        </p:blipFill>
+        <p:spPr>
+          <a:xfrm>
+            <a:off x="297032" y="1345223"/>
+            <a:ext cx="3996251" cy="2588197"/>
+          </a:xfrm>
+        </p:spPr>
+      </p:pic>
+      <p:pic>
+        <p:nvPicPr>
+          <p:cNvPr id="6" name="Kép 5">
+            <a:extLst>
+              <a:ext uri="{FF2B5EF4-FFF2-40B4-BE49-F238E27FC236}">
+                <a16:creationId xmlns:a16="http://schemas.microsoft.com/office/drawing/2014/main" id="{AA2BADCB-798F-44CB-A85B-38B3A9ED067C}"/>
+              </a:ext>
+            </a:extLst>
+          </p:cNvPr>
+          <p:cNvPicPr>
+            <a:picLocks noChangeAspect="1"/>
+          </p:cNvPicPr>
+          <p:nvPr/>
+        </p:nvPicPr>
+        <p:blipFill>
+          <a:blip r:embed="rId3">
+            <a:extLst>
+              <a:ext uri="{28A0092B-C50C-407E-A947-70E740481C1C}">
+                <a14:useLocalDpi xmlns:a14="http://schemas.microsoft.com/office/drawing/2010/main" val="0"/>
+              </a:ext>
+            </a:extLst>
+          </a:blip>
+          <a:stretch>
+            <a:fillRect/>
+          </a:stretch>
+        </p:blipFill>
+        <p:spPr>
+          <a:xfrm>
+            <a:off x="262879" y="4149081"/>
+            <a:ext cx="3996251" cy="1519942"/>
+          </a:xfrm>
+          <a:prstGeom prst="rect">
+            <a:avLst/>
+          </a:prstGeom>
+        </p:spPr>
+      </p:pic>
+    </p:spTree>
+    <p:extLst>
+      <p:ext uri="{BB962C8B-B14F-4D97-AF65-F5344CB8AC3E}">
+        <p14:creationId xmlns:p14="http://schemas.microsoft.com/office/powerpoint/2010/main" val="3367471375"/>
+      </p:ext>
+    </p:extLst>
+  </p:cSld>
+  <p:clrMapOvr>
+    <a:masterClrMapping/>
+  </p:clrMapOvr>
+</p:sld>
+</file>
+
+<file path=ppt/slides/slide8.xml><?xml version="1.0" encoding="utf-8"?>
+<p:sld xmlns:a="http://schemas.openxmlformats.org/drawingml/2006/main" xmlns:r="http://schemas.openxmlformats.org/officeDocument/2006/relationships" xmlns:p="http://schemas.openxmlformats.org/presentationml/2006/main">
+  <p:cSld>
+    <p:spTree>
+      <p:nvGrpSpPr>
+        <p:cNvPr id="1" name=""/>
+        <p:cNvGrpSpPr/>
+        <p:nvPr/>
+      </p:nvGrpSpPr>
+      <p:grpSpPr>
+        <a:xfrm>
+          <a:off x="0" y="0"/>
+          <a:ext cx="0" cy="0"/>
+          <a:chOff x="0" y="0"/>
+          <a:chExt cx="0" cy="0"/>
+        </a:xfrm>
+      </p:grpSpPr>
+      <p:sp>
+        <p:nvSpPr>
+          <p:cNvPr id="2" name="제목 1"/>
+          <p:cNvSpPr>
+            <a:spLocks noGrp="1"/>
+          </p:cNvSpPr>
+          <p:nvPr>
+            <p:ph type="title"/>
+          </p:nvPr>
+        </p:nvSpPr>
+        <p:spPr/>
+        <p:txBody>
+          <a:bodyPr>
+            <a:noAutofit/>
+          </a:bodyPr>
+          <a:lstStyle/>
+          <a:p>
+            <a:pPr algn="ctr"/>
+            <a:r>
+              <a:rPr lang="hu-HU" altLang="ko-KR" sz="5400" dirty="0"/>
+              <a:t>Frontend</a:t>
+            </a:r>
+            <a:endParaRPr lang="ko-KR" altLang="en-US" sz="5400" dirty="0"/>
+          </a:p>
+        </p:txBody>
+      </p:sp>
+      <p:sp>
+        <p:nvSpPr>
+          <p:cNvPr id="37" name="내용 개체 틀 36"/>
+          <p:cNvSpPr>
+            <a:spLocks noGrp="1"/>
+          </p:cNvSpPr>
+          <p:nvPr>
+            <p:ph idx="1"/>
+          </p:nvPr>
+        </p:nvSpPr>
+        <p:spPr>
+          <a:xfrm>
+            <a:off x="693144" y="1484785"/>
+            <a:ext cx="5463032" cy="4399862"/>
+          </a:xfrm>
+        </p:spPr>
+        <p:txBody>
+          <a:bodyPr>
+            <a:normAutofit/>
+          </a:bodyPr>
+          <a:lstStyle/>
+          <a:p>
+            <a:pPr>
+              <a:buFont typeface="Arial" panose="020B0604020202020204" pitchFamily="34" charset="0"/>
+              <a:buChar char="•"/>
+            </a:pPr>
+            <a:endParaRPr lang="hu-HU" altLang="ko-KR" sz="1800" b="1" i="0" dirty="0"/>
+          </a:p>
+        </p:txBody>
+      </p:sp>
+    </p:spTree>
+    <p:extLst>
+      <p:ext uri="{BB962C8B-B14F-4D97-AF65-F5344CB8AC3E}">
+        <p14:creationId xmlns:p14="http://schemas.microsoft.com/office/powerpoint/2010/main" val="1219020715"/>
+      </p:ext>
+    </p:extLst>
+  </p:cSld>
+  <p:clrMapOvr>
+    <a:masterClrMapping/>
+  </p:clrMapOvr>
+</p:sld>
+</file>
+
+<file path=ppt/slides/slide9.xml><?xml version="1.0" encoding="utf-8"?>
+<p:sld xmlns:a="http://schemas.openxmlformats.org/drawingml/2006/main" xmlns:r="http://schemas.openxmlformats.org/officeDocument/2006/relationships" xmlns:p="http://schemas.openxmlformats.org/presentationml/2006/main">
+  <p:cSld>
+    <p:spTree>
+      <p:nvGrpSpPr>
+        <p:cNvPr id="1" name=""/>
+        <p:cNvGrpSpPr/>
+        <p:nvPr/>
+      </p:nvGrpSpPr>
+      <p:grpSpPr>
+        <a:xfrm>
+          <a:off x="0" y="0"/>
+          <a:ext cx="0" cy="0"/>
+          <a:chOff x="0" y="0"/>
+          <a:chExt cx="0" cy="0"/>
+        </a:xfrm>
+      </p:grpSpPr>
+      <p:sp>
+        <p:nvSpPr>
+          <p:cNvPr id="2" name="제목 1"/>
+          <p:cNvSpPr>
+            <a:spLocks noGrp="1"/>
+          </p:cNvSpPr>
+          <p:nvPr>
+            <p:ph type="title"/>
+          </p:nvPr>
+        </p:nvSpPr>
+        <p:spPr/>
+        <p:txBody>
+          <a:bodyPr>
+            <a:noAutofit/>
+          </a:bodyPr>
+          <a:lstStyle/>
+          <a:p>
+            <a:pPr algn="ctr"/>
+            <a:r>
+              <a:rPr lang="hu-HU" altLang="ko-KR" sz="5400" dirty="0" err="1"/>
+              <a:t>Database</a:t>
+            </a:r>
+            <a:endParaRPr lang="ko-KR" altLang="en-US" sz="5400" dirty="0"/>
+          </a:p>
+        </p:txBody>
+      </p:sp>
+      <p:sp>
+        <p:nvSpPr>
+          <p:cNvPr id="37" name="내용 개체 틀 36"/>
+          <p:cNvSpPr>
+            <a:spLocks noGrp="1"/>
+          </p:cNvSpPr>
+          <p:nvPr>
+            <p:ph idx="1"/>
+          </p:nvPr>
+        </p:nvSpPr>
+        <p:spPr>
+          <a:xfrm>
+            <a:off x="184046" y="2796928"/>
+            <a:ext cx="3446808" cy="3463759"/>
+          </a:xfrm>
+        </p:spPr>
+        <p:txBody>
+          <a:bodyPr>
+            <a:normAutofit/>
+          </a:bodyPr>
+          <a:lstStyle/>
+          <a:p>
+            <a:pPr>
+              <a:buFont typeface="Arial" panose="020B0604020202020204" pitchFamily="34" charset="0"/>
+              <a:buChar char="•"/>
+            </a:pPr>
+            <a:r>
+              <a:rPr lang="hu-HU" altLang="ko-KR" sz="2400" b="1" i="0" dirty="0" err="1">
+                <a:solidFill>
+                  <a:schemeClr val="tx1"/>
+                </a:solidFill>
+              </a:rPr>
+              <a:t>MySql</a:t>
+            </a:r>
+            <a:r>
+              <a:rPr lang="hu-HU" altLang="ko-KR" sz="2400" b="1" i="0" dirty="0">
+                <a:solidFill>
+                  <a:schemeClr val="tx1"/>
+                </a:solidFill>
+              </a:rPr>
+              <a:t> </a:t>
+            </a:r>
+            <a:r>
+              <a:rPr lang="hu-HU" altLang="ko-KR" sz="2400" b="1" i="0" dirty="0" err="1">
+                <a:solidFill>
+                  <a:schemeClr val="tx1"/>
+                </a:solidFill>
+              </a:rPr>
+              <a:t>database</a:t>
+            </a:r>
+            <a:endParaRPr lang="hu-HU" altLang="ko-KR" sz="2400" b="1" i="0" dirty="0">
+              <a:solidFill>
+                <a:schemeClr val="tx1"/>
+              </a:solidFill>
+            </a:endParaRPr>
+          </a:p>
+          <a:p>
+            <a:pPr lvl="1">
+              <a:buFont typeface="Arial" panose="020B0604020202020204" pitchFamily="34" charset="0"/>
+              <a:buChar char="•"/>
+            </a:pPr>
+            <a:r>
+              <a:rPr lang="hu-HU" altLang="ko-KR" sz="2400" b="1" i="0" dirty="0" err="1"/>
+              <a:t>Auto</a:t>
+            </a:r>
+            <a:r>
+              <a:rPr lang="hu-HU" altLang="ko-KR" sz="2400" b="1" i="0" dirty="0"/>
+              <a:t> (</a:t>
+            </a:r>
+            <a:r>
+              <a:rPr lang="hu-HU" altLang="ko-KR" sz="2400" b="1" i="0" dirty="0" err="1"/>
+              <a:t>Car</a:t>
+            </a:r>
+            <a:r>
+              <a:rPr lang="hu-HU" altLang="ko-KR" sz="2400" b="1" i="0" dirty="0"/>
+              <a:t>)</a:t>
+            </a:r>
+          </a:p>
+          <a:p>
+            <a:pPr lvl="1">
+              <a:buFont typeface="Arial" panose="020B0604020202020204" pitchFamily="34" charset="0"/>
+              <a:buChar char="•"/>
+            </a:pPr>
+            <a:r>
+              <a:rPr lang="hu-HU" altLang="ko-KR" sz="2400" b="1" i="0" dirty="0" err="1"/>
+              <a:t>Info</a:t>
+            </a:r>
+            <a:r>
+              <a:rPr lang="hu-HU" altLang="ko-KR" sz="2400" b="1" i="0" dirty="0"/>
+              <a:t> (</a:t>
+            </a:r>
+            <a:r>
+              <a:rPr lang="hu-HU" altLang="ko-KR" sz="2400" b="1" i="0" dirty="0" err="1"/>
+              <a:t>Specs</a:t>
+            </a:r>
+            <a:r>
+              <a:rPr lang="hu-HU" altLang="ko-KR" sz="2400" b="1" i="0" dirty="0"/>
+              <a:t>)</a:t>
+            </a:r>
+          </a:p>
+          <a:p>
+            <a:pPr lvl="1">
+              <a:buFont typeface="Arial" panose="020B0604020202020204" pitchFamily="34" charset="0"/>
+              <a:buChar char="•"/>
+            </a:pPr>
+            <a:r>
+              <a:rPr lang="hu-HU" altLang="ko-KR" sz="2400" b="1" i="0" dirty="0"/>
+              <a:t>Gumiabroncs (</a:t>
+            </a:r>
+            <a:r>
+              <a:rPr lang="hu-HU" altLang="ko-KR" sz="2400" b="1" i="0" dirty="0" err="1"/>
+              <a:t>Tire</a:t>
+            </a:r>
+            <a:r>
+              <a:rPr lang="hu-HU" altLang="ko-KR" sz="2400" b="1" i="0" dirty="0"/>
+              <a:t>)</a:t>
+            </a:r>
+          </a:p>
+          <a:p>
+            <a:pPr lvl="1">
+              <a:buFont typeface="Arial" panose="020B0604020202020204" pitchFamily="34" charset="0"/>
+              <a:buChar char="•"/>
+            </a:pPr>
+            <a:r>
+              <a:rPr lang="hu-HU" altLang="ko-KR" sz="2400" b="1" i="0" dirty="0" err="1"/>
+              <a:t>Felhasznalo</a:t>
+            </a:r>
+            <a:r>
+              <a:rPr lang="hu-HU" altLang="ko-KR" sz="2400" b="1" i="0" dirty="0"/>
+              <a:t> (</a:t>
+            </a:r>
+            <a:r>
+              <a:rPr lang="hu-HU" altLang="ko-KR" sz="2400" b="1" i="0" dirty="0" err="1"/>
+              <a:t>User</a:t>
+            </a:r>
+            <a:r>
+              <a:rPr lang="hu-HU" altLang="ko-KR" sz="2400" b="1" i="0" dirty="0"/>
+              <a:t>)</a:t>
+            </a:r>
+          </a:p>
+        </p:txBody>
+      </p:sp>
+      <p:pic>
+        <p:nvPicPr>
+          <p:cNvPr id="4098" name="Picture 2" descr="MySQL - LiveAgent">
+            <a:extLst>
+              <a:ext uri="{FF2B5EF4-FFF2-40B4-BE49-F238E27FC236}">
+                <a16:creationId xmlns:a16="http://schemas.microsoft.com/office/drawing/2014/main" id="{237131A0-B166-40F4-BD4F-67794BC36939}"/>
+              </a:ext>
+            </a:extLst>
+          </p:cNvPr>
+          <p:cNvPicPr>
+            <a:picLocks noChangeAspect="1" noChangeArrowheads="1"/>
+          </p:cNvPicPr>
+          <p:nvPr/>
+        </p:nvPicPr>
+        <p:blipFill>
+          <a:blip r:embed="rId2" cstate="print">
+            <a:extLst>
+              <a:ext uri="{28A0092B-C50C-407E-A947-70E740481C1C}">
+                <a14:useLocalDpi xmlns:a14="http://schemas.microsoft.com/office/drawing/2010/main" val="0"/>
+              </a:ext>
+            </a:extLst>
+          </a:blip>
+          <a:srcRect/>
+          <a:stretch>
+            <a:fillRect/>
+          </a:stretch>
+        </p:blipFill>
+        <p:spPr bwMode="auto">
+          <a:xfrm>
+            <a:off x="539552" y="980728"/>
+            <a:ext cx="2735796" cy="1823864"/>
+          </a:xfrm>
+          <a:prstGeom prst="rect">
+            <a:avLst/>
+          </a:prstGeom>
+          <a:noFill/>
+          <a:extLst>
+            <a:ext uri="{909E8E84-426E-40DD-AFC4-6F175D3DCCD1}">
+              <a14:hiddenFill xmlns:a14="http://schemas.microsoft.com/office/drawing/2010/main">
+                <a:solidFill>
+                  <a:srgbClr val="FFFFFF"/>
+                </a:solidFill>
+              </a14:hiddenFill>
+            </a:ext>
+          </a:extLst>
+        </p:spPr>
+      </p:pic>
+      <p:pic>
+        <p:nvPicPr>
+          <p:cNvPr id="9" name="Kép 8">
+            <a:extLst>
+              <a:ext uri="{FF2B5EF4-FFF2-40B4-BE49-F238E27FC236}">
+                <a16:creationId xmlns:a16="http://schemas.microsoft.com/office/drawing/2014/main" id="{C39426AC-F421-48F6-B33F-D2F1E9BADE33}"/>
+              </a:ext>
+            </a:extLst>
+          </p:cNvPr>
+          <p:cNvPicPr>
+            <a:picLocks noChangeAspect="1"/>
+          </p:cNvPicPr>
+          <p:nvPr/>
+        </p:nvPicPr>
+        <p:blipFill>
+          <a:blip r:embed="rId3"/>
+          <a:stretch>
+            <a:fillRect/>
+          </a:stretch>
+        </p:blipFill>
+        <p:spPr>
+          <a:xfrm>
+            <a:off x="3540966" y="1716549"/>
+            <a:ext cx="5418988" cy="3463759"/>
+          </a:xfrm>
+          <a:prstGeom prst="rect">
+            <a:avLst/>
+          </a:prstGeom>
+        </p:spPr>
+      </p:pic>
+      <p:pic>
+        <p:nvPicPr>
+          <p:cNvPr id="11" name="Kép 10">
+            <a:extLst>
+              <a:ext uri="{FF2B5EF4-FFF2-40B4-BE49-F238E27FC236}">
+                <a16:creationId xmlns:a16="http://schemas.microsoft.com/office/drawing/2014/main" id="{6D1D26A2-7DCC-46CE-B328-62996A60838B}"/>
+              </a:ext>
+            </a:extLst>
+          </p:cNvPr>
+          <p:cNvPicPr>
+            <a:picLocks noChangeAspect="1"/>
+          </p:cNvPicPr>
+          <p:nvPr/>
+        </p:nvPicPr>
+        <p:blipFill>
+          <a:blip r:embed="rId4"/>
+          <a:stretch>
+            <a:fillRect/>
+          </a:stretch>
+        </p:blipFill>
+        <p:spPr>
+          <a:xfrm>
+            <a:off x="6233576" y="4581128"/>
+            <a:ext cx="2591162" cy="1962424"/>
+          </a:xfrm>
+          <a:prstGeom prst="rect">
+            <a:avLst/>
+          </a:prstGeom>
+        </p:spPr>
+      </p:pic>
+      <p:pic>
+        <p:nvPicPr>
+          <p:cNvPr id="13" name="Kép 12">
+            <a:extLst>
+              <a:ext uri="{FF2B5EF4-FFF2-40B4-BE49-F238E27FC236}">
+                <a16:creationId xmlns:a16="http://schemas.microsoft.com/office/drawing/2014/main" id="{1068C497-5DE3-4BCD-BBCA-11831974DA7B}"/>
+              </a:ext>
+            </a:extLst>
+          </p:cNvPr>
+          <p:cNvPicPr>
+            <a:picLocks noChangeAspect="1"/>
+          </p:cNvPicPr>
+          <p:nvPr/>
+        </p:nvPicPr>
+        <p:blipFill>
+          <a:blip r:embed="rId5"/>
+          <a:stretch>
+            <a:fillRect/>
+          </a:stretch>
+        </p:blipFill>
+        <p:spPr>
+          <a:xfrm>
+            <a:off x="3818017" y="5180308"/>
+            <a:ext cx="2228395" cy="1406815"/>
+          </a:xfrm>
+          <a:prstGeom prst="rect">
+            <a:avLst/>
+          </a:prstGeom>
+        </p:spPr>
+      </p:pic>
+    </p:spTree>
+    <p:extLst>
+      <p:ext uri="{BB962C8B-B14F-4D97-AF65-F5344CB8AC3E}">
+        <p14:creationId xmlns:p14="http://schemas.microsoft.com/office/powerpoint/2010/main" val="4161289803"/>
+      </p:ext>
+    </p:extLst>
   </p:cSld>
   <p:clrMapOvr>
     <a:masterClrMapping/>
